--- a/Unit 3/6371 For Live Session Assignment Unit 3 Student.pptx
+++ b/Unit 3/6371 For Live Session Assignment Unit 3 Student.pptx
@@ -6,42 +6,53 @@
   </p:sldMasterIdLst>
   <p:sldIdLst>
     <p:sldId id="256" r:id="rId2"/>
-    <p:sldId id="259" r:id="rId3"/>
-    <p:sldId id="373" r:id="rId4"/>
-    <p:sldId id="353" r:id="rId5"/>
-    <p:sldId id="337" r:id="rId6"/>
-    <p:sldId id="432" r:id="rId7"/>
-    <p:sldId id="352" r:id="rId8"/>
-    <p:sldId id="338" r:id="rId9"/>
-    <p:sldId id="351" r:id="rId10"/>
-    <p:sldId id="409" r:id="rId11"/>
-    <p:sldId id="392" r:id="rId12"/>
-    <p:sldId id="393" r:id="rId13"/>
-    <p:sldId id="394" r:id="rId14"/>
-    <p:sldId id="395" r:id="rId15"/>
-    <p:sldId id="396" r:id="rId16"/>
-    <p:sldId id="397" r:id="rId17"/>
-    <p:sldId id="398" r:id="rId18"/>
-    <p:sldId id="399" r:id="rId19"/>
-    <p:sldId id="400" r:id="rId20"/>
-    <p:sldId id="410" r:id="rId21"/>
-    <p:sldId id="405" r:id="rId22"/>
-    <p:sldId id="411" r:id="rId23"/>
-    <p:sldId id="257" r:id="rId24"/>
-    <p:sldId id="262" r:id="rId25"/>
-    <p:sldId id="258" r:id="rId26"/>
-    <p:sldId id="433" r:id="rId27"/>
-    <p:sldId id="431" r:id="rId28"/>
-    <p:sldId id="430" r:id="rId29"/>
-    <p:sldId id="421" r:id="rId30"/>
-    <p:sldId id="422" r:id="rId31"/>
-    <p:sldId id="423" r:id="rId32"/>
-    <p:sldId id="424" r:id="rId33"/>
-    <p:sldId id="425" r:id="rId34"/>
-    <p:sldId id="429" r:id="rId35"/>
-    <p:sldId id="426" r:id="rId36"/>
-    <p:sldId id="457" r:id="rId37"/>
-    <p:sldId id="261" r:id="rId38"/>
+    <p:sldId id="459" r:id="rId3"/>
+    <p:sldId id="458" r:id="rId4"/>
+    <p:sldId id="464" r:id="rId5"/>
+    <p:sldId id="465" r:id="rId6"/>
+    <p:sldId id="466" r:id="rId7"/>
+    <p:sldId id="467" r:id="rId8"/>
+    <p:sldId id="468" r:id="rId9"/>
+    <p:sldId id="460" r:id="rId10"/>
+    <p:sldId id="461" r:id="rId11"/>
+    <p:sldId id="259" r:id="rId12"/>
+    <p:sldId id="373" r:id="rId13"/>
+    <p:sldId id="353" r:id="rId14"/>
+    <p:sldId id="337" r:id="rId15"/>
+    <p:sldId id="432" r:id="rId16"/>
+    <p:sldId id="352" r:id="rId17"/>
+    <p:sldId id="338" r:id="rId18"/>
+    <p:sldId id="351" r:id="rId19"/>
+    <p:sldId id="409" r:id="rId20"/>
+    <p:sldId id="392" r:id="rId21"/>
+    <p:sldId id="393" r:id="rId22"/>
+    <p:sldId id="394" r:id="rId23"/>
+    <p:sldId id="395" r:id="rId24"/>
+    <p:sldId id="396" r:id="rId25"/>
+    <p:sldId id="397" r:id="rId26"/>
+    <p:sldId id="398" r:id="rId27"/>
+    <p:sldId id="399" r:id="rId28"/>
+    <p:sldId id="400" r:id="rId29"/>
+    <p:sldId id="410" r:id="rId30"/>
+    <p:sldId id="405" r:id="rId31"/>
+    <p:sldId id="411" r:id="rId32"/>
+    <p:sldId id="257" r:id="rId33"/>
+    <p:sldId id="262" r:id="rId34"/>
+    <p:sldId id="258" r:id="rId35"/>
+    <p:sldId id="433" r:id="rId36"/>
+    <p:sldId id="431" r:id="rId37"/>
+    <p:sldId id="430" r:id="rId38"/>
+    <p:sldId id="421" r:id="rId39"/>
+    <p:sldId id="422" r:id="rId40"/>
+    <p:sldId id="423" r:id="rId41"/>
+    <p:sldId id="424" r:id="rId42"/>
+    <p:sldId id="425" r:id="rId43"/>
+    <p:sldId id="429" r:id="rId44"/>
+    <p:sldId id="426" r:id="rId45"/>
+    <p:sldId id="457" r:id="rId46"/>
+    <p:sldId id="261" r:id="rId47"/>
+    <p:sldId id="462" r:id="rId48"/>
+    <p:sldId id="463" r:id="rId49"/>
   </p:sldIdLst>
   <p:sldSz cx="9144000" cy="6858000" type="screen4x3"/>
   <p:notesSz cx="6858000" cy="9144000"/>
@@ -3086,6 +3097,3937 @@
 </file>
 
 <file path=ppt/slides/slide10.xml><?xml version="1.0" encoding="utf-8"?>
+<p:sld xmlns:a="http://schemas.openxmlformats.org/drawingml/2006/main" xmlns:r="http://schemas.openxmlformats.org/officeDocument/2006/relationships" xmlns:p="http://schemas.openxmlformats.org/presentationml/2006/main">
+  <p:cSld>
+    <p:spTree>
+      <p:nvGrpSpPr>
+        <p:cNvPr id="1" name=""/>
+        <p:cNvGrpSpPr/>
+        <p:nvPr/>
+      </p:nvGrpSpPr>
+      <p:grpSpPr>
+        <a:xfrm>
+          <a:off x="0" y="0"/>
+          <a:ext cx="0" cy="0"/>
+          <a:chOff x="0" y="0"/>
+          <a:chExt cx="0" cy="0"/>
+        </a:xfrm>
+      </p:grpSpPr>
+      <p:sp>
+        <p:nvSpPr>
+          <p:cNvPr id="2" name="Title 1">
+            <a:extLst>
+              <a:ext uri="{FF2B5EF4-FFF2-40B4-BE49-F238E27FC236}">
+                <a16:creationId xmlns:a16="http://schemas.microsoft.com/office/drawing/2014/main" id="{4AFC8849-9CB4-4449-88B2-F4CF82FE3413}"/>
+              </a:ext>
+            </a:extLst>
+          </p:cNvPr>
+          <p:cNvSpPr>
+            <a:spLocks noGrp="1"/>
+          </p:cNvSpPr>
+          <p:nvPr>
+            <p:ph type="title"/>
+          </p:nvPr>
+        </p:nvSpPr>
+        <p:spPr/>
+        <p:txBody>
+          <a:bodyPr/>
+          <a:lstStyle/>
+          <a:p>
+            <a:r>
+              <a:rPr lang="en-US" dirty="0"/>
+              <a:t>Part 2</a:t>
+            </a:r>
+          </a:p>
+        </p:txBody>
+      </p:sp>
+      <p:sp>
+        <p:nvSpPr>
+          <p:cNvPr id="3" name="Content Placeholder 2">
+            <a:extLst>
+              <a:ext uri="{FF2B5EF4-FFF2-40B4-BE49-F238E27FC236}">
+                <a16:creationId xmlns:a16="http://schemas.microsoft.com/office/drawing/2014/main" id="{36E6410E-F105-3A4E-82A7-8F25EAE010D9}"/>
+              </a:ext>
+            </a:extLst>
+          </p:cNvPr>
+          <p:cNvSpPr>
+            <a:spLocks noGrp="1"/>
+          </p:cNvSpPr>
+          <p:nvPr>
+            <p:ph idx="1"/>
+          </p:nvPr>
+        </p:nvSpPr>
+        <p:spPr/>
+        <p:txBody>
+          <a:bodyPr/>
+          <a:lstStyle/>
+          <a:p>
+            <a:endParaRPr lang="en-US"/>
+          </a:p>
+        </p:txBody>
+      </p:sp>
+    </p:spTree>
+    <p:extLst>
+      <p:ext uri="{BB962C8B-B14F-4D97-AF65-F5344CB8AC3E}">
+        <p14:creationId xmlns:p14="http://schemas.microsoft.com/office/powerpoint/2010/main" val="1188695561"/>
+      </p:ext>
+    </p:extLst>
+  </p:cSld>
+  <p:clrMapOvr>
+    <a:masterClrMapping/>
+  </p:clrMapOvr>
+</p:sld>
+</file>
+
+<file path=ppt/slides/slide11.xml><?xml version="1.0" encoding="utf-8"?>
+<p:sld xmlns:a="http://schemas.openxmlformats.org/drawingml/2006/main" xmlns:r="http://schemas.openxmlformats.org/officeDocument/2006/relationships" xmlns:p="http://schemas.openxmlformats.org/presentationml/2006/main">
+  <p:cSld>
+    <p:spTree>
+      <p:nvGrpSpPr>
+        <p:cNvPr id="1" name=""/>
+        <p:cNvGrpSpPr/>
+        <p:nvPr/>
+      </p:nvGrpSpPr>
+      <p:grpSpPr>
+        <a:xfrm>
+          <a:off x="0" y="0"/>
+          <a:ext cx="0" cy="0"/>
+          <a:chOff x="0" y="0"/>
+          <a:chExt cx="0" cy="0"/>
+        </a:xfrm>
+      </p:grpSpPr>
+      <mc:AlternateContent xmlns:mc="http://schemas.openxmlformats.org/markup-compatibility/2006" xmlns:a14="http://schemas.microsoft.com/office/drawing/2010/main">
+        <mc:Choice Requires="a14">
+          <p:sp>
+            <p:nvSpPr>
+              <p:cNvPr id="2" name="Title 1">
+                <a:extLst>
+                  <a:ext uri="{FF2B5EF4-FFF2-40B4-BE49-F238E27FC236}">
+                    <a16:creationId xmlns:a16="http://schemas.microsoft.com/office/drawing/2014/main" id="{BBB18197-A1DF-534E-B10F-B81925E26A72}"/>
+                  </a:ext>
+                </a:extLst>
+              </p:cNvPr>
+              <p:cNvSpPr>
+                <a:spLocks noGrp="1"/>
+              </p:cNvSpPr>
+              <p:nvPr>
+                <p:ph type="title"/>
+              </p:nvPr>
+            </p:nvSpPr>
+            <p:spPr/>
+            <p:txBody>
+              <a:bodyPr/>
+              <a:lstStyle/>
+              <a:p>
+                <a:r>
+                  <a:rPr lang="en-US" dirty="0"/>
+                  <a:t>Activity 1 (</a:t>
+                </a:r>
+                <a14:m>
+                  <m:oMath xmlns:m="http://schemas.openxmlformats.org/officeDocument/2006/math">
+                    <m:r>
+                      <a:rPr lang="en-US" i="1" smtClean="0">
+                        <a:latin typeface="Cambria Math" panose="02040503050406030204" pitchFamily="18" charset="0"/>
+                        <a:ea typeface="Cambria Math" panose="02040503050406030204" pitchFamily="18" charset="0"/>
+                      </a:rPr>
+                      <m:t>≤ </m:t>
+                    </m:r>
+                  </m:oMath>
+                </a14:m>
+                <a:r>
+                  <a:rPr lang="en-US" dirty="0"/>
+                  <a:t>2 hours)</a:t>
+                </a:r>
+              </a:p>
+            </p:txBody>
+          </p:sp>
+        </mc:Choice>
+        <mc:Fallback xmlns="">
+          <p:sp>
+            <p:nvSpPr>
+              <p:cNvPr id="2" name="Title 1">
+                <a:extLst>
+                  <a:ext uri="{FF2B5EF4-FFF2-40B4-BE49-F238E27FC236}">
+                    <a16:creationId xmlns:a16="http://schemas.microsoft.com/office/drawing/2014/main" id="{BBB18197-A1DF-534E-B10F-B81925E26A72}"/>
+                  </a:ext>
+                </a:extLst>
+              </p:cNvPr>
+              <p:cNvSpPr>
+                <a:spLocks noGrp="1" noRot="1" noChangeAspect="1" noMove="1" noResize="1" noEditPoints="1" noAdjustHandles="1" noChangeArrowheads="1" noChangeShapeType="1" noTextEdit="1"/>
+              </p:cNvSpPr>
+              <p:nvPr>
+                <p:ph type="title"/>
+              </p:nvPr>
+            </p:nvSpPr>
+            <p:spPr>
+              <a:blipFill>
+                <a:blip r:embed="rId2"/>
+                <a:stretch>
+                  <a:fillRect l="-2292"/>
+                </a:stretch>
+              </a:blipFill>
+            </p:spPr>
+            <p:txBody>
+              <a:bodyPr/>
+              <a:lstStyle/>
+              <a:p>
+                <a:r>
+                  <a:rPr lang="en-US">
+                    <a:noFill/>
+                  </a:rPr>
+                  <a:t> </a:t>
+                </a:r>
+              </a:p>
+            </p:txBody>
+          </p:sp>
+        </mc:Fallback>
+      </mc:AlternateContent>
+      <p:sp>
+        <p:nvSpPr>
+          <p:cNvPr id="3" name="Content Placeholder 2">
+            <a:extLst>
+              <a:ext uri="{FF2B5EF4-FFF2-40B4-BE49-F238E27FC236}">
+                <a16:creationId xmlns:a16="http://schemas.microsoft.com/office/drawing/2014/main" id="{66BD897B-2EB4-494F-945D-B9059417119E}"/>
+              </a:ext>
+            </a:extLst>
+          </p:cNvPr>
+          <p:cNvSpPr>
+            <a:spLocks noGrp="1"/>
+          </p:cNvSpPr>
+          <p:nvPr>
+            <p:ph idx="1"/>
+          </p:nvPr>
+        </p:nvSpPr>
+        <p:spPr/>
+        <p:txBody>
+          <a:bodyPr/>
+          <a:lstStyle/>
+          <a:p>
+            <a:r>
+              <a:rPr lang="en-US" dirty="0"/>
+              <a:t>Use your knowledge from the </a:t>
+            </a:r>
+            <a:r>
+              <a:rPr lang="en-US" dirty="0" err="1"/>
+              <a:t>asynch</a:t>
+            </a:r>
+            <a:r>
+              <a:rPr lang="en-US" dirty="0"/>
+              <a:t> material and run through the following slides on conducting a </a:t>
+            </a:r>
+            <a:r>
+              <a:rPr lang="en-US" i="1" dirty="0"/>
+              <a:t>Complete Analysis.  There are 3 Examples. </a:t>
+            </a:r>
+            <a:endParaRPr lang="en-US" dirty="0"/>
+          </a:p>
+          <a:p>
+            <a:r>
+              <a:rPr lang="en-US" dirty="0"/>
+              <a:t>You will use the same ideas to complete Question 1 following the slides.  </a:t>
+            </a:r>
+          </a:p>
+        </p:txBody>
+      </p:sp>
+    </p:spTree>
+    <p:extLst>
+      <p:ext uri="{BB962C8B-B14F-4D97-AF65-F5344CB8AC3E}">
+        <p14:creationId xmlns:p14="http://schemas.microsoft.com/office/powerpoint/2010/main" val="347836989"/>
+      </p:ext>
+    </p:extLst>
+  </p:cSld>
+  <p:clrMapOvr>
+    <a:masterClrMapping/>
+  </p:clrMapOvr>
+</p:sld>
+</file>
+
+<file path=ppt/slides/slide12.xml><?xml version="1.0" encoding="utf-8"?>
+<p:sld xmlns:a="http://schemas.openxmlformats.org/drawingml/2006/main" xmlns:r="http://schemas.openxmlformats.org/officeDocument/2006/relationships" xmlns:p="http://schemas.openxmlformats.org/presentationml/2006/main">
+  <p:cSld>
+    <p:spTree>
+      <p:nvGrpSpPr>
+        <p:cNvPr id="1" name=""/>
+        <p:cNvGrpSpPr/>
+        <p:nvPr/>
+      </p:nvGrpSpPr>
+      <p:grpSpPr>
+        <a:xfrm>
+          <a:off x="0" y="0"/>
+          <a:ext cx="0" cy="0"/>
+          <a:chOff x="0" y="0"/>
+          <a:chExt cx="0" cy="0"/>
+        </a:xfrm>
+      </p:grpSpPr>
+      <p:sp>
+        <p:nvSpPr>
+          <p:cNvPr id="2" name="Title 1"/>
+          <p:cNvSpPr>
+            <a:spLocks noGrp="1"/>
+          </p:cNvSpPr>
+          <p:nvPr>
+            <p:ph type="title"/>
+          </p:nvPr>
+        </p:nvSpPr>
+        <p:spPr/>
+        <p:txBody>
+          <a:bodyPr/>
+          <a:lstStyle/>
+          <a:p>
+            <a:r>
+              <a:rPr lang="en-US" dirty="0"/>
+              <a:t>Examples of A Complete Analysis:</a:t>
+            </a:r>
+          </a:p>
+        </p:txBody>
+      </p:sp>
+      <p:sp>
+        <p:nvSpPr>
+          <p:cNvPr id="3" name="Content Placeholder 2"/>
+          <p:cNvSpPr>
+            <a:spLocks noGrp="1"/>
+          </p:cNvSpPr>
+          <p:nvPr>
+            <p:ph idx="1"/>
+          </p:nvPr>
+        </p:nvSpPr>
+        <p:spPr/>
+        <p:txBody>
+          <a:bodyPr/>
+          <a:lstStyle/>
+          <a:p>
+            <a:r>
+              <a:rPr lang="en-US" dirty="0"/>
+              <a:t>Statement of the Problem</a:t>
+            </a:r>
+          </a:p>
+          <a:p>
+            <a:r>
+              <a:rPr lang="en-US" dirty="0"/>
+              <a:t>Address the Assumptions</a:t>
+            </a:r>
+          </a:p>
+          <a:p>
+            <a:r>
+              <a:rPr lang="en-US" dirty="0"/>
+              <a:t>Perform the Appropriate Test (5 Steps)</a:t>
+            </a:r>
+          </a:p>
+          <a:p>
+            <a:r>
+              <a:rPr lang="en-US" dirty="0"/>
+              <a:t>Step 6: Provide a conclusion that a non statistician can understand. Include a p-value and confidence interval</a:t>
+            </a:r>
+          </a:p>
+          <a:p>
+            <a:r>
+              <a:rPr lang="en-US" dirty="0"/>
+              <a:t>Scope of Inference</a:t>
+            </a:r>
+          </a:p>
+          <a:p>
+            <a:endParaRPr lang="en-US" dirty="0"/>
+          </a:p>
+        </p:txBody>
+      </p:sp>
+      <p:sp>
+        <p:nvSpPr>
+          <p:cNvPr id="4" name="Slide Number Placeholder 3"/>
+          <p:cNvSpPr>
+            <a:spLocks noGrp="1"/>
+          </p:cNvSpPr>
+          <p:nvPr>
+            <p:ph type="sldNum" sz="quarter" idx="12"/>
+          </p:nvPr>
+        </p:nvSpPr>
+        <p:spPr/>
+        <p:txBody>
+          <a:bodyPr/>
+          <a:lstStyle/>
+          <a:p>
+            <a:fld id="{240F1BDB-6CE4-495C-AC30-106FDA64768F}" type="slidenum">
+              <a:rPr lang="en-US" smtClean="0"/>
+              <a:t>12</a:t>
+            </a:fld>
+            <a:endParaRPr lang="en-US" dirty="0"/>
+          </a:p>
+        </p:txBody>
+      </p:sp>
+    </p:spTree>
+    <p:extLst>
+      <p:ext uri="{BB962C8B-B14F-4D97-AF65-F5344CB8AC3E}">
+        <p14:creationId xmlns:p14="http://schemas.microsoft.com/office/powerpoint/2010/main" val="2535290913"/>
+      </p:ext>
+    </p:extLst>
+  </p:cSld>
+  <p:clrMapOvr>
+    <a:masterClrMapping/>
+  </p:clrMapOvr>
+</p:sld>
+</file>
+
+<file path=ppt/slides/slide13.xml><?xml version="1.0" encoding="utf-8"?>
+<p:sld xmlns:a="http://schemas.openxmlformats.org/drawingml/2006/main" xmlns:r="http://schemas.openxmlformats.org/officeDocument/2006/relationships" xmlns:p="http://schemas.openxmlformats.org/presentationml/2006/main">
+  <p:cSld>
+    <p:spTree>
+      <p:nvGrpSpPr>
+        <p:cNvPr id="1" name=""/>
+        <p:cNvGrpSpPr/>
+        <p:nvPr/>
+      </p:nvGrpSpPr>
+      <p:grpSpPr>
+        <a:xfrm>
+          <a:off x="0" y="0"/>
+          <a:ext cx="0" cy="0"/>
+          <a:chOff x="0" y="0"/>
+          <a:chExt cx="0" cy="0"/>
+        </a:xfrm>
+      </p:grpSpPr>
+      <p:sp>
+        <p:nvSpPr>
+          <p:cNvPr id="23554" name="Rectangle 2"/>
+          <p:cNvSpPr>
+            <a:spLocks noGrp="1" noChangeArrowheads="1"/>
+          </p:cNvSpPr>
+          <p:nvPr>
+            <p:ph type="title"/>
+          </p:nvPr>
+        </p:nvSpPr>
+        <p:spPr bwMode="auto">
+          <a:xfrm>
+            <a:off x="457200" y="274638"/>
+            <a:ext cx="8488245" cy="785812"/>
+          </a:xfrm>
+          <a:noFill/>
+          <a:extLst>
+            <a:ext uri="{909E8E84-426E-40DD-AFC4-6F175D3DCCD1}">
+              <a14:hiddenFill xmlns:a14="http://schemas.microsoft.com/office/drawing/2010/main">
+                <a:solidFill>
+                  <a:srgbClr val="FFFFFF"/>
+                </a:solidFill>
+              </a14:hiddenFill>
+            </a:ext>
+            <a:ext uri="{91240B29-F687-4F45-9708-019B960494DF}">
+              <a14:hiddenLine xmlns:a14="http://schemas.microsoft.com/office/drawing/2010/main" w="9525">
+                <a:solidFill>
+                  <a:srgbClr val="000000"/>
+                </a:solidFill>
+                <a:miter lim="800000"/>
+                <a:headEnd/>
+                <a:tailEnd/>
+              </a14:hiddenLine>
+            </a:ext>
+          </a:extLst>
+        </p:spPr>
+        <p:txBody>
+          <a:bodyPr vert="horz" wrap="square" lIns="91440" tIns="45720" rIns="91440" bIns="45720" numCol="1" anchor="t" anchorCtr="0" compatLnSpc="1">
+            <a:prstTxWarp prst="textNoShape">
+              <a:avLst/>
+            </a:prstTxWarp>
+            <a:normAutofit/>
+          </a:bodyPr>
+          <a:lstStyle/>
+          <a:p>
+            <a:r>
+              <a:rPr lang="en-US" dirty="0"/>
+              <a:t>Example: Beach Comber</a:t>
+            </a:r>
+            <a:endParaRPr lang="en-US" altLang="en-US" dirty="0"/>
+          </a:p>
+        </p:txBody>
+      </p:sp>
+      <p:sp>
+        <p:nvSpPr>
+          <p:cNvPr id="23555" name="Rectangle 3"/>
+          <p:cNvSpPr>
+            <a:spLocks noGrp="1" noChangeArrowheads="1"/>
+          </p:cNvSpPr>
+          <p:nvPr>
+            <p:ph type="body" idx="1"/>
+          </p:nvPr>
+        </p:nvSpPr>
+        <p:spPr bwMode="auto">
+          <a:xfrm>
+            <a:off x="240030" y="3770313"/>
+            <a:ext cx="8652510" cy="2897187"/>
+          </a:xfrm>
+          <a:noFill/>
+          <a:extLst>
+            <a:ext uri="{909E8E84-426E-40DD-AFC4-6F175D3DCCD1}">
+              <a14:hiddenFill xmlns:a14="http://schemas.microsoft.com/office/drawing/2010/main">
+                <a:solidFill>
+                  <a:srgbClr val="FFFFFF"/>
+                </a:solidFill>
+              </a14:hiddenFill>
+            </a:ext>
+            <a:ext uri="{91240B29-F687-4F45-9708-019B960494DF}">
+              <a14:hiddenLine xmlns:a14="http://schemas.microsoft.com/office/drawing/2010/main" w="9525">
+                <a:solidFill>
+                  <a:srgbClr val="000000"/>
+                </a:solidFill>
+                <a:miter lim="800000"/>
+                <a:headEnd/>
+                <a:tailEnd/>
+              </a14:hiddenLine>
+            </a:ext>
+          </a:extLst>
+        </p:spPr>
+        <p:txBody>
+          <a:bodyPr vert="horz" wrap="square" lIns="91440" tIns="45720" rIns="91440" bIns="45720" numCol="1" anchor="t" anchorCtr="0" compatLnSpc="1">
+            <a:prstTxWarp prst="textNoShape">
+              <a:avLst/>
+            </a:prstTxWarp>
+          </a:bodyPr>
+          <a:lstStyle/>
+          <a:p>
+            <a:pPr eaLnBrk="1" hangingPunct="1">
+              <a:lnSpc>
+                <a:spcPct val="90000"/>
+              </a:lnSpc>
+              <a:buFont typeface="Wingdings" pitchFamily="2" charset="2"/>
+              <a:buNone/>
+            </a:pPr>
+            <a:r>
+              <a:rPr lang="en-US" altLang="en-US" sz="2400" dirty="0"/>
+              <a:t>The following are ages of 7 randomly chosen patrons seen leaving the Beach Comber in South Mission Beach at 7pm!  We assume that the data come from a normal distribution and would like to test the claim that the mean age of the distribution of Comber patrons is different than 21.  </a:t>
+            </a:r>
+          </a:p>
+          <a:p>
+            <a:pPr algn="ctr" eaLnBrk="1" hangingPunct="1">
+              <a:lnSpc>
+                <a:spcPct val="90000"/>
+              </a:lnSpc>
+              <a:buFont typeface="Wingdings" pitchFamily="2" charset="2"/>
+              <a:buNone/>
+            </a:pPr>
+            <a:r>
+              <a:rPr lang="en-US" altLang="en-US" sz="2400" dirty="0"/>
+              <a:t>	</a:t>
+            </a:r>
+            <a:r>
+              <a:rPr lang="en-US" altLang="en-US" sz="3200" dirty="0"/>
+              <a:t>25, 19, 37, 29, 40, 28, 31</a:t>
+            </a:r>
+          </a:p>
+        </p:txBody>
+      </p:sp>
+      <p:pic>
+        <p:nvPicPr>
+          <p:cNvPr id="23556" name="Picture 5" descr="beachcomber"/>
+          <p:cNvPicPr>
+            <a:picLocks noChangeAspect="1" noChangeArrowheads="1"/>
+          </p:cNvPicPr>
+          <p:nvPr/>
+        </p:nvPicPr>
+        <p:blipFill>
+          <a:blip r:embed="rId2">
+            <a:extLst>
+              <a:ext uri="{28A0092B-C50C-407E-A947-70E740481C1C}">
+                <a14:useLocalDpi xmlns:a14="http://schemas.microsoft.com/office/drawing/2010/main" val="0"/>
+              </a:ext>
+            </a:extLst>
+          </a:blip>
+          <a:srcRect/>
+          <a:stretch>
+            <a:fillRect/>
+          </a:stretch>
+        </p:blipFill>
+        <p:spPr bwMode="auto">
+          <a:xfrm>
+            <a:off x="663595" y="994112"/>
+            <a:ext cx="7957892" cy="2752725"/>
+          </a:xfrm>
+          <a:prstGeom prst="rect">
+            <a:avLst/>
+          </a:prstGeom>
+          <a:noFill/>
+          <a:ln>
+            <a:noFill/>
+          </a:ln>
+          <a:extLst>
+            <a:ext uri="{909E8E84-426E-40DD-AFC4-6F175D3DCCD1}">
+              <a14:hiddenFill xmlns:a14="http://schemas.microsoft.com/office/drawing/2010/main">
+                <a:solidFill>
+                  <a:srgbClr val="FFFFFF"/>
+                </a:solidFill>
+              </a14:hiddenFill>
+            </a:ext>
+            <a:ext uri="{91240B29-F687-4F45-9708-019B960494DF}">
+              <a14:hiddenLine xmlns:a14="http://schemas.microsoft.com/office/drawing/2010/main" w="9525">
+                <a:solidFill>
+                  <a:srgbClr val="000000"/>
+                </a:solidFill>
+                <a:miter lim="800000"/>
+                <a:headEnd/>
+                <a:tailEnd/>
+              </a14:hiddenLine>
+            </a:ext>
+          </a:extLst>
+        </p:spPr>
+      </p:pic>
+      <p:sp>
+        <p:nvSpPr>
+          <p:cNvPr id="2" name="Slide Number Placeholder 1"/>
+          <p:cNvSpPr>
+            <a:spLocks noGrp="1"/>
+          </p:cNvSpPr>
+          <p:nvPr>
+            <p:ph type="sldNum" sz="quarter" idx="12"/>
+          </p:nvPr>
+        </p:nvSpPr>
+        <p:spPr/>
+        <p:txBody>
+          <a:bodyPr/>
+          <a:lstStyle/>
+          <a:p>
+            <a:fld id="{240F1BDB-6CE4-495C-AC30-106FDA64768F}" type="slidenum">
+              <a:rPr lang="en-US" smtClean="0"/>
+              <a:t>13</a:t>
+            </a:fld>
+            <a:endParaRPr lang="en-US" dirty="0"/>
+          </a:p>
+        </p:txBody>
+      </p:sp>
+    </p:spTree>
+    <p:extLst>
+      <p:ext uri="{BB962C8B-B14F-4D97-AF65-F5344CB8AC3E}">
+        <p14:creationId xmlns:p14="http://schemas.microsoft.com/office/powerpoint/2010/main" val="3646232990"/>
+      </p:ext>
+    </p:extLst>
+  </p:cSld>
+  <p:clrMapOvr>
+    <a:masterClrMapping/>
+  </p:clrMapOvr>
+</p:sld>
+</file>
+
+<file path=ppt/slides/slide14.xml><?xml version="1.0" encoding="utf-8"?>
+<p:sld xmlns:a="http://schemas.openxmlformats.org/drawingml/2006/main" xmlns:r="http://schemas.openxmlformats.org/officeDocument/2006/relationships" xmlns:p="http://schemas.openxmlformats.org/presentationml/2006/main">
+  <p:cSld>
+    <p:spTree>
+      <p:nvGrpSpPr>
+        <p:cNvPr id="1" name=""/>
+        <p:cNvGrpSpPr/>
+        <p:nvPr/>
+      </p:nvGrpSpPr>
+      <p:grpSpPr>
+        <a:xfrm>
+          <a:off x="0" y="0"/>
+          <a:ext cx="0" cy="0"/>
+          <a:chOff x="0" y="0"/>
+          <a:chExt cx="0" cy="0"/>
+        </a:xfrm>
+      </p:grpSpPr>
+      <p:sp>
+        <p:nvSpPr>
+          <p:cNvPr id="2" name="Title 1"/>
+          <p:cNvSpPr>
+            <a:spLocks noGrp="1"/>
+          </p:cNvSpPr>
+          <p:nvPr>
+            <p:ph type="title"/>
+          </p:nvPr>
+        </p:nvSpPr>
+        <p:spPr>
+          <a:xfrm>
+            <a:off x="457200" y="228600"/>
+            <a:ext cx="8229600" cy="944562"/>
+          </a:xfrm>
+        </p:spPr>
+        <p:txBody>
+          <a:bodyPr/>
+          <a:lstStyle/>
+          <a:p>
+            <a:r>
+              <a:rPr lang="en-US" dirty="0"/>
+              <a:t>Example: Comber</a:t>
+            </a:r>
+          </a:p>
+        </p:txBody>
+      </p:sp>
+      <p:pic>
+        <p:nvPicPr>
+          <p:cNvPr id="4" name="Picture 3"/>
+          <p:cNvPicPr>
+            <a:picLocks noChangeAspect="1"/>
+          </p:cNvPicPr>
+          <p:nvPr/>
+        </p:nvPicPr>
+        <p:blipFill>
+          <a:blip r:embed="rId2"/>
+          <a:stretch>
+            <a:fillRect/>
+          </a:stretch>
+        </p:blipFill>
+        <p:spPr>
+          <a:xfrm>
+            <a:off x="457200" y="1277436"/>
+            <a:ext cx="3432211" cy="2141007"/>
+          </a:xfrm>
+          <a:prstGeom prst="rect">
+            <a:avLst/>
+          </a:prstGeom>
+        </p:spPr>
+      </p:pic>
+      <p:pic>
+        <p:nvPicPr>
+          <p:cNvPr id="5" name="Picture 4"/>
+          <p:cNvPicPr>
+            <a:picLocks noChangeAspect="1"/>
+          </p:cNvPicPr>
+          <p:nvPr/>
+        </p:nvPicPr>
+        <p:blipFill>
+          <a:blip r:embed="rId3"/>
+          <a:stretch>
+            <a:fillRect/>
+          </a:stretch>
+        </p:blipFill>
+        <p:spPr>
+          <a:xfrm>
+            <a:off x="4724400" y="1201236"/>
+            <a:ext cx="3536793" cy="2203978"/>
+          </a:xfrm>
+          <a:prstGeom prst="rect">
+            <a:avLst/>
+          </a:prstGeom>
+        </p:spPr>
+      </p:pic>
+      <p:sp>
+        <p:nvSpPr>
+          <p:cNvPr id="3" name="TextBox 2"/>
+          <p:cNvSpPr txBox="1"/>
+          <p:nvPr/>
+        </p:nvSpPr>
+        <p:spPr>
+          <a:xfrm>
+            <a:off x="609600" y="4325025"/>
+            <a:ext cx="7651593" cy="2031325"/>
+          </a:xfrm>
+          <a:prstGeom prst="rect">
+            <a:avLst/>
+          </a:prstGeom>
+          <a:noFill/>
+        </p:spPr>
+        <p:txBody>
+          <a:bodyPr wrap="square" rtlCol="0">
+            <a:spAutoFit/>
+          </a:bodyPr>
+          <a:lstStyle/>
+          <a:p>
+            <a:r>
+              <a:rPr lang="en-US" dirty="0"/>
+              <a:t>ASSUMPTIONS:  </a:t>
+            </a:r>
+          </a:p>
+          <a:p>
+            <a:r>
+              <a:rPr lang="en-US" b="1" dirty="0"/>
+              <a:t>Normal Population Distribution: </a:t>
+            </a:r>
+            <a:r>
+              <a:rPr lang="en-US" dirty="0"/>
+              <a:t>Judging from the histogram and q-q plots, there is little to no evidence that the population distribution of patron ages at the Comber at 7pm is not normal.  We will assume that this distribution is normal and proceed.  </a:t>
+            </a:r>
+          </a:p>
+          <a:p>
+            <a:r>
+              <a:rPr lang="en-US" b="1" dirty="0"/>
+              <a:t>Independence:</a:t>
+            </a:r>
+            <a:r>
+              <a:rPr lang="en-US" dirty="0"/>
+              <a:t> These subjects were randomly selected from the population; thus, we will assume that the observations are independent.  </a:t>
+            </a:r>
+          </a:p>
+        </p:txBody>
+      </p:sp>
+      <p:sp>
+        <p:nvSpPr>
+          <p:cNvPr id="6" name="Slide Number Placeholder 5"/>
+          <p:cNvSpPr>
+            <a:spLocks noGrp="1"/>
+          </p:cNvSpPr>
+          <p:nvPr>
+            <p:ph type="sldNum" sz="quarter" idx="12"/>
+          </p:nvPr>
+        </p:nvSpPr>
+        <p:spPr/>
+        <p:txBody>
+          <a:bodyPr/>
+          <a:lstStyle/>
+          <a:p>
+            <a:fld id="{240F1BDB-6CE4-495C-AC30-106FDA64768F}" type="slidenum">
+              <a:rPr lang="en-US" smtClean="0"/>
+              <a:t>14</a:t>
+            </a:fld>
+            <a:endParaRPr lang="en-US" dirty="0"/>
+          </a:p>
+        </p:txBody>
+      </p:sp>
+      <p:sp>
+        <p:nvSpPr>
+          <p:cNvPr id="7" name="TextBox 6"/>
+          <p:cNvSpPr txBox="1"/>
+          <p:nvPr/>
+        </p:nvSpPr>
+        <p:spPr>
+          <a:xfrm>
+            <a:off x="609600" y="3540386"/>
+            <a:ext cx="8229600" cy="923330"/>
+          </a:xfrm>
+          <a:prstGeom prst="rect">
+            <a:avLst/>
+          </a:prstGeom>
+          <a:noFill/>
+        </p:spPr>
+        <p:txBody>
+          <a:bodyPr wrap="square" rtlCol="0">
+            <a:spAutoFit/>
+          </a:bodyPr>
+          <a:lstStyle/>
+          <a:p>
+            <a:r>
+              <a:rPr lang="en-US" dirty="0"/>
+              <a:t>PROBLEM STATEMENT:</a:t>
+            </a:r>
+          </a:p>
+          <a:p>
+            <a:r>
+              <a:rPr lang="en-US" dirty="0"/>
+              <a:t>Test the claim that the mean age of Beach Comber patrons at 7pm is different from 21.</a:t>
+            </a:r>
+          </a:p>
+        </p:txBody>
+      </p:sp>
+    </p:spTree>
+    <p:extLst>
+      <p:ext uri="{BB962C8B-B14F-4D97-AF65-F5344CB8AC3E}">
+        <p14:creationId xmlns:p14="http://schemas.microsoft.com/office/powerpoint/2010/main" val="2123143143"/>
+      </p:ext>
+    </p:extLst>
+  </p:cSld>
+  <p:clrMapOvr>
+    <a:masterClrMapping/>
+  </p:clrMapOvr>
+</p:sld>
+</file>
+
+<file path=ppt/slides/slide15.xml><?xml version="1.0" encoding="utf-8"?>
+<p:sld xmlns:a="http://schemas.openxmlformats.org/drawingml/2006/main" xmlns:r="http://schemas.openxmlformats.org/officeDocument/2006/relationships" xmlns:p="http://schemas.openxmlformats.org/presentationml/2006/main">
+  <p:cSld>
+    <p:spTree>
+      <p:nvGrpSpPr>
+        <p:cNvPr id="1" name=""/>
+        <p:cNvGrpSpPr/>
+        <p:nvPr/>
+      </p:nvGrpSpPr>
+      <p:grpSpPr>
+        <a:xfrm>
+          <a:off x="0" y="0"/>
+          <a:ext cx="0" cy="0"/>
+          <a:chOff x="0" y="0"/>
+          <a:chExt cx="0" cy="0"/>
+        </a:xfrm>
+      </p:grpSpPr>
+      <p:sp>
+        <p:nvSpPr>
+          <p:cNvPr id="2" name="Title 1"/>
+          <p:cNvSpPr>
+            <a:spLocks noGrp="1"/>
+          </p:cNvSpPr>
+          <p:nvPr>
+            <p:ph type="title"/>
+          </p:nvPr>
+        </p:nvSpPr>
+        <p:spPr>
+          <a:xfrm>
+            <a:off x="457200" y="128857"/>
+            <a:ext cx="8229600" cy="457200"/>
+          </a:xfrm>
+        </p:spPr>
+        <p:txBody>
+          <a:bodyPr>
+            <a:normAutofit fontScale="90000"/>
+          </a:bodyPr>
+          <a:lstStyle/>
+          <a:p>
+            <a:r>
+              <a:rPr lang="en-US" dirty="0"/>
+              <a:t>Revised Write Up!</a:t>
+            </a:r>
+          </a:p>
+        </p:txBody>
+      </p:sp>
+      <mc:AlternateContent xmlns:mc="http://schemas.openxmlformats.org/markup-compatibility/2006" xmlns:a14="http://schemas.microsoft.com/office/drawing/2010/main">
+        <mc:Choice Requires="a14">
+          <p:sp>
+            <p:nvSpPr>
+              <p:cNvPr id="4" name="TextBox 3"/>
+              <p:cNvSpPr txBox="1"/>
+              <p:nvPr/>
+            </p:nvSpPr>
+            <p:spPr>
+              <a:xfrm>
+                <a:off x="217714" y="609600"/>
+                <a:ext cx="8458200" cy="646331"/>
+              </a:xfrm>
+              <a:prstGeom prst="rect">
+                <a:avLst/>
+              </a:prstGeom>
+              <a:noFill/>
+            </p:spPr>
+            <p:txBody>
+              <a:bodyPr wrap="square" rtlCol="0">
+                <a:spAutoFit/>
+              </a:bodyPr>
+              <a:lstStyle/>
+              <a:p>
+                <a:pPr algn="ctr"/>
+                <a:r>
+                  <a:rPr lang="en-US" dirty="0"/>
+                  <a:t>We would like to test the claim that the population mean is different from </a:t>
+                </a:r>
+                <a14:m>
+                  <m:oMath xmlns:m="http://schemas.openxmlformats.org/officeDocument/2006/math">
+                    <m:r>
+                      <a:rPr lang="en-US" i="1">
+                        <a:latin typeface="Cambria Math" panose="02040503050406030204" pitchFamily="18" charset="0"/>
+                      </a:rPr>
+                      <m:t>2</m:t>
+                    </m:r>
+                    <m:r>
+                      <a:rPr lang="en-US" b="0" i="1" smtClean="0">
+                        <a:latin typeface="Cambria Math" panose="02040503050406030204" pitchFamily="18" charset="0"/>
+                      </a:rPr>
+                      <m:t>1</m:t>
+                    </m:r>
+                    <m:r>
+                      <a:rPr lang="en-US" b="0" i="1" smtClean="0">
+                        <a:latin typeface="Cambria Math"/>
+                      </a:rPr>
+                      <m:t>.</m:t>
+                    </m:r>
+                  </m:oMath>
+                </a14:m>
+                <a:r>
+                  <a:rPr lang="en-US" dirty="0"/>
+                  <a:t>  To do this, we take a sample of size n = 7 and find that </a:t>
+                </a:r>
+                <a14:m>
+                  <m:oMath xmlns:m="http://schemas.openxmlformats.org/officeDocument/2006/math">
+                    <m:acc>
+                      <m:accPr>
+                        <m:chr m:val="̅"/>
+                        <m:ctrlPr>
+                          <a:rPr lang="en-US" b="0" i="1" smtClean="0">
+                            <a:latin typeface="Cambria Math" panose="02040503050406030204" pitchFamily="18" charset="0"/>
+                          </a:rPr>
+                        </m:ctrlPr>
+                      </m:accPr>
+                      <m:e>
+                        <m:r>
+                          <a:rPr lang="en-US" b="0" i="1" smtClean="0">
+                            <a:latin typeface="Cambria Math"/>
+                          </a:rPr>
+                          <m:t>𝑥</m:t>
+                        </m:r>
+                      </m:e>
+                    </m:acc>
+                  </m:oMath>
+                </a14:m>
+                <a:r>
+                  <a:rPr lang="en-US" dirty="0"/>
+                  <a:t> = 29.86 years and s = 7.09 years. </a:t>
+                </a:r>
+              </a:p>
+            </p:txBody>
+          </p:sp>
+        </mc:Choice>
+        <mc:Fallback xmlns="">
+          <p:sp>
+            <p:nvSpPr>
+              <p:cNvPr id="4" name="TextBox 3"/>
+              <p:cNvSpPr txBox="1">
+                <a:spLocks noRot="1" noChangeAspect="1" noMove="1" noResize="1" noEditPoints="1" noAdjustHandles="1" noChangeArrowheads="1" noChangeShapeType="1" noTextEdit="1"/>
+              </p:cNvSpPr>
+              <p:nvPr/>
+            </p:nvSpPr>
+            <p:spPr>
+              <a:xfrm>
+                <a:off x="217714" y="609600"/>
+                <a:ext cx="8458200" cy="646331"/>
+              </a:xfrm>
+              <a:prstGeom prst="rect">
+                <a:avLst/>
+              </a:prstGeom>
+              <a:blipFill rotWithShape="0">
+                <a:blip r:embed="rId2"/>
+                <a:stretch>
+                  <a:fillRect l="-649" t="-4717" r="-1081" b="-14151"/>
+                </a:stretch>
+              </a:blipFill>
+            </p:spPr>
+            <p:txBody>
+              <a:bodyPr/>
+              <a:lstStyle/>
+              <a:p>
+                <a:r>
+                  <a:rPr lang="en-US">
+                    <a:noFill/>
+                  </a:rPr>
+                  <a:t> </a:t>
+                </a:r>
+              </a:p>
+            </p:txBody>
+          </p:sp>
+        </mc:Fallback>
+      </mc:AlternateContent>
+      <p:sp>
+        <p:nvSpPr>
+          <p:cNvPr id="5" name="TextBox 4"/>
+          <p:cNvSpPr txBox="1"/>
+          <p:nvPr/>
+        </p:nvSpPr>
+        <p:spPr>
+          <a:xfrm>
+            <a:off x="0" y="1339995"/>
+            <a:ext cx="7761515" cy="461665"/>
+          </a:xfrm>
+          <a:prstGeom prst="rect">
+            <a:avLst/>
+          </a:prstGeom>
+          <a:noFill/>
+        </p:spPr>
+        <p:txBody>
+          <a:bodyPr wrap="square" rtlCol="0">
+            <a:spAutoFit/>
+          </a:bodyPr>
+          <a:lstStyle/>
+          <a:p>
+            <a:pPr algn="ctr"/>
+            <a:r>
+              <a:rPr lang="en-US" sz="2400" dirty="0"/>
+              <a:t>Step 1: Identify the null (Ho) and alternative (Ha) </a:t>
+            </a:r>
+            <a:r>
+              <a:rPr lang="en-US" sz="2000" dirty="0"/>
+              <a:t>hypothesis</a:t>
+            </a:r>
+            <a:r>
+              <a:rPr lang="en-US" sz="2400" dirty="0"/>
+              <a:t>. </a:t>
+            </a:r>
+          </a:p>
+        </p:txBody>
+      </p:sp>
+      <mc:AlternateContent xmlns:mc="http://schemas.openxmlformats.org/markup-compatibility/2006" xmlns:a14="http://schemas.microsoft.com/office/drawing/2010/main">
+        <mc:Choice Requires="a14">
+          <p:sp>
+            <p:nvSpPr>
+              <p:cNvPr id="9" name="TextBox 8"/>
+              <p:cNvSpPr txBox="1"/>
+              <p:nvPr/>
+            </p:nvSpPr>
+            <p:spPr>
+              <a:xfrm>
+                <a:off x="7601647" y="1002994"/>
+                <a:ext cx="1514582" cy="769441"/>
+              </a:xfrm>
+              <a:prstGeom prst="rect">
+                <a:avLst/>
+              </a:prstGeom>
+              <a:noFill/>
+            </p:spPr>
+            <p:txBody>
+              <a:bodyPr wrap="none" rtlCol="0">
+                <a:spAutoFit/>
+              </a:bodyPr>
+              <a:lstStyle/>
+              <a:p>
+                <a:r>
+                  <a:rPr lang="en-US" sz="2000" dirty="0"/>
+                  <a:t>Ho: </a:t>
+                </a:r>
+                <a14:m>
+                  <m:oMath xmlns:m="http://schemas.openxmlformats.org/officeDocument/2006/math">
+                    <m:r>
+                      <a:rPr lang="en-US" sz="2400" i="1" smtClean="0">
+                        <a:latin typeface="Cambria Math"/>
+                      </a:rPr>
+                      <m:t>µ</m:t>
+                    </m:r>
+                    <m:r>
+                      <a:rPr lang="en-US" sz="2400" b="0" i="1" smtClean="0">
+                        <a:latin typeface="Cambria Math"/>
+                      </a:rPr>
+                      <m:t>=</m:t>
+                    </m:r>
+                    <m:r>
+                      <a:rPr lang="en-US" sz="2400" b="0" i="1" smtClean="0">
+                        <a:latin typeface="Cambria Math" panose="02040503050406030204" pitchFamily="18" charset="0"/>
+                      </a:rPr>
+                      <m:t>21</m:t>
+                    </m:r>
+                  </m:oMath>
+                </a14:m>
+                <a:endParaRPr lang="en-US" sz="2000" dirty="0"/>
+              </a:p>
+              <a:p>
+                <a:r>
+                  <a:rPr lang="en-US" sz="2000" dirty="0"/>
+                  <a:t>Ha: </a:t>
+                </a:r>
+                <a14:m>
+                  <m:oMath xmlns:m="http://schemas.openxmlformats.org/officeDocument/2006/math">
+                    <m:r>
+                      <a:rPr lang="en-US" sz="2000" i="1" smtClean="0">
+                        <a:latin typeface="Cambria Math"/>
+                      </a:rPr>
+                      <m:t>µ</m:t>
+                    </m:r>
+                    <m:r>
+                      <a:rPr lang="en-US" sz="2000" i="1">
+                        <a:latin typeface="Cambria Math"/>
+                      </a:rPr>
+                      <m:t>≠</m:t>
+                    </m:r>
+                    <m:r>
+                      <a:rPr lang="en-US" sz="2000" b="0" i="1" smtClean="0">
+                        <a:latin typeface="Cambria Math" panose="02040503050406030204" pitchFamily="18" charset="0"/>
+                      </a:rPr>
+                      <m:t>21</m:t>
+                    </m:r>
+                  </m:oMath>
+                </a14:m>
+                <a:endParaRPr lang="en-US" sz="2000" dirty="0"/>
+              </a:p>
+            </p:txBody>
+          </p:sp>
+        </mc:Choice>
+        <mc:Fallback xmlns="">
+          <p:sp>
+            <p:nvSpPr>
+              <p:cNvPr id="9" name="TextBox 8"/>
+              <p:cNvSpPr txBox="1">
+                <a:spLocks noRot="1" noChangeAspect="1" noMove="1" noResize="1" noEditPoints="1" noAdjustHandles="1" noChangeArrowheads="1" noChangeShapeType="1" noTextEdit="1"/>
+              </p:cNvSpPr>
+              <p:nvPr/>
+            </p:nvSpPr>
+            <p:spPr>
+              <a:xfrm>
+                <a:off x="7601647" y="1002994"/>
+                <a:ext cx="1514582" cy="769441"/>
+              </a:xfrm>
+              <a:prstGeom prst="rect">
+                <a:avLst/>
+              </a:prstGeom>
+              <a:blipFill rotWithShape="0">
+                <a:blip r:embed="rId3"/>
+                <a:stretch>
+                  <a:fillRect l="-4435" r="-403" b="-13492"/>
+                </a:stretch>
+              </a:blipFill>
+            </p:spPr>
+            <p:txBody>
+              <a:bodyPr/>
+              <a:lstStyle/>
+              <a:p>
+                <a:r>
+                  <a:rPr lang="en-US">
+                    <a:noFill/>
+                  </a:rPr>
+                  <a:t> </a:t>
+                </a:r>
+              </a:p>
+            </p:txBody>
+          </p:sp>
+        </mc:Fallback>
+      </mc:AlternateContent>
+      <p:sp>
+        <p:nvSpPr>
+          <p:cNvPr id="10" name="TextBox 9"/>
+          <p:cNvSpPr txBox="1"/>
+          <p:nvPr/>
+        </p:nvSpPr>
+        <p:spPr>
+          <a:xfrm>
+            <a:off x="195943" y="1805027"/>
+            <a:ext cx="8823148" cy="461665"/>
+          </a:xfrm>
+          <a:prstGeom prst="rect">
+            <a:avLst/>
+          </a:prstGeom>
+          <a:noFill/>
+        </p:spPr>
+        <p:txBody>
+          <a:bodyPr wrap="square" rtlCol="0">
+            <a:spAutoFit/>
+          </a:bodyPr>
+          <a:lstStyle/>
+          <a:p>
+            <a:r>
+              <a:rPr lang="en-US" sz="2400" dirty="0"/>
+              <a:t>Step 2: Draw and Shade and Find the Critical Value.</a:t>
+            </a:r>
+          </a:p>
+        </p:txBody>
+      </p:sp>
+      <p:sp>
+        <p:nvSpPr>
+          <p:cNvPr id="21" name="TextBox 20"/>
+          <p:cNvSpPr txBox="1"/>
+          <p:nvPr/>
+        </p:nvSpPr>
+        <p:spPr>
+          <a:xfrm>
+            <a:off x="174172" y="3745491"/>
+            <a:ext cx="8823148" cy="461665"/>
+          </a:xfrm>
+          <a:prstGeom prst="rect">
+            <a:avLst/>
+          </a:prstGeom>
+          <a:noFill/>
+        </p:spPr>
+        <p:txBody>
+          <a:bodyPr wrap="square" rtlCol="0">
+            <a:spAutoFit/>
+          </a:bodyPr>
+          <a:lstStyle/>
+          <a:p>
+            <a:r>
+              <a:rPr lang="en-US" sz="2400" dirty="0"/>
+              <a:t>Step 3: Find the test statistic. (The t value for the data.)</a:t>
+            </a:r>
+          </a:p>
+        </p:txBody>
+      </p:sp>
+      <mc:AlternateContent xmlns:mc="http://schemas.openxmlformats.org/markup-compatibility/2006" xmlns:a14="http://schemas.microsoft.com/office/drawing/2010/main">
+        <mc:Choice Requires="a14">
+          <p:sp>
+            <p:nvSpPr>
+              <p:cNvPr id="3" name="TextBox 2"/>
+              <p:cNvSpPr txBox="1"/>
+              <p:nvPr/>
+            </p:nvSpPr>
+            <p:spPr>
+              <a:xfrm>
+                <a:off x="7694729" y="3219002"/>
+                <a:ext cx="1305037" cy="1222258"/>
+              </a:xfrm>
+              <a:prstGeom prst="rect">
+                <a:avLst/>
+              </a:prstGeom>
+              <a:noFill/>
+            </p:spPr>
+            <p:txBody>
+              <a:bodyPr wrap="none" rtlCol="0">
+                <a:spAutoFit/>
+              </a:bodyPr>
+              <a:lstStyle/>
+              <a:p>
+                <a:pPr/>
+                <a14:m>
+                  <m:oMathPara xmlns:m="http://schemas.openxmlformats.org/officeDocument/2006/math">
+                    <m:oMathParaPr>
+                      <m:jc m:val="centerGroup"/>
+                    </m:oMathParaPr>
+                    <m:oMath xmlns:m="http://schemas.openxmlformats.org/officeDocument/2006/math">
+                      <m:r>
+                        <a:rPr lang="en-US" sz="1400" b="0" i="0" smtClean="0">
+                          <a:latin typeface="Cambria Math"/>
+                        </a:rPr>
+                        <m:t>=</m:t>
+                      </m:r>
+                      <m:f>
+                        <m:fPr>
+                          <m:ctrlPr>
+                            <a:rPr lang="en-US" sz="1400" i="1" smtClean="0">
+                              <a:latin typeface="Cambria Math" panose="02040503050406030204" pitchFamily="18" charset="0"/>
+                            </a:rPr>
+                          </m:ctrlPr>
+                        </m:fPr>
+                        <m:num>
+                          <m:r>
+                            <a:rPr lang="en-US" sz="1400" b="0" i="1" smtClean="0">
+                              <a:latin typeface="Cambria Math" panose="02040503050406030204" pitchFamily="18" charset="0"/>
+                            </a:rPr>
+                            <m:t>29.86</m:t>
+                          </m:r>
+                          <m:r>
+                            <a:rPr lang="en-US" sz="1400" b="0" i="1" smtClean="0">
+                              <a:latin typeface="Cambria Math"/>
+                            </a:rPr>
+                            <m:t>−</m:t>
+                          </m:r>
+                          <m:r>
+                            <a:rPr lang="en-US" sz="1400" b="0" i="1" smtClean="0">
+                              <a:latin typeface="Cambria Math" panose="02040503050406030204" pitchFamily="18" charset="0"/>
+                            </a:rPr>
+                            <m:t>21</m:t>
+                          </m:r>
+                        </m:num>
+                        <m:den>
+                          <m:f>
+                            <m:fPr>
+                              <m:ctrlPr>
+                                <a:rPr lang="en-US" sz="1400" i="1" smtClean="0">
+                                  <a:latin typeface="Cambria Math" panose="02040503050406030204" pitchFamily="18" charset="0"/>
+                                </a:rPr>
+                              </m:ctrlPr>
+                            </m:fPr>
+                            <m:num>
+                              <m:r>
+                                <a:rPr lang="en-US" sz="1400" b="0" i="1" smtClean="0">
+                                  <a:latin typeface="Cambria Math" panose="02040503050406030204" pitchFamily="18" charset="0"/>
+                                </a:rPr>
+                                <m:t>7.09</m:t>
+                              </m:r>
+                            </m:num>
+                            <m:den>
+                              <m:rad>
+                                <m:radPr>
+                                  <m:degHide m:val="on"/>
+                                  <m:ctrlPr>
+                                    <a:rPr lang="en-US" sz="1400" i="1" smtClean="0">
+                                      <a:latin typeface="Cambria Math" panose="02040503050406030204" pitchFamily="18" charset="0"/>
+                                    </a:rPr>
+                                  </m:ctrlPr>
+                                </m:radPr>
+                                <m:deg/>
+                                <m:e>
+                                  <m:r>
+                                    <a:rPr lang="en-US" sz="1400" b="0" i="1" smtClean="0">
+                                      <a:latin typeface="Cambria Math" panose="02040503050406030204" pitchFamily="18" charset="0"/>
+                                    </a:rPr>
+                                    <m:t>7</m:t>
+                                  </m:r>
+                                </m:e>
+                              </m:rad>
+                            </m:den>
+                          </m:f>
+                        </m:den>
+                      </m:f>
+                    </m:oMath>
+                  </m:oMathPara>
+                </a14:m>
+                <a:endParaRPr lang="en-US" sz="1400" b="0" i="1" dirty="0">
+                  <a:latin typeface="Cambria Math" panose="02040503050406030204" pitchFamily="18" charset="0"/>
+                </a:endParaRPr>
+              </a:p>
+              <a:p>
+                <a:endParaRPr lang="en-US" sz="1400" b="0" i="1" dirty="0">
+                  <a:latin typeface="Cambria Math" panose="02040503050406030204" pitchFamily="18" charset="0"/>
+                </a:endParaRPr>
+              </a:p>
+              <a:p>
+                <a:pPr/>
+                <a14:m>
+                  <m:oMathPara xmlns:m="http://schemas.openxmlformats.org/officeDocument/2006/math">
+                    <m:oMathParaPr>
+                      <m:jc m:val="centerGroup"/>
+                    </m:oMathParaPr>
+                    <m:oMath xmlns:m="http://schemas.openxmlformats.org/officeDocument/2006/math">
+                      <m:r>
+                        <a:rPr lang="en-US" b="1" i="0" smtClean="0">
+                          <a:solidFill>
+                            <a:srgbClr val="FF0000"/>
+                          </a:solidFill>
+                          <a:latin typeface="Cambria Math"/>
+                        </a:rPr>
+                        <m:t>=</m:t>
+                      </m:r>
+                      <m:r>
+                        <a:rPr lang="en-US" b="1" i="0" smtClean="0">
+                          <a:solidFill>
+                            <a:srgbClr val="FF0000"/>
+                          </a:solidFill>
+                          <a:latin typeface="Cambria Math" panose="02040503050406030204" pitchFamily="18" charset="0"/>
+                        </a:rPr>
+                        <m:t>𝟑</m:t>
+                      </m:r>
+                      <m:r>
+                        <a:rPr lang="en-US" b="1" i="0" smtClean="0">
+                          <a:solidFill>
+                            <a:srgbClr val="FF0000"/>
+                          </a:solidFill>
+                          <a:latin typeface="Cambria Math" panose="02040503050406030204" pitchFamily="18" charset="0"/>
+                        </a:rPr>
+                        <m:t>.</m:t>
+                      </m:r>
+                      <m:r>
+                        <a:rPr lang="en-US" b="1" i="0" smtClean="0">
+                          <a:solidFill>
+                            <a:srgbClr val="FF0000"/>
+                          </a:solidFill>
+                          <a:latin typeface="Cambria Math" panose="02040503050406030204" pitchFamily="18" charset="0"/>
+                        </a:rPr>
+                        <m:t>𝟑𝟏</m:t>
+                      </m:r>
+                    </m:oMath>
+                  </m:oMathPara>
+                </a14:m>
+                <a:endParaRPr lang="en-US" sz="1400" b="1" dirty="0"/>
+              </a:p>
+            </p:txBody>
+          </p:sp>
+        </mc:Choice>
+        <mc:Fallback xmlns="">
+          <p:sp>
+            <p:nvSpPr>
+              <p:cNvPr id="3" name="TextBox 2"/>
+              <p:cNvSpPr txBox="1">
+                <a:spLocks noRot="1" noChangeAspect="1" noMove="1" noResize="1" noEditPoints="1" noAdjustHandles="1" noChangeArrowheads="1" noChangeShapeType="1" noTextEdit="1"/>
+              </p:cNvSpPr>
+              <p:nvPr/>
+            </p:nvSpPr>
+            <p:spPr>
+              <a:xfrm>
+                <a:off x="7694729" y="3219002"/>
+                <a:ext cx="1305037" cy="1222258"/>
+              </a:xfrm>
+              <a:prstGeom prst="rect">
+                <a:avLst/>
+              </a:prstGeom>
+              <a:blipFill rotWithShape="0">
+                <a:blip r:embed="rId4"/>
+                <a:stretch>
+                  <a:fillRect/>
+                </a:stretch>
+              </a:blipFill>
+            </p:spPr>
+            <p:txBody>
+              <a:bodyPr/>
+              <a:lstStyle/>
+              <a:p>
+                <a:r>
+                  <a:rPr lang="en-US">
+                    <a:noFill/>
+                  </a:rPr>
+                  <a:t> </a:t>
+                </a:r>
+              </a:p>
+            </p:txBody>
+          </p:sp>
+        </mc:Fallback>
+      </mc:AlternateContent>
+      <mc:AlternateContent xmlns:mc="http://schemas.openxmlformats.org/markup-compatibility/2006" xmlns:a14="http://schemas.microsoft.com/office/drawing/2010/main">
+        <mc:Choice Requires="a14">
+          <p:sp>
+            <p:nvSpPr>
+              <p:cNvPr id="18" name="Rectangle 17"/>
+              <p:cNvSpPr/>
+              <p:nvPr/>
+            </p:nvSpPr>
+            <p:spPr>
+              <a:xfrm>
+                <a:off x="6921559" y="3255508"/>
+                <a:ext cx="952697" cy="687111"/>
+              </a:xfrm>
+              <a:prstGeom prst="rect">
+                <a:avLst/>
+              </a:prstGeom>
+            </p:spPr>
+            <p:txBody>
+              <a:bodyPr wrap="none">
+                <a:spAutoFit/>
+              </a:bodyPr>
+              <a:lstStyle/>
+              <a:p>
+                <a:pPr/>
+                <a14:m>
+                  <m:oMathPara xmlns:m="http://schemas.openxmlformats.org/officeDocument/2006/math">
+                    <m:oMathParaPr>
+                      <m:jc m:val="centerGroup"/>
+                    </m:oMathParaPr>
+                    <m:oMath xmlns:m="http://schemas.openxmlformats.org/officeDocument/2006/math">
+                      <m:r>
+                        <a:rPr lang="en-US" sz="1400" b="0" i="1" smtClean="0">
+                          <a:latin typeface="Cambria Math"/>
+                        </a:rPr>
+                        <m:t>𝑡</m:t>
+                      </m:r>
+                      <m:r>
+                        <a:rPr lang="en-US" sz="1400" b="0" i="1" smtClean="0">
+                          <a:latin typeface="Cambria Math"/>
+                        </a:rPr>
+                        <m:t>=</m:t>
+                      </m:r>
+                      <m:f>
+                        <m:fPr>
+                          <m:ctrlPr>
+                            <a:rPr lang="en-US" sz="1400" i="1" smtClean="0">
+                              <a:latin typeface="Cambria Math" panose="02040503050406030204" pitchFamily="18" charset="0"/>
+                            </a:rPr>
+                          </m:ctrlPr>
+                        </m:fPr>
+                        <m:num>
+                          <m:acc>
+                            <m:accPr>
+                              <m:chr m:val="̅"/>
+                              <m:ctrlPr>
+                                <a:rPr lang="en-US" sz="1400" b="0" i="1" smtClean="0">
+                                  <a:latin typeface="Cambria Math" panose="02040503050406030204" pitchFamily="18" charset="0"/>
+                                </a:rPr>
+                              </m:ctrlPr>
+                            </m:accPr>
+                            <m:e>
+                              <m:r>
+                                <a:rPr lang="en-US" sz="1400" b="0" i="1" smtClean="0">
+                                  <a:latin typeface="Cambria Math"/>
+                                </a:rPr>
+                                <m:t>𝑥</m:t>
+                              </m:r>
+                            </m:e>
+                          </m:acc>
+                          <m:r>
+                            <a:rPr lang="en-US" sz="1400" b="0" i="1" smtClean="0">
+                              <a:latin typeface="Cambria Math"/>
+                            </a:rPr>
+                            <m:t>−</m:t>
+                          </m:r>
+                          <m:r>
+                            <a:rPr lang="en-US" sz="1400" b="0" i="1" smtClean="0">
+                              <a:latin typeface="Cambria Math"/>
+                              <a:ea typeface="Cambria Math"/>
+                            </a:rPr>
+                            <m:t>𝜇</m:t>
+                          </m:r>
+                        </m:num>
+                        <m:den>
+                          <m:f>
+                            <m:fPr>
+                              <m:ctrlPr>
+                                <a:rPr lang="en-US" sz="1400" i="1" smtClean="0">
+                                  <a:latin typeface="Cambria Math" panose="02040503050406030204" pitchFamily="18" charset="0"/>
+                                </a:rPr>
+                              </m:ctrlPr>
+                            </m:fPr>
+                            <m:num>
+                              <m:r>
+                                <a:rPr lang="en-US" sz="1400" b="0" i="1" smtClean="0">
+                                  <a:latin typeface="Cambria Math"/>
+                                </a:rPr>
+                                <m:t>𝑠</m:t>
+                              </m:r>
+                            </m:num>
+                            <m:den>
+                              <m:rad>
+                                <m:radPr>
+                                  <m:degHide m:val="on"/>
+                                  <m:ctrlPr>
+                                    <a:rPr lang="en-US" sz="1400" i="1" smtClean="0">
+                                      <a:latin typeface="Cambria Math" panose="02040503050406030204" pitchFamily="18" charset="0"/>
+                                    </a:rPr>
+                                  </m:ctrlPr>
+                                </m:radPr>
+                                <m:deg/>
+                                <m:e>
+                                  <m:r>
+                                    <a:rPr lang="en-US" sz="1400" b="0" i="1" smtClean="0">
+                                      <a:latin typeface="Cambria Math"/>
+                                    </a:rPr>
+                                    <m:t>𝑛</m:t>
+                                  </m:r>
+                                </m:e>
+                              </m:rad>
+                            </m:den>
+                          </m:f>
+                        </m:den>
+                      </m:f>
+                    </m:oMath>
+                  </m:oMathPara>
+                </a14:m>
+                <a:endParaRPr lang="en-US" sz="1400" dirty="0"/>
+              </a:p>
+            </p:txBody>
+          </p:sp>
+        </mc:Choice>
+        <mc:Fallback xmlns="">
+          <p:sp>
+            <p:nvSpPr>
+              <p:cNvPr id="18" name="Rectangle 17"/>
+              <p:cNvSpPr>
+                <a:spLocks noRot="1" noChangeAspect="1" noMove="1" noResize="1" noEditPoints="1" noAdjustHandles="1" noChangeArrowheads="1" noChangeShapeType="1" noTextEdit="1"/>
+              </p:cNvSpPr>
+              <p:nvPr/>
+            </p:nvSpPr>
+            <p:spPr>
+              <a:xfrm>
+                <a:off x="6921559" y="3255508"/>
+                <a:ext cx="952697" cy="687111"/>
+              </a:xfrm>
+              <a:prstGeom prst="rect">
+                <a:avLst/>
+              </a:prstGeom>
+              <a:blipFill rotWithShape="0">
+                <a:blip r:embed="rId5"/>
+                <a:stretch>
+                  <a:fillRect/>
+                </a:stretch>
+              </a:blipFill>
+            </p:spPr>
+            <p:txBody>
+              <a:bodyPr/>
+              <a:lstStyle/>
+              <a:p>
+                <a:r>
+                  <a:rPr lang="en-US">
+                    <a:noFill/>
+                  </a:rPr>
+                  <a:t> </a:t>
+                </a:r>
+              </a:p>
+            </p:txBody>
+          </p:sp>
+        </mc:Fallback>
+      </mc:AlternateContent>
+      <p:sp>
+        <p:nvSpPr>
+          <p:cNvPr id="15" name="TextBox 14"/>
+          <p:cNvSpPr txBox="1"/>
+          <p:nvPr/>
+        </p:nvSpPr>
+        <p:spPr>
+          <a:xfrm>
+            <a:off x="172006" y="4132914"/>
+            <a:ext cx="8779606" cy="461665"/>
+          </a:xfrm>
+          <a:prstGeom prst="rect">
+            <a:avLst/>
+          </a:prstGeom>
+          <a:noFill/>
+        </p:spPr>
+        <p:txBody>
+          <a:bodyPr wrap="square" rtlCol="0">
+            <a:spAutoFit/>
+          </a:bodyPr>
+          <a:lstStyle/>
+          <a:p>
+            <a:r>
+              <a:rPr lang="en-US" sz="2400" dirty="0">
+                <a:solidFill>
+                  <a:srgbClr val="FF0000"/>
+                </a:solidFill>
+              </a:rPr>
+              <a:t>Step 4: Find the p-value: P-value = .0162 &lt; .05</a:t>
+            </a:r>
+          </a:p>
+        </p:txBody>
+      </p:sp>
+      <p:pic>
+        <p:nvPicPr>
+          <p:cNvPr id="6" name="Picture 5"/>
+          <p:cNvPicPr>
+            <a:picLocks noChangeAspect="1"/>
+          </p:cNvPicPr>
+          <p:nvPr/>
+        </p:nvPicPr>
+        <p:blipFill>
+          <a:blip r:embed="rId6"/>
+          <a:stretch>
+            <a:fillRect/>
+          </a:stretch>
+        </p:blipFill>
+        <p:spPr>
+          <a:xfrm>
+            <a:off x="1968157" y="2284979"/>
+            <a:ext cx="4265084" cy="1363503"/>
+          </a:xfrm>
+          <a:prstGeom prst="rect">
+            <a:avLst/>
+          </a:prstGeom>
+        </p:spPr>
+      </p:pic>
+      <p:sp>
+        <p:nvSpPr>
+          <p:cNvPr id="12" name="TextBox 11"/>
+          <p:cNvSpPr txBox="1"/>
+          <p:nvPr/>
+        </p:nvSpPr>
+        <p:spPr>
+          <a:xfrm>
+            <a:off x="176795" y="4678213"/>
+            <a:ext cx="8779606" cy="461665"/>
+          </a:xfrm>
+          <a:prstGeom prst="rect">
+            <a:avLst/>
+          </a:prstGeom>
+          <a:noFill/>
+        </p:spPr>
+        <p:txBody>
+          <a:bodyPr wrap="square" rtlCol="0">
+            <a:spAutoFit/>
+          </a:bodyPr>
+          <a:lstStyle/>
+          <a:p>
+            <a:r>
+              <a:rPr lang="en-US" sz="2400" dirty="0"/>
+              <a:t>Step 5:  REJECT Ho  </a:t>
+            </a:r>
+          </a:p>
+        </p:txBody>
+      </p:sp>
+      <p:sp>
+        <p:nvSpPr>
+          <p:cNvPr id="13" name="TextBox 12"/>
+          <p:cNvSpPr txBox="1"/>
+          <p:nvPr/>
+        </p:nvSpPr>
+        <p:spPr>
+          <a:xfrm>
+            <a:off x="172006" y="5127281"/>
+            <a:ext cx="8779606" cy="1477328"/>
+          </a:xfrm>
+          <a:prstGeom prst="rect">
+            <a:avLst/>
+          </a:prstGeom>
+          <a:noFill/>
+        </p:spPr>
+        <p:txBody>
+          <a:bodyPr wrap="square" rtlCol="0">
+            <a:spAutoFit/>
+          </a:bodyPr>
+          <a:lstStyle/>
+          <a:p>
+            <a:r>
+              <a:rPr lang="en-US" dirty="0"/>
+              <a:t>Step 6:  There is sufficient evidence to conclude that the true mean age of patrons at the Comber at 7pm is different from 21 (</a:t>
+            </a:r>
+            <a:r>
+              <a:rPr lang="en-US" dirty="0">
+                <a:solidFill>
+                  <a:srgbClr val="FF0000"/>
+                </a:solidFill>
+              </a:rPr>
+              <a:t>p-value =.0162 </a:t>
+            </a:r>
+            <a:r>
+              <a:rPr lang="en-US" dirty="0"/>
+              <a:t>from a t-test).  </a:t>
+            </a:r>
+            <a:r>
+              <a:rPr lang="en-US" dirty="0">
+                <a:solidFill>
+                  <a:srgbClr val="FF0000"/>
+                </a:solidFill>
+              </a:rPr>
+              <a:t>A 95% confidence interval for the mean age is (23.3, 36.4) years. </a:t>
+            </a:r>
+            <a:r>
+              <a:rPr lang="en-US" dirty="0"/>
+              <a:t> Scope: Since this was a random sample, we can generalize these findings to the entire population of Comber patrons at 7pm. Note that we have evidence to support the claim that the mean age is greater than 21 as well.</a:t>
+            </a:r>
+          </a:p>
+        </p:txBody>
+      </p:sp>
+    </p:spTree>
+    <p:extLst>
+      <p:ext uri="{BB962C8B-B14F-4D97-AF65-F5344CB8AC3E}">
+        <p14:creationId xmlns:p14="http://schemas.microsoft.com/office/powerpoint/2010/main" val="2791331310"/>
+      </p:ext>
+    </p:extLst>
+  </p:cSld>
+  <p:clrMapOvr>
+    <a:masterClrMapping/>
+  </p:clrMapOvr>
+  <p:timing>
+    <p:tnLst>
+      <p:par>
+        <p:cTn id="1" dur="indefinite" restart="never" nodeType="tmRoot">
+          <p:childTnLst>
+            <p:seq concurrent="1" nextAc="seek">
+              <p:cTn id="2" dur="indefinite" nodeType="mainSeq">
+                <p:childTnLst>
+                  <p:par>
+                    <p:cTn id="3" fill="hold">
+                      <p:stCondLst>
+                        <p:cond delay="indefinite"/>
+                      </p:stCondLst>
+                      <p:childTnLst>
+                        <p:par>
+                          <p:cTn id="4" fill="hold">
+                            <p:stCondLst>
+                              <p:cond delay="0"/>
+                            </p:stCondLst>
+                            <p:childTnLst>
+                              <p:par>
+                                <p:cTn id="5" presetID="10" presetClass="entr" presetSubtype="0" fill="hold" grpId="0" nodeType="clickEffect">
+                                  <p:stCondLst>
+                                    <p:cond delay="0"/>
+                                  </p:stCondLst>
+                                  <p:childTnLst>
+                                    <p:set>
+                                      <p:cBhvr>
+                                        <p:cTn id="6" dur="1" fill="hold">
+                                          <p:stCondLst>
+                                            <p:cond delay="0"/>
+                                          </p:stCondLst>
+                                        </p:cTn>
+                                        <p:tgtEl>
+                                          <p:spTgt spid="15"/>
+                                        </p:tgtEl>
+                                        <p:attrNameLst>
+                                          <p:attrName>style.visibility</p:attrName>
+                                        </p:attrNameLst>
+                                      </p:cBhvr>
+                                      <p:to>
+                                        <p:strVal val="visible"/>
+                                      </p:to>
+                                    </p:set>
+                                    <p:animEffect transition="in" filter="fade">
+                                      <p:cBhvr>
+                                        <p:cTn id="7" dur="500"/>
+                                        <p:tgtEl>
+                                          <p:spTgt spid="15"/>
+                                        </p:tgtEl>
+                                      </p:cBhvr>
+                                    </p:animEffect>
+                                  </p:childTnLst>
+                                </p:cTn>
+                              </p:par>
+                            </p:childTnLst>
+                          </p:cTn>
+                        </p:par>
+                      </p:childTnLst>
+                    </p:cTn>
+                  </p:par>
+                  <p:par>
+                    <p:cTn id="8" fill="hold">
+                      <p:stCondLst>
+                        <p:cond delay="indefinite"/>
+                      </p:stCondLst>
+                      <p:childTnLst>
+                        <p:par>
+                          <p:cTn id="9" fill="hold">
+                            <p:stCondLst>
+                              <p:cond delay="0"/>
+                            </p:stCondLst>
+                            <p:childTnLst>
+                              <p:par>
+                                <p:cTn id="10" presetID="10" presetClass="entr" presetSubtype="0" fill="hold" grpId="0" nodeType="clickEffect">
+                                  <p:stCondLst>
+                                    <p:cond delay="0"/>
+                                  </p:stCondLst>
+                                  <p:childTnLst>
+                                    <p:set>
+                                      <p:cBhvr>
+                                        <p:cTn id="11" dur="1" fill="hold">
+                                          <p:stCondLst>
+                                            <p:cond delay="0"/>
+                                          </p:stCondLst>
+                                        </p:cTn>
+                                        <p:tgtEl>
+                                          <p:spTgt spid="12"/>
+                                        </p:tgtEl>
+                                        <p:attrNameLst>
+                                          <p:attrName>style.visibility</p:attrName>
+                                        </p:attrNameLst>
+                                      </p:cBhvr>
+                                      <p:to>
+                                        <p:strVal val="visible"/>
+                                      </p:to>
+                                    </p:set>
+                                    <p:animEffect transition="in" filter="fade">
+                                      <p:cBhvr>
+                                        <p:cTn id="12" dur="500"/>
+                                        <p:tgtEl>
+                                          <p:spTgt spid="12"/>
+                                        </p:tgtEl>
+                                      </p:cBhvr>
+                                    </p:animEffect>
+                                  </p:childTnLst>
+                                </p:cTn>
+                              </p:par>
+                            </p:childTnLst>
+                          </p:cTn>
+                        </p:par>
+                      </p:childTnLst>
+                    </p:cTn>
+                  </p:par>
+                  <p:par>
+                    <p:cTn id="13" fill="hold">
+                      <p:stCondLst>
+                        <p:cond delay="indefinite"/>
+                      </p:stCondLst>
+                      <p:childTnLst>
+                        <p:par>
+                          <p:cTn id="14" fill="hold">
+                            <p:stCondLst>
+                              <p:cond delay="0"/>
+                            </p:stCondLst>
+                            <p:childTnLst>
+                              <p:par>
+                                <p:cTn id="15" presetID="10" presetClass="entr" presetSubtype="0" fill="hold" grpId="0" nodeType="clickEffect">
+                                  <p:stCondLst>
+                                    <p:cond delay="0"/>
+                                  </p:stCondLst>
+                                  <p:childTnLst>
+                                    <p:set>
+                                      <p:cBhvr>
+                                        <p:cTn id="16" dur="1" fill="hold">
+                                          <p:stCondLst>
+                                            <p:cond delay="0"/>
+                                          </p:stCondLst>
+                                        </p:cTn>
+                                        <p:tgtEl>
+                                          <p:spTgt spid="13"/>
+                                        </p:tgtEl>
+                                        <p:attrNameLst>
+                                          <p:attrName>style.visibility</p:attrName>
+                                        </p:attrNameLst>
+                                      </p:cBhvr>
+                                      <p:to>
+                                        <p:strVal val="visible"/>
+                                      </p:to>
+                                    </p:set>
+                                    <p:animEffect transition="in" filter="fade">
+                                      <p:cBhvr>
+                                        <p:cTn id="17" dur="500"/>
+                                        <p:tgtEl>
+                                          <p:spTgt spid="13"/>
+                                        </p:tgtEl>
+                                      </p:cBhvr>
+                                    </p:animEffect>
+                                  </p:childTnLst>
+                                </p:cTn>
+                              </p:par>
+                            </p:childTnLst>
+                          </p:cTn>
+                        </p:par>
+                      </p:childTnLst>
+                    </p:cTn>
+                  </p:par>
+                </p:childTnLst>
+              </p:cTn>
+              <p:prevCondLst>
+                <p:cond evt="onPrev" delay="0">
+                  <p:tgtEl>
+                    <p:sldTgt/>
+                  </p:tgtEl>
+                </p:cond>
+              </p:prevCondLst>
+              <p:nextCondLst>
+                <p:cond evt="onNext" delay="0">
+                  <p:tgtEl>
+                    <p:sldTgt/>
+                  </p:tgtEl>
+                </p:cond>
+              </p:nextCondLst>
+            </p:seq>
+          </p:childTnLst>
+        </p:cTn>
+      </p:par>
+    </p:tnLst>
+    <p:bldLst>
+      <p:bldP spid="15" grpId="0"/>
+      <p:bldP spid="12" grpId="0"/>
+      <p:bldP spid="13" grpId="0"/>
+    </p:bldLst>
+  </p:timing>
+</p:sld>
+</file>
+
+<file path=ppt/slides/slide16.xml><?xml version="1.0" encoding="utf-8"?>
+<p:sld xmlns:a="http://schemas.openxmlformats.org/drawingml/2006/main" xmlns:r="http://schemas.openxmlformats.org/officeDocument/2006/relationships" xmlns:p="http://schemas.openxmlformats.org/presentationml/2006/main">
+  <p:cSld>
+    <p:spTree>
+      <p:nvGrpSpPr>
+        <p:cNvPr id="1" name=""/>
+        <p:cNvGrpSpPr/>
+        <p:nvPr/>
+      </p:nvGrpSpPr>
+      <p:grpSpPr>
+        <a:xfrm>
+          <a:off x="0" y="0"/>
+          <a:ext cx="0" cy="0"/>
+          <a:chOff x="0" y="0"/>
+          <a:chExt cx="0" cy="0"/>
+        </a:xfrm>
+      </p:grpSpPr>
+      <p:sp>
+        <p:nvSpPr>
+          <p:cNvPr id="2" name="Title 1"/>
+          <p:cNvSpPr>
+            <a:spLocks noGrp="1"/>
+          </p:cNvSpPr>
+          <p:nvPr>
+            <p:ph type="title"/>
+          </p:nvPr>
+        </p:nvSpPr>
+        <p:spPr/>
+        <p:txBody>
+          <a:bodyPr/>
+          <a:lstStyle/>
+          <a:p>
+            <a:r>
+              <a:rPr lang="en-US" dirty="0"/>
+              <a:t>Example: Bats</a:t>
+            </a:r>
+          </a:p>
+        </p:txBody>
+      </p:sp>
+      <p:pic>
+        <p:nvPicPr>
+          <p:cNvPr id="4" name="Picture 2"/>
+          <p:cNvPicPr>
+            <a:picLocks noChangeAspect="1" noChangeArrowheads="1"/>
+          </p:cNvPicPr>
+          <p:nvPr/>
+        </p:nvPicPr>
+        <p:blipFill>
+          <a:blip r:embed="rId2"/>
+          <a:srcRect/>
+          <a:stretch>
+            <a:fillRect/>
+          </a:stretch>
+        </p:blipFill>
+        <p:spPr bwMode="auto">
+          <a:xfrm>
+            <a:off x="533400" y="4495800"/>
+            <a:ext cx="7848600" cy="1871663"/>
+          </a:xfrm>
+          <a:prstGeom prst="rect">
+            <a:avLst/>
+          </a:prstGeom>
+          <a:noFill/>
+          <a:ln w="9525">
+            <a:noFill/>
+            <a:miter lim="800000"/>
+            <a:headEnd/>
+            <a:tailEnd/>
+          </a:ln>
+        </p:spPr>
+      </p:pic>
+      <p:pic>
+        <p:nvPicPr>
+          <p:cNvPr id="5" name="Picture 2" descr="http://www.nationmultimedia.com/top40/media/img/size1/2012/03/01/cdeh6bb7khegcfahb8g55.jpg"/>
+          <p:cNvPicPr>
+            <a:picLocks noChangeAspect="1" noChangeArrowheads="1"/>
+          </p:cNvPicPr>
+          <p:nvPr/>
+        </p:nvPicPr>
+        <p:blipFill>
+          <a:blip r:embed="rId3" cstate="print">
+            <a:extLst>
+              <a:ext uri="{28A0092B-C50C-407E-A947-70E740481C1C}">
+                <a14:useLocalDpi xmlns:a14="http://schemas.microsoft.com/office/drawing/2010/main" val="0"/>
+              </a:ext>
+            </a:extLst>
+          </a:blip>
+          <a:srcRect/>
+          <a:stretch>
+            <a:fillRect/>
+          </a:stretch>
+        </p:blipFill>
+        <p:spPr bwMode="auto">
+          <a:xfrm>
+            <a:off x="2819400" y="1828800"/>
+            <a:ext cx="3273425" cy="2587294"/>
+          </a:xfrm>
+          <a:prstGeom prst="rect">
+            <a:avLst/>
+          </a:prstGeom>
+          <a:noFill/>
+          <a:extLst>
+            <a:ext uri="{909E8E84-426E-40DD-AFC4-6F175D3DCCD1}">
+              <a14:hiddenFill xmlns:a14="http://schemas.microsoft.com/office/drawing/2010/main">
+                <a:solidFill>
+                  <a:srgbClr val="FFFFFF"/>
+                </a:solidFill>
+              </a14:hiddenFill>
+            </a:ext>
+          </a:extLst>
+        </p:spPr>
+      </p:pic>
+      <p:sp>
+        <p:nvSpPr>
+          <p:cNvPr id="6" name="Slide Number Placeholder 5"/>
+          <p:cNvSpPr>
+            <a:spLocks noGrp="1"/>
+          </p:cNvSpPr>
+          <p:nvPr>
+            <p:ph type="sldNum" sz="quarter" idx="12"/>
+          </p:nvPr>
+        </p:nvSpPr>
+        <p:spPr/>
+        <p:txBody>
+          <a:bodyPr/>
+          <a:lstStyle/>
+          <a:p>
+            <a:fld id="{240F1BDB-6CE4-495C-AC30-106FDA64768F}" type="slidenum">
+              <a:rPr lang="en-US" smtClean="0"/>
+              <a:t>16</a:t>
+            </a:fld>
+            <a:endParaRPr lang="en-US" dirty="0"/>
+          </a:p>
+        </p:txBody>
+      </p:sp>
+    </p:spTree>
+    <p:extLst>
+      <p:ext uri="{BB962C8B-B14F-4D97-AF65-F5344CB8AC3E}">
+        <p14:creationId xmlns:p14="http://schemas.microsoft.com/office/powerpoint/2010/main" val="3000451747"/>
+      </p:ext>
+    </p:extLst>
+  </p:cSld>
+  <p:clrMapOvr>
+    <a:masterClrMapping/>
+  </p:clrMapOvr>
+</p:sld>
+</file>
+
+<file path=ppt/slides/slide17.xml><?xml version="1.0" encoding="utf-8"?>
+<p:sld xmlns:a="http://schemas.openxmlformats.org/drawingml/2006/main" xmlns:r="http://schemas.openxmlformats.org/officeDocument/2006/relationships" xmlns:p="http://schemas.openxmlformats.org/presentationml/2006/main">
+  <p:cSld>
+    <p:spTree>
+      <p:nvGrpSpPr>
+        <p:cNvPr id="1" name=""/>
+        <p:cNvGrpSpPr/>
+        <p:nvPr/>
+      </p:nvGrpSpPr>
+      <p:grpSpPr>
+        <a:xfrm>
+          <a:off x="0" y="0"/>
+          <a:ext cx="0" cy="0"/>
+          <a:chOff x="0" y="0"/>
+          <a:chExt cx="0" cy="0"/>
+        </a:xfrm>
+      </p:grpSpPr>
+      <p:sp>
+        <p:nvSpPr>
+          <p:cNvPr id="2" name="Title 1"/>
+          <p:cNvSpPr>
+            <a:spLocks noGrp="1"/>
+          </p:cNvSpPr>
+          <p:nvPr>
+            <p:ph type="title"/>
+          </p:nvPr>
+        </p:nvSpPr>
+        <p:spPr>
+          <a:xfrm>
+            <a:off x="457200" y="274638"/>
+            <a:ext cx="8229600" cy="944562"/>
+          </a:xfrm>
+        </p:spPr>
+        <p:txBody>
+          <a:bodyPr/>
+          <a:lstStyle/>
+          <a:p>
+            <a:r>
+              <a:rPr lang="en-US" dirty="0"/>
+              <a:t>Example: Bats</a:t>
+            </a:r>
+          </a:p>
+        </p:txBody>
+      </p:sp>
+      <p:pic>
+        <p:nvPicPr>
+          <p:cNvPr id="4" name="Picture 3"/>
+          <p:cNvPicPr>
+            <a:picLocks noChangeAspect="1"/>
+          </p:cNvPicPr>
+          <p:nvPr/>
+        </p:nvPicPr>
+        <p:blipFill>
+          <a:blip r:embed="rId2"/>
+          <a:stretch>
+            <a:fillRect/>
+          </a:stretch>
+        </p:blipFill>
+        <p:spPr>
+          <a:xfrm>
+            <a:off x="4471654" y="1138768"/>
+            <a:ext cx="4051457" cy="2518832"/>
+          </a:xfrm>
+          <a:prstGeom prst="rect">
+            <a:avLst/>
+          </a:prstGeom>
+        </p:spPr>
+      </p:pic>
+      <p:pic>
+        <p:nvPicPr>
+          <p:cNvPr id="5" name="Picture 4"/>
+          <p:cNvPicPr>
+            <a:picLocks noChangeAspect="1"/>
+          </p:cNvPicPr>
+          <p:nvPr/>
+        </p:nvPicPr>
+        <p:blipFill>
+          <a:blip r:embed="rId3"/>
+          <a:stretch>
+            <a:fillRect/>
+          </a:stretch>
+        </p:blipFill>
+        <p:spPr>
+          <a:xfrm>
+            <a:off x="76200" y="1138769"/>
+            <a:ext cx="4048125" cy="2517428"/>
+          </a:xfrm>
+          <a:prstGeom prst="rect">
+            <a:avLst/>
+          </a:prstGeom>
+        </p:spPr>
+      </p:pic>
+      <p:sp>
+        <p:nvSpPr>
+          <p:cNvPr id="6" name="TextBox 5"/>
+          <p:cNvSpPr txBox="1"/>
+          <p:nvPr/>
+        </p:nvSpPr>
+        <p:spPr>
+          <a:xfrm>
+            <a:off x="533027" y="4648200"/>
+            <a:ext cx="7877254" cy="2031325"/>
+          </a:xfrm>
+          <a:prstGeom prst="rect">
+            <a:avLst/>
+          </a:prstGeom>
+          <a:noFill/>
+        </p:spPr>
+        <p:txBody>
+          <a:bodyPr wrap="square" rtlCol="0">
+            <a:spAutoFit/>
+          </a:bodyPr>
+          <a:lstStyle/>
+          <a:p>
+            <a:r>
+              <a:rPr lang="en-US" dirty="0"/>
+              <a:t>ASSUMPTIONS:  </a:t>
+            </a:r>
+          </a:p>
+          <a:p>
+            <a:r>
+              <a:rPr lang="en-US" b="1" dirty="0"/>
+              <a:t>Normal Population Distribution</a:t>
+            </a:r>
+            <a:r>
+              <a:rPr lang="en-US" dirty="0"/>
+              <a:t>: Judging from the histogram and q-q plots, there is some visual evidence of a departure from normality.   With a sample size of 15 and no extreme outliers, we will assume the distribution of sample means is well approximated by a normal distribution via the CLT and proceed with caution. </a:t>
+            </a:r>
+          </a:p>
+          <a:p>
+            <a:r>
+              <a:rPr lang="en-US" b="1" dirty="0"/>
+              <a:t>Independence:</a:t>
+            </a:r>
+            <a:r>
+              <a:rPr lang="en-US" dirty="0"/>
+              <a:t> Not much is known about the sampling scheme used to obtain this sample.  We will assume the observations are independent.  </a:t>
+            </a:r>
+          </a:p>
+        </p:txBody>
+      </p:sp>
+      <p:sp>
+        <p:nvSpPr>
+          <p:cNvPr id="3" name="Slide Number Placeholder 2"/>
+          <p:cNvSpPr>
+            <a:spLocks noGrp="1"/>
+          </p:cNvSpPr>
+          <p:nvPr>
+            <p:ph type="sldNum" sz="quarter" idx="12"/>
+          </p:nvPr>
+        </p:nvSpPr>
+        <p:spPr/>
+        <p:txBody>
+          <a:bodyPr/>
+          <a:lstStyle/>
+          <a:p>
+            <a:fld id="{240F1BDB-6CE4-495C-AC30-106FDA64768F}" type="slidenum">
+              <a:rPr lang="en-US" smtClean="0"/>
+              <a:t>17</a:t>
+            </a:fld>
+            <a:endParaRPr lang="en-US" dirty="0"/>
+          </a:p>
+        </p:txBody>
+      </p:sp>
+      <p:sp>
+        <p:nvSpPr>
+          <p:cNvPr id="7" name="TextBox 6"/>
+          <p:cNvSpPr txBox="1"/>
+          <p:nvPr/>
+        </p:nvSpPr>
+        <p:spPr>
+          <a:xfrm>
+            <a:off x="469232" y="3733800"/>
+            <a:ext cx="7913511" cy="646331"/>
+          </a:xfrm>
+          <a:prstGeom prst="rect">
+            <a:avLst/>
+          </a:prstGeom>
+          <a:noFill/>
+        </p:spPr>
+        <p:txBody>
+          <a:bodyPr wrap="square" rtlCol="0">
+            <a:spAutoFit/>
+          </a:bodyPr>
+          <a:lstStyle/>
+          <a:p>
+            <a:r>
+              <a:rPr lang="en-US" dirty="0"/>
+              <a:t>PROBLEM STATEMENT: </a:t>
+            </a:r>
+          </a:p>
+          <a:p>
+            <a:r>
+              <a:rPr lang="en-US" dirty="0"/>
+              <a:t>Test the claim that the mean weight of the bumble bee bat is different from 1.8 g. </a:t>
+            </a:r>
+          </a:p>
+        </p:txBody>
+      </p:sp>
+    </p:spTree>
+    <p:extLst>
+      <p:ext uri="{BB962C8B-B14F-4D97-AF65-F5344CB8AC3E}">
+        <p14:creationId xmlns:p14="http://schemas.microsoft.com/office/powerpoint/2010/main" val="3187863478"/>
+      </p:ext>
+    </p:extLst>
+  </p:cSld>
+  <p:clrMapOvr>
+    <a:masterClrMapping/>
+  </p:clrMapOvr>
+</p:sld>
+</file>
+
+<file path=ppt/slides/slide18.xml><?xml version="1.0" encoding="utf-8"?>
+<p:sld xmlns:a="http://schemas.openxmlformats.org/drawingml/2006/main" xmlns:r="http://schemas.openxmlformats.org/officeDocument/2006/relationships" xmlns:p="http://schemas.openxmlformats.org/presentationml/2006/main">
+  <p:cSld>
+    <p:spTree>
+      <p:nvGrpSpPr>
+        <p:cNvPr id="1" name=""/>
+        <p:cNvGrpSpPr/>
+        <p:nvPr/>
+      </p:nvGrpSpPr>
+      <p:grpSpPr>
+        <a:xfrm>
+          <a:off x="0" y="0"/>
+          <a:ext cx="0" cy="0"/>
+          <a:chOff x="0" y="0"/>
+          <a:chExt cx="0" cy="0"/>
+        </a:xfrm>
+      </p:grpSpPr>
+      <p:pic>
+        <p:nvPicPr>
+          <p:cNvPr id="8194" name="Picture 2"/>
+          <p:cNvPicPr>
+            <a:picLocks noChangeAspect="1" noChangeArrowheads="1"/>
+          </p:cNvPicPr>
+          <p:nvPr/>
+        </p:nvPicPr>
+        <p:blipFill>
+          <a:blip r:embed="rId2"/>
+          <a:srcRect/>
+          <a:stretch>
+            <a:fillRect/>
+          </a:stretch>
+        </p:blipFill>
+        <p:spPr bwMode="auto">
+          <a:xfrm>
+            <a:off x="533400" y="1447800"/>
+            <a:ext cx="7848600" cy="1871663"/>
+          </a:xfrm>
+          <a:prstGeom prst="rect">
+            <a:avLst/>
+          </a:prstGeom>
+          <a:noFill/>
+          <a:ln w="9525">
+            <a:noFill/>
+            <a:miter lim="800000"/>
+            <a:headEnd/>
+            <a:tailEnd/>
+          </a:ln>
+        </p:spPr>
+      </p:pic>
+      <mc:AlternateContent xmlns:mc="http://schemas.openxmlformats.org/markup-compatibility/2006" xmlns:a14="http://schemas.microsoft.com/office/drawing/2010/main">
+        <mc:Choice Requires="a14">
+          <p:sp>
+            <p:nvSpPr>
+              <p:cNvPr id="8202" name="Text Box 6"/>
+              <p:cNvSpPr txBox="1">
+                <a:spLocks noChangeArrowheads="1"/>
+              </p:cNvSpPr>
+              <p:nvPr/>
+            </p:nvSpPr>
+            <p:spPr bwMode="auto">
+              <a:xfrm>
+                <a:off x="144939" y="3207119"/>
+                <a:ext cx="1516064" cy="1971676"/>
+              </a:xfrm>
+              <a:prstGeom prst="rect">
+                <a:avLst/>
+              </a:prstGeom>
+              <a:noFill/>
+              <a:ln w="12700">
+                <a:noFill/>
+                <a:miter lim="800000"/>
+                <a:headEnd/>
+                <a:tailEnd/>
+              </a:ln>
+            </p:spPr>
+            <p:txBody>
+              <a:bodyPr wrap="none" anchor="ctr">
+                <a:prstTxWarp prst="textNoShape">
+                  <a:avLst/>
+                </a:prstTxWarp>
+                <a:spAutoFit/>
+              </a:bodyPr>
+              <a:lstStyle/>
+              <a:p>
+                <a:r>
+                  <a:rPr lang="en-US" sz="2400" b="1" i="1" dirty="0">
+                    <a:solidFill>
+                      <a:schemeClr val="tx2"/>
+                    </a:solidFill>
+                  </a:rPr>
+                  <a:t>H</a:t>
+                </a:r>
+                <a:r>
+                  <a:rPr lang="en-US" sz="2400" b="1" baseline="-25000" dirty="0">
+                    <a:solidFill>
+                      <a:schemeClr val="tx2"/>
+                    </a:solidFill>
+                  </a:rPr>
+                  <a:t>0</a:t>
+                </a:r>
+                <a:r>
+                  <a:rPr lang="en-US" sz="2400" b="1" dirty="0">
+                    <a:solidFill>
+                      <a:schemeClr val="tx2"/>
+                    </a:solidFill>
+                  </a:rPr>
+                  <a:t>: </a:t>
+                </a:r>
+                <a:r>
+                  <a:rPr lang="en-US" sz="2400" b="1" dirty="0">
+                    <a:solidFill>
+                      <a:schemeClr val="tx2"/>
+                    </a:solidFill>
+                    <a:sym typeface="Symbol" charset="2"/>
+                  </a:rPr>
+                  <a:t> </a:t>
+                </a:r>
+                <a14:m>
+                  <m:oMath xmlns:m="http://schemas.openxmlformats.org/officeDocument/2006/math">
+                    <m:r>
+                      <a:rPr lang="en-US" sz="2400" b="1" i="1" smtClean="0">
+                        <a:solidFill>
+                          <a:schemeClr val="tx2"/>
+                        </a:solidFill>
+                        <a:latin typeface="Cambria Math" panose="02040503050406030204" pitchFamily="18" charset="0"/>
+                        <a:ea typeface="Cambria Math" panose="02040503050406030204" pitchFamily="18" charset="0"/>
+                        <a:sym typeface="Symbol" charset="2"/>
+                      </a:rPr>
+                      <m:t>𝝁</m:t>
+                    </m:r>
+                  </m:oMath>
+                </a14:m>
+                <a:r>
+                  <a:rPr lang="en-US" sz="2400" b="1" dirty="0">
+                    <a:solidFill>
+                      <a:schemeClr val="tx2"/>
+                    </a:solidFill>
+                    <a:sym typeface="Symbol" charset="2"/>
+                  </a:rPr>
+                  <a:t>= 1.8</a:t>
+                </a:r>
+              </a:p>
+              <a:p>
+                <a:r>
+                  <a:rPr lang="en-US" sz="2400" b="1" i="1" dirty="0">
+                    <a:solidFill>
+                      <a:schemeClr val="tx2"/>
+                    </a:solidFill>
+                    <a:sym typeface="Symbol" charset="2"/>
+                  </a:rPr>
+                  <a:t>H</a:t>
+                </a:r>
+                <a:r>
+                  <a:rPr lang="en-US" sz="2400" b="1" baseline="-25000" dirty="0">
+                    <a:solidFill>
+                      <a:schemeClr val="tx2"/>
+                    </a:solidFill>
+                    <a:sym typeface="Symbol" charset="2"/>
+                  </a:rPr>
+                  <a:t>1</a:t>
+                </a:r>
+                <a:r>
+                  <a:rPr lang="en-US" sz="2400" b="1" dirty="0">
+                    <a:solidFill>
+                      <a:schemeClr val="tx2"/>
+                    </a:solidFill>
+                    <a:sym typeface="Symbol" charset="2"/>
+                  </a:rPr>
+                  <a:t>: </a:t>
+                </a:r>
+                <a14:m>
+                  <m:oMath xmlns:m="http://schemas.openxmlformats.org/officeDocument/2006/math">
+                    <m:r>
+                      <a:rPr lang="en-US" sz="2400" b="1" i="1" smtClean="0">
+                        <a:solidFill>
+                          <a:schemeClr val="tx2"/>
+                        </a:solidFill>
+                        <a:latin typeface="Cambria Math" panose="02040503050406030204" pitchFamily="18" charset="0"/>
+                        <a:ea typeface="Cambria Math" panose="02040503050406030204" pitchFamily="18" charset="0"/>
+                        <a:sym typeface="Symbol" charset="2"/>
+                      </a:rPr>
+                      <m:t>𝝁</m:t>
+                    </m:r>
+                  </m:oMath>
+                </a14:m>
+                <a:r>
+                  <a:rPr lang="en-US" sz="2400" b="1" dirty="0">
+                    <a:solidFill>
+                      <a:schemeClr val="tx2"/>
+                    </a:solidFill>
+                    <a:sym typeface="Symbol" charset="2"/>
+                  </a:rPr>
+                  <a:t> </a:t>
+                </a:r>
+                <a:r>
+                  <a:rPr lang="en-US" sz="2400" b="1" dirty="0">
+                    <a:solidFill>
+                      <a:schemeClr val="tx2"/>
+                    </a:solidFill>
+                    <a:ea typeface="Arial" charset="0"/>
+                    <a:cs typeface="Arial" charset="0"/>
+                    <a:sym typeface="Symbol" charset="2"/>
+                  </a:rPr>
+                  <a:t>≠ </a:t>
+                </a:r>
+                <a:r>
+                  <a:rPr lang="en-US" sz="2400" b="1" dirty="0">
+                    <a:solidFill>
+                      <a:schemeClr val="tx2"/>
+                    </a:solidFill>
+                    <a:sym typeface="Symbol" charset="2"/>
+                  </a:rPr>
+                  <a:t>1.8</a:t>
+                </a:r>
+              </a:p>
+              <a:p>
+                <a14:m>
+                  <m:oMath xmlns:m="http://schemas.openxmlformats.org/officeDocument/2006/math">
+                    <m:r>
+                      <a:rPr lang="en-US" sz="2400" b="1" i="1" smtClean="0">
+                        <a:solidFill>
+                          <a:schemeClr val="tx2"/>
+                        </a:solidFill>
+                        <a:latin typeface="Cambria Math" panose="02040503050406030204" pitchFamily="18" charset="0"/>
+                        <a:ea typeface="Cambria Math" panose="02040503050406030204" pitchFamily="18" charset="0"/>
+                        <a:sym typeface="Symbol" charset="2"/>
+                      </a:rPr>
+                      <m:t>𝜶</m:t>
+                    </m:r>
+                  </m:oMath>
+                </a14:m>
+                <a:r>
+                  <a:rPr lang="en-US" sz="2400" b="1" dirty="0">
+                    <a:solidFill>
+                      <a:schemeClr val="tx2"/>
+                    </a:solidFill>
+                    <a:sym typeface="Symbol" charset="2"/>
+                  </a:rPr>
+                  <a:t> = 0.05</a:t>
+                </a:r>
+              </a:p>
+              <a:p>
+                <a14:m>
+                  <m:oMath xmlns:m="http://schemas.openxmlformats.org/officeDocument/2006/math">
+                    <m:acc>
+                      <m:accPr>
+                        <m:chr m:val="̅"/>
+                        <m:ctrlPr>
+                          <a:rPr lang="en-US" sz="2400" b="1" i="1" smtClean="0">
+                            <a:solidFill>
+                              <a:schemeClr val="tx2"/>
+                            </a:solidFill>
+                            <a:latin typeface="Cambria Math" panose="02040503050406030204" pitchFamily="18" charset="0"/>
+                            <a:sym typeface="Symbol" charset="2"/>
+                          </a:rPr>
+                        </m:ctrlPr>
+                      </m:accPr>
+                      <m:e>
+                        <m:r>
+                          <a:rPr lang="en-US" sz="2400" b="1" i="1" smtClean="0">
+                            <a:solidFill>
+                              <a:schemeClr val="tx2"/>
+                            </a:solidFill>
+                            <a:latin typeface="Cambria Math" panose="02040503050406030204" pitchFamily="18" charset="0"/>
+                            <a:sym typeface="Symbol" charset="2"/>
+                          </a:rPr>
+                          <m:t>𝒙</m:t>
+                        </m:r>
+                      </m:e>
+                    </m:acc>
+                  </m:oMath>
+                </a14:m>
+                <a:r>
+                  <a:rPr lang="en-US" sz="2400" b="1" dirty="0">
+                    <a:solidFill>
+                      <a:schemeClr val="tx2"/>
+                    </a:solidFill>
+                    <a:sym typeface="Symbol" charset="2"/>
+                  </a:rPr>
+                  <a:t>= 1.713</a:t>
+                </a:r>
+              </a:p>
+              <a:p>
+                <a:r>
+                  <a:rPr lang="en-US" sz="2400" b="1" dirty="0">
+                    <a:solidFill>
+                      <a:schemeClr val="tx2"/>
+                    </a:solidFill>
+                    <a:sym typeface="Symbol" charset="2"/>
+                  </a:rPr>
+                  <a:t>s = .2588</a:t>
+                </a:r>
+              </a:p>
+            </p:txBody>
+          </p:sp>
+        </mc:Choice>
+        <mc:Fallback xmlns="">
+          <p:sp>
+            <p:nvSpPr>
+              <p:cNvPr id="8202" name="Text Box 6"/>
+              <p:cNvSpPr txBox="1">
+                <a:spLocks noRot="1" noChangeAspect="1" noMove="1" noResize="1" noEditPoints="1" noAdjustHandles="1" noChangeArrowheads="1" noChangeShapeType="1" noTextEdit="1"/>
+              </p:cNvSpPr>
+              <p:nvPr/>
+            </p:nvSpPr>
+            <p:spPr bwMode="auto">
+              <a:xfrm>
+                <a:off x="144939" y="3207119"/>
+                <a:ext cx="1516064" cy="1971676"/>
+              </a:xfrm>
+              <a:prstGeom prst="rect">
+                <a:avLst/>
+              </a:prstGeom>
+              <a:blipFill rotWithShape="0">
+                <a:blip r:embed="rId3"/>
+                <a:stretch>
+                  <a:fillRect l="-6452" t="-1235" r="-5242" b="-5556"/>
+                </a:stretch>
+              </a:blipFill>
+              <a:ln w="12700">
+                <a:noFill/>
+                <a:miter lim="800000"/>
+                <a:headEnd/>
+                <a:tailEnd/>
+              </a:ln>
+            </p:spPr>
+            <p:txBody>
+              <a:bodyPr/>
+              <a:lstStyle/>
+              <a:p>
+                <a:r>
+                  <a:rPr lang="en-US">
+                    <a:noFill/>
+                  </a:rPr>
+                  <a:t> </a:t>
+                </a:r>
+              </a:p>
+            </p:txBody>
+          </p:sp>
+        </mc:Fallback>
+      </mc:AlternateContent>
+      <p:sp>
+        <p:nvSpPr>
+          <p:cNvPr id="8" name="Text Box 49"/>
+          <p:cNvSpPr txBox="1">
+            <a:spLocks noChangeArrowheads="1"/>
+          </p:cNvSpPr>
+          <p:nvPr/>
+        </p:nvSpPr>
+        <p:spPr bwMode="auto">
+          <a:xfrm>
+            <a:off x="2190365" y="4864705"/>
+            <a:ext cx="1368948" cy="369332"/>
+          </a:xfrm>
+          <a:prstGeom prst="rect">
+            <a:avLst/>
+          </a:prstGeom>
+          <a:noFill/>
+          <a:ln w="12700">
+            <a:noFill/>
+            <a:miter lim="800000"/>
+            <a:headEnd/>
+            <a:tailEnd/>
+          </a:ln>
+        </p:spPr>
+        <p:txBody>
+          <a:bodyPr wrap="square" anchor="ctr">
+            <a:prstTxWarp prst="textNoShape">
+              <a:avLst/>
+            </a:prstTxWarp>
+            <a:spAutoFit/>
+          </a:bodyPr>
+          <a:lstStyle/>
+          <a:p>
+            <a:r>
+              <a:rPr lang="en-US" b="1" i="1" dirty="0">
+                <a:solidFill>
+                  <a:schemeClr val="tx2"/>
+                </a:solidFill>
+              </a:rPr>
+              <a:t>t = -1.297</a:t>
+            </a:r>
+            <a:endParaRPr lang="en-US" dirty="0">
+              <a:latin typeface="Times New Roman" charset="0"/>
+            </a:endParaRPr>
+          </a:p>
+        </p:txBody>
+      </p:sp>
+      <p:sp>
+        <p:nvSpPr>
+          <p:cNvPr id="9" name="Text Box 50"/>
+          <p:cNvSpPr txBox="1">
+            <a:spLocks noChangeArrowheads="1"/>
+          </p:cNvSpPr>
+          <p:nvPr/>
+        </p:nvSpPr>
+        <p:spPr bwMode="auto">
+          <a:xfrm>
+            <a:off x="1551400" y="4573428"/>
+            <a:ext cx="1532659" cy="369332"/>
+          </a:xfrm>
+          <a:prstGeom prst="rect">
+            <a:avLst/>
+          </a:prstGeom>
+          <a:noFill/>
+          <a:ln w="9525">
+            <a:noFill/>
+            <a:miter lim="800000"/>
+            <a:headEnd/>
+            <a:tailEnd/>
+          </a:ln>
+        </p:spPr>
+        <p:txBody>
+          <a:bodyPr wrap="square">
+            <a:prstTxWarp prst="textNoShape">
+              <a:avLst/>
+            </a:prstTxWarp>
+            <a:spAutoFit/>
+          </a:bodyPr>
+          <a:lstStyle/>
+          <a:p>
+            <a:pPr algn="ctr">
+              <a:spcBef>
+                <a:spcPct val="50000"/>
+              </a:spcBef>
+            </a:pPr>
+            <a:r>
+              <a:rPr lang="en-US" b="1" dirty="0"/>
+              <a:t>Test Statistic</a:t>
+            </a:r>
+          </a:p>
+        </p:txBody>
+      </p:sp>
+      <p:sp>
+        <p:nvSpPr>
+          <p:cNvPr id="10" name="Text Box 51"/>
+          <p:cNvSpPr txBox="1">
+            <a:spLocks noChangeArrowheads="1"/>
+          </p:cNvSpPr>
+          <p:nvPr/>
+        </p:nvSpPr>
+        <p:spPr bwMode="auto">
+          <a:xfrm>
+            <a:off x="1570620" y="3273550"/>
+            <a:ext cx="2438400" cy="400110"/>
+          </a:xfrm>
+          <a:prstGeom prst="rect">
+            <a:avLst/>
+          </a:prstGeom>
+          <a:noFill/>
+          <a:ln w="9525">
+            <a:noFill/>
+            <a:miter lim="800000"/>
+            <a:headEnd/>
+            <a:tailEnd/>
+          </a:ln>
+        </p:spPr>
+        <p:txBody>
+          <a:bodyPr>
+            <a:prstTxWarp prst="textNoShape">
+              <a:avLst/>
+            </a:prstTxWarp>
+            <a:spAutoFit/>
+          </a:bodyPr>
+          <a:lstStyle/>
+          <a:p>
+            <a:pPr algn="ctr">
+              <a:spcBef>
+                <a:spcPct val="50000"/>
+              </a:spcBef>
+            </a:pPr>
+            <a:r>
+              <a:rPr lang="en-US" sz="2000" b="1" dirty="0"/>
+              <a:t>Critical Values</a:t>
+            </a:r>
+          </a:p>
+        </p:txBody>
+      </p:sp>
+      <p:sp>
+        <p:nvSpPr>
+          <p:cNvPr id="11" name="Text Box 52"/>
+          <p:cNvSpPr txBox="1">
+            <a:spLocks noChangeArrowheads="1"/>
+          </p:cNvSpPr>
+          <p:nvPr/>
+        </p:nvSpPr>
+        <p:spPr bwMode="auto">
+          <a:xfrm>
+            <a:off x="3264881" y="3244924"/>
+            <a:ext cx="2133600" cy="400110"/>
+          </a:xfrm>
+          <a:prstGeom prst="rect">
+            <a:avLst/>
+          </a:prstGeom>
+          <a:noFill/>
+          <a:ln w="12700">
+            <a:noFill/>
+            <a:miter lim="800000"/>
+            <a:headEnd/>
+            <a:tailEnd/>
+          </a:ln>
+        </p:spPr>
+        <p:txBody>
+          <a:bodyPr anchor="ctr">
+            <a:prstTxWarp prst="textNoShape">
+              <a:avLst/>
+            </a:prstTxWarp>
+            <a:spAutoFit/>
+          </a:bodyPr>
+          <a:lstStyle/>
+          <a:p>
+            <a:pPr algn="ctr"/>
+            <a:r>
+              <a:rPr lang="en-US" sz="2000" b="1" i="1" dirty="0">
+                <a:solidFill>
+                  <a:schemeClr val="tx2"/>
+                </a:solidFill>
+              </a:rPr>
+              <a:t>t = ±</a:t>
+            </a:r>
+            <a:r>
+              <a:rPr lang="en-US" sz="2000" b="1" i="1" dirty="0">
+                <a:solidFill>
+                  <a:schemeClr val="tx2"/>
+                </a:solidFill>
+                <a:ea typeface="Arial" charset="0"/>
+                <a:cs typeface="Arial" charset="0"/>
+              </a:rPr>
+              <a:t> 2.145</a:t>
+            </a:r>
+            <a:r>
+              <a:rPr lang="en-US" sz="2000" b="1" i="1" dirty="0">
+                <a:solidFill>
+                  <a:schemeClr val="tx2"/>
+                </a:solidFill>
+              </a:rPr>
+              <a:t> </a:t>
+            </a:r>
+            <a:endParaRPr lang="en-US" sz="2000" b="1" i="1" dirty="0">
+              <a:solidFill>
+                <a:schemeClr val="tx2"/>
+              </a:solidFill>
+              <a:ea typeface="Arial" charset="0"/>
+              <a:cs typeface="Arial" charset="0"/>
+            </a:endParaRPr>
+          </a:p>
+        </p:txBody>
+      </p:sp>
+      <p:sp>
+        <p:nvSpPr>
+          <p:cNvPr id="12" name="Text Box 53"/>
+          <p:cNvSpPr txBox="1">
+            <a:spLocks noChangeArrowheads="1"/>
+          </p:cNvSpPr>
+          <p:nvPr/>
+        </p:nvSpPr>
+        <p:spPr bwMode="auto">
+          <a:xfrm>
+            <a:off x="6502932" y="4490606"/>
+            <a:ext cx="2514600" cy="457200"/>
+          </a:xfrm>
+          <a:prstGeom prst="rect">
+            <a:avLst/>
+          </a:prstGeom>
+          <a:noFill/>
+          <a:ln w="12700">
+            <a:noFill/>
+            <a:miter lim="800000"/>
+            <a:headEnd/>
+            <a:tailEnd/>
+          </a:ln>
+        </p:spPr>
+        <p:txBody>
+          <a:bodyPr anchor="ctr">
+            <a:prstTxWarp prst="textNoShape">
+              <a:avLst/>
+            </a:prstTxWarp>
+            <a:spAutoFit/>
+          </a:bodyPr>
+          <a:lstStyle/>
+          <a:p>
+            <a:pPr algn="ctr"/>
+            <a:r>
+              <a:rPr lang="en-US" sz="2400" b="1" i="1" dirty="0">
+                <a:solidFill>
+                  <a:schemeClr val="tx2"/>
+                </a:solidFill>
+              </a:rPr>
+              <a:t>Fail to Reject H</a:t>
+            </a:r>
+            <a:r>
+              <a:rPr lang="en-US" sz="2400" b="1" i="1" baseline="-25000" dirty="0">
+                <a:solidFill>
+                  <a:schemeClr val="tx2"/>
+                </a:solidFill>
+              </a:rPr>
+              <a:t>0</a:t>
+            </a:r>
+            <a:endParaRPr lang="en-US" sz="2400" b="1" i="1" baseline="-25000" dirty="0">
+              <a:solidFill>
+                <a:schemeClr val="tx2"/>
+              </a:solidFill>
+              <a:ea typeface="Arial" charset="0"/>
+              <a:cs typeface="Arial" charset="0"/>
+            </a:endParaRPr>
+          </a:p>
+        </p:txBody>
+      </p:sp>
+      <p:sp>
+        <p:nvSpPr>
+          <p:cNvPr id="13" name="Text Box 54"/>
+          <p:cNvSpPr txBox="1">
+            <a:spLocks noChangeArrowheads="1"/>
+          </p:cNvSpPr>
+          <p:nvPr/>
+        </p:nvSpPr>
+        <p:spPr bwMode="auto">
+          <a:xfrm>
+            <a:off x="-81383" y="5161331"/>
+            <a:ext cx="9225383" cy="1077218"/>
+          </a:xfrm>
+          <a:prstGeom prst="rect">
+            <a:avLst/>
+          </a:prstGeom>
+          <a:noFill/>
+          <a:ln w="9525">
+            <a:noFill/>
+            <a:miter lim="800000"/>
+            <a:headEnd/>
+            <a:tailEnd/>
+          </a:ln>
+        </p:spPr>
+        <p:txBody>
+          <a:bodyPr wrap="square">
+            <a:prstTxWarp prst="textNoShape">
+              <a:avLst/>
+            </a:prstTxWarp>
+            <a:spAutoFit/>
+          </a:bodyPr>
+          <a:lstStyle/>
+          <a:p>
+            <a:pPr algn="ctr">
+              <a:spcBef>
+                <a:spcPct val="50000"/>
+              </a:spcBef>
+            </a:pPr>
+            <a:r>
+              <a:rPr lang="en-US" sz="1600" b="1" dirty="0"/>
+              <a:t>On the basis of this test, there is not enough evidence to reject the claim that the mean weight of bumblebee bats is equal to 1.8 g (p-value = .2155 from a t-test).  A 95% confidence interval is (1.57, 1.8566) grams.  The problem was ambiguous on the randomness of the sample; thus, we will assume that it was not a random sample, which makes inference to all bats strictly speculative. </a:t>
+            </a:r>
+          </a:p>
+        </p:txBody>
+      </p:sp>
+      <p:sp>
+        <p:nvSpPr>
+          <p:cNvPr id="14" name="Text Box 21"/>
+          <p:cNvSpPr txBox="1">
+            <a:spLocks noChangeArrowheads="1"/>
+          </p:cNvSpPr>
+          <p:nvPr/>
+        </p:nvSpPr>
+        <p:spPr bwMode="auto">
+          <a:xfrm>
+            <a:off x="3869138" y="4461980"/>
+            <a:ext cx="3058686" cy="457200"/>
+          </a:xfrm>
+          <a:prstGeom prst="rect">
+            <a:avLst/>
+          </a:prstGeom>
+          <a:noFill/>
+          <a:ln w="9525">
+            <a:noFill/>
+            <a:miter lim="800000"/>
+            <a:headEnd/>
+            <a:tailEnd/>
+          </a:ln>
+        </p:spPr>
+        <p:txBody>
+          <a:bodyPr wrap="square">
+            <a:prstTxWarp prst="textNoShape">
+              <a:avLst/>
+            </a:prstTxWarp>
+            <a:spAutoFit/>
+          </a:bodyPr>
+          <a:lstStyle/>
+          <a:p>
+            <a:pPr>
+              <a:spcBef>
+                <a:spcPct val="50000"/>
+              </a:spcBef>
+            </a:pPr>
+            <a:r>
+              <a:rPr lang="en-US" sz="2400" b="1" dirty="0"/>
+              <a:t>P-value: .2155 &gt; .05</a:t>
+            </a:r>
+          </a:p>
+        </p:txBody>
+      </p:sp>
+      <p:pic>
+        <p:nvPicPr>
+          <p:cNvPr id="1026" name="Picture 2" descr="http://www.nationmultimedia.com/top40/media/img/size1/2012/03/01/cdeh6bb7khegcfahb8g55.jpg"/>
+          <p:cNvPicPr>
+            <a:picLocks noChangeAspect="1" noChangeArrowheads="1"/>
+          </p:cNvPicPr>
+          <p:nvPr/>
+        </p:nvPicPr>
+        <p:blipFill>
+          <a:blip r:embed="rId4" cstate="print">
+            <a:extLst>
+              <a:ext uri="{28A0092B-C50C-407E-A947-70E740481C1C}">
+                <a14:useLocalDpi xmlns:a14="http://schemas.microsoft.com/office/drawing/2010/main" val="0"/>
+              </a:ext>
+            </a:extLst>
+          </a:blip>
+          <a:srcRect/>
+          <a:stretch>
+            <a:fillRect/>
+          </a:stretch>
+        </p:blipFill>
+        <p:spPr bwMode="auto">
+          <a:xfrm>
+            <a:off x="3736975" y="26966"/>
+            <a:ext cx="1749425" cy="1382734"/>
+          </a:xfrm>
+          <a:prstGeom prst="rect">
+            <a:avLst/>
+          </a:prstGeom>
+          <a:noFill/>
+          <a:extLst>
+            <a:ext uri="{909E8E84-426E-40DD-AFC4-6F175D3DCCD1}">
+              <a14:hiddenFill xmlns:a14="http://schemas.microsoft.com/office/drawing/2010/main">
+                <a:solidFill>
+                  <a:srgbClr val="FFFFFF"/>
+                </a:solidFill>
+              </a14:hiddenFill>
+            </a:ext>
+          </a:extLst>
+        </p:spPr>
+      </p:pic>
+      <p:pic>
+        <p:nvPicPr>
+          <p:cNvPr id="3" name="Picture 2"/>
+          <p:cNvPicPr>
+            <a:picLocks noChangeAspect="1"/>
+          </p:cNvPicPr>
+          <p:nvPr/>
+        </p:nvPicPr>
+        <p:blipFill>
+          <a:blip r:embed="rId5"/>
+          <a:stretch>
+            <a:fillRect/>
+          </a:stretch>
+        </p:blipFill>
+        <p:spPr>
+          <a:xfrm>
+            <a:off x="5368702" y="3257346"/>
+            <a:ext cx="3401759" cy="1176008"/>
+          </a:xfrm>
+          <a:prstGeom prst="rect">
+            <a:avLst/>
+          </a:prstGeom>
+        </p:spPr>
+      </p:pic>
+      <p:pic>
+        <p:nvPicPr>
+          <p:cNvPr id="4" name="Picture 3"/>
+          <p:cNvPicPr>
+            <a:picLocks noChangeAspect="1"/>
+          </p:cNvPicPr>
+          <p:nvPr/>
+        </p:nvPicPr>
+        <p:blipFill>
+          <a:blip r:embed="rId6"/>
+          <a:stretch>
+            <a:fillRect/>
+          </a:stretch>
+        </p:blipFill>
+        <p:spPr>
+          <a:xfrm>
+            <a:off x="4101837" y="3756423"/>
+            <a:ext cx="711725" cy="483973"/>
+          </a:xfrm>
+          <a:prstGeom prst="rect">
+            <a:avLst/>
+          </a:prstGeom>
+        </p:spPr>
+      </p:pic>
+      <p:pic>
+        <p:nvPicPr>
+          <p:cNvPr id="5" name="Picture 4"/>
+          <p:cNvPicPr>
+            <a:picLocks noChangeAspect="1"/>
+          </p:cNvPicPr>
+          <p:nvPr/>
+        </p:nvPicPr>
+        <p:blipFill>
+          <a:blip r:embed="rId7"/>
+          <a:stretch>
+            <a:fillRect/>
+          </a:stretch>
+        </p:blipFill>
+        <p:spPr>
+          <a:xfrm>
+            <a:off x="1637906" y="3598176"/>
+            <a:ext cx="2275228" cy="960939"/>
+          </a:xfrm>
+          <a:prstGeom prst="rect">
+            <a:avLst/>
+          </a:prstGeom>
+        </p:spPr>
+      </p:pic>
+      <p:sp>
+        <p:nvSpPr>
+          <p:cNvPr id="6" name="Slide Number Placeholder 5"/>
+          <p:cNvSpPr>
+            <a:spLocks noGrp="1"/>
+          </p:cNvSpPr>
+          <p:nvPr>
+            <p:ph type="sldNum" sz="quarter" idx="12"/>
+          </p:nvPr>
+        </p:nvSpPr>
+        <p:spPr/>
+        <p:txBody>
+          <a:bodyPr/>
+          <a:lstStyle/>
+          <a:p>
+            <a:fld id="{240F1BDB-6CE4-495C-AC30-106FDA64768F}" type="slidenum">
+              <a:rPr lang="en-US" smtClean="0"/>
+              <a:t>18</a:t>
+            </a:fld>
+            <a:endParaRPr lang="en-US" dirty="0"/>
+          </a:p>
+        </p:txBody>
+      </p:sp>
+    </p:spTree>
+    <p:extLst>
+      <p:ext uri="{BB962C8B-B14F-4D97-AF65-F5344CB8AC3E}">
+        <p14:creationId xmlns:p14="http://schemas.microsoft.com/office/powerpoint/2010/main" val="2395259110"/>
+      </p:ext>
+    </p:extLst>
+  </p:cSld>
+  <p:clrMapOvr>
+    <a:masterClrMapping/>
+  </p:clrMapOvr>
+  <p:timing>
+    <p:tnLst>
+      <p:par>
+        <p:cTn id="1" dur="indefinite" restart="never" nodeType="tmRoot">
+          <p:childTnLst>
+            <p:seq concurrent="1" nextAc="seek">
+              <p:cTn id="2" dur="indefinite" nodeType="mainSeq">
+                <p:childTnLst>
+                  <p:par>
+                    <p:cTn id="3" fill="hold">
+                      <p:stCondLst>
+                        <p:cond delay="indefinite"/>
+                      </p:stCondLst>
+                      <p:childTnLst>
+                        <p:par>
+                          <p:cTn id="4" fill="hold">
+                            <p:stCondLst>
+                              <p:cond delay="0"/>
+                            </p:stCondLst>
+                            <p:childTnLst>
+                              <p:par>
+                                <p:cTn id="5" presetID="2" presetClass="entr" presetSubtype="4" fill="hold" grpId="0" nodeType="clickEffect">
+                                  <p:stCondLst>
+                                    <p:cond delay="0"/>
+                                  </p:stCondLst>
+                                  <p:childTnLst>
+                                    <p:set>
+                                      <p:cBhvr>
+                                        <p:cTn id="6" dur="1" fill="hold">
+                                          <p:stCondLst>
+                                            <p:cond delay="0"/>
+                                          </p:stCondLst>
+                                        </p:cTn>
+                                        <p:tgtEl>
+                                          <p:spTgt spid="10"/>
+                                        </p:tgtEl>
+                                        <p:attrNameLst>
+                                          <p:attrName>style.visibility</p:attrName>
+                                        </p:attrNameLst>
+                                      </p:cBhvr>
+                                      <p:to>
+                                        <p:strVal val="visible"/>
+                                      </p:to>
+                                    </p:set>
+                                    <p:anim calcmode="lin" valueType="num">
+                                      <p:cBhvr additive="base">
+                                        <p:cTn id="7" dur="500" fill="hold"/>
+                                        <p:tgtEl>
+                                          <p:spTgt spid="10"/>
+                                        </p:tgtEl>
+                                        <p:attrNameLst>
+                                          <p:attrName>ppt_x</p:attrName>
+                                        </p:attrNameLst>
+                                      </p:cBhvr>
+                                      <p:tavLst>
+                                        <p:tav tm="0">
+                                          <p:val>
+                                            <p:strVal val="#ppt_x"/>
+                                          </p:val>
+                                        </p:tav>
+                                        <p:tav tm="100000">
+                                          <p:val>
+                                            <p:strVal val="#ppt_x"/>
+                                          </p:val>
+                                        </p:tav>
+                                      </p:tavLst>
+                                    </p:anim>
+                                    <p:anim calcmode="lin" valueType="num">
+                                      <p:cBhvr additive="base">
+                                        <p:cTn id="8" dur="500" fill="hold"/>
+                                        <p:tgtEl>
+                                          <p:spTgt spid="10"/>
+                                        </p:tgtEl>
+                                        <p:attrNameLst>
+                                          <p:attrName>ppt_y</p:attrName>
+                                        </p:attrNameLst>
+                                      </p:cBhvr>
+                                      <p:tavLst>
+                                        <p:tav tm="0">
+                                          <p:val>
+                                            <p:strVal val="1+#ppt_h/2"/>
+                                          </p:val>
+                                        </p:tav>
+                                        <p:tav tm="100000">
+                                          <p:val>
+                                            <p:strVal val="#ppt_y"/>
+                                          </p:val>
+                                        </p:tav>
+                                      </p:tavLst>
+                                    </p:anim>
+                                  </p:childTnLst>
+                                </p:cTn>
+                              </p:par>
+                              <p:par>
+                                <p:cTn id="9" presetID="2" presetClass="entr" presetSubtype="4" fill="hold" grpId="0" nodeType="withEffect">
+                                  <p:stCondLst>
+                                    <p:cond delay="0"/>
+                                  </p:stCondLst>
+                                  <p:childTnLst>
+                                    <p:set>
+                                      <p:cBhvr>
+                                        <p:cTn id="10" dur="1" fill="hold">
+                                          <p:stCondLst>
+                                            <p:cond delay="0"/>
+                                          </p:stCondLst>
+                                        </p:cTn>
+                                        <p:tgtEl>
+                                          <p:spTgt spid="11"/>
+                                        </p:tgtEl>
+                                        <p:attrNameLst>
+                                          <p:attrName>style.visibility</p:attrName>
+                                        </p:attrNameLst>
+                                      </p:cBhvr>
+                                      <p:to>
+                                        <p:strVal val="visible"/>
+                                      </p:to>
+                                    </p:set>
+                                    <p:anim calcmode="lin" valueType="num">
+                                      <p:cBhvr additive="base">
+                                        <p:cTn id="11" dur="500" fill="hold"/>
+                                        <p:tgtEl>
+                                          <p:spTgt spid="11"/>
+                                        </p:tgtEl>
+                                        <p:attrNameLst>
+                                          <p:attrName>ppt_x</p:attrName>
+                                        </p:attrNameLst>
+                                      </p:cBhvr>
+                                      <p:tavLst>
+                                        <p:tav tm="0">
+                                          <p:val>
+                                            <p:strVal val="#ppt_x"/>
+                                          </p:val>
+                                        </p:tav>
+                                        <p:tav tm="100000">
+                                          <p:val>
+                                            <p:strVal val="#ppt_x"/>
+                                          </p:val>
+                                        </p:tav>
+                                      </p:tavLst>
+                                    </p:anim>
+                                    <p:anim calcmode="lin" valueType="num">
+                                      <p:cBhvr additive="base">
+                                        <p:cTn id="12" dur="500" fill="hold"/>
+                                        <p:tgtEl>
+                                          <p:spTgt spid="11"/>
+                                        </p:tgtEl>
+                                        <p:attrNameLst>
+                                          <p:attrName>ppt_y</p:attrName>
+                                        </p:attrNameLst>
+                                      </p:cBhvr>
+                                      <p:tavLst>
+                                        <p:tav tm="0">
+                                          <p:val>
+                                            <p:strVal val="1+#ppt_h/2"/>
+                                          </p:val>
+                                        </p:tav>
+                                        <p:tav tm="100000">
+                                          <p:val>
+                                            <p:strVal val="#ppt_y"/>
+                                          </p:val>
+                                        </p:tav>
+                                      </p:tavLst>
+                                    </p:anim>
+                                  </p:childTnLst>
+                                </p:cTn>
+                              </p:par>
+                            </p:childTnLst>
+                          </p:cTn>
+                        </p:par>
+                      </p:childTnLst>
+                    </p:cTn>
+                  </p:par>
+                  <p:par>
+                    <p:cTn id="13" fill="hold">
+                      <p:stCondLst>
+                        <p:cond delay="indefinite"/>
+                      </p:stCondLst>
+                      <p:childTnLst>
+                        <p:par>
+                          <p:cTn id="14" fill="hold">
+                            <p:stCondLst>
+                              <p:cond delay="0"/>
+                            </p:stCondLst>
+                            <p:childTnLst>
+                              <p:par>
+                                <p:cTn id="15" presetID="10" presetClass="entr" presetSubtype="0" fill="hold" nodeType="clickEffect">
+                                  <p:stCondLst>
+                                    <p:cond delay="0"/>
+                                  </p:stCondLst>
+                                  <p:childTnLst>
+                                    <p:set>
+                                      <p:cBhvr>
+                                        <p:cTn id="16" dur="1" fill="hold">
+                                          <p:stCondLst>
+                                            <p:cond delay="0"/>
+                                          </p:stCondLst>
+                                        </p:cTn>
+                                        <p:tgtEl>
+                                          <p:spTgt spid="5"/>
+                                        </p:tgtEl>
+                                        <p:attrNameLst>
+                                          <p:attrName>style.visibility</p:attrName>
+                                        </p:attrNameLst>
+                                      </p:cBhvr>
+                                      <p:to>
+                                        <p:strVal val="visible"/>
+                                      </p:to>
+                                    </p:set>
+                                    <p:animEffect transition="in" filter="fade">
+                                      <p:cBhvr>
+                                        <p:cTn id="17" dur="500"/>
+                                        <p:tgtEl>
+                                          <p:spTgt spid="5"/>
+                                        </p:tgtEl>
+                                      </p:cBhvr>
+                                    </p:animEffect>
+                                  </p:childTnLst>
+                                </p:cTn>
+                              </p:par>
+                              <p:par>
+                                <p:cTn id="18" presetID="10" presetClass="entr" presetSubtype="0" fill="hold" nodeType="withEffect">
+                                  <p:stCondLst>
+                                    <p:cond delay="0"/>
+                                  </p:stCondLst>
+                                  <p:childTnLst>
+                                    <p:set>
+                                      <p:cBhvr>
+                                        <p:cTn id="19" dur="1" fill="hold">
+                                          <p:stCondLst>
+                                            <p:cond delay="0"/>
+                                          </p:stCondLst>
+                                        </p:cTn>
+                                        <p:tgtEl>
+                                          <p:spTgt spid="4"/>
+                                        </p:tgtEl>
+                                        <p:attrNameLst>
+                                          <p:attrName>style.visibility</p:attrName>
+                                        </p:attrNameLst>
+                                      </p:cBhvr>
+                                      <p:to>
+                                        <p:strVal val="visible"/>
+                                      </p:to>
+                                    </p:set>
+                                    <p:animEffect transition="in" filter="fade">
+                                      <p:cBhvr>
+                                        <p:cTn id="20" dur="500"/>
+                                        <p:tgtEl>
+                                          <p:spTgt spid="4"/>
+                                        </p:tgtEl>
+                                      </p:cBhvr>
+                                    </p:animEffect>
+                                  </p:childTnLst>
+                                </p:cTn>
+                              </p:par>
+                            </p:childTnLst>
+                          </p:cTn>
+                        </p:par>
+                      </p:childTnLst>
+                    </p:cTn>
+                  </p:par>
+                  <p:par>
+                    <p:cTn id="21" fill="hold">
+                      <p:stCondLst>
+                        <p:cond delay="indefinite"/>
+                      </p:stCondLst>
+                      <p:childTnLst>
+                        <p:par>
+                          <p:cTn id="22" fill="hold">
+                            <p:stCondLst>
+                              <p:cond delay="0"/>
+                            </p:stCondLst>
+                            <p:childTnLst>
+                              <p:par>
+                                <p:cTn id="23" presetID="10" presetClass="entr" presetSubtype="0" fill="hold" nodeType="clickEffect">
+                                  <p:stCondLst>
+                                    <p:cond delay="0"/>
+                                  </p:stCondLst>
+                                  <p:childTnLst>
+                                    <p:set>
+                                      <p:cBhvr>
+                                        <p:cTn id="24" dur="1" fill="hold">
+                                          <p:stCondLst>
+                                            <p:cond delay="0"/>
+                                          </p:stCondLst>
+                                        </p:cTn>
+                                        <p:tgtEl>
+                                          <p:spTgt spid="3"/>
+                                        </p:tgtEl>
+                                        <p:attrNameLst>
+                                          <p:attrName>style.visibility</p:attrName>
+                                        </p:attrNameLst>
+                                      </p:cBhvr>
+                                      <p:to>
+                                        <p:strVal val="visible"/>
+                                      </p:to>
+                                    </p:set>
+                                    <p:animEffect transition="in" filter="fade">
+                                      <p:cBhvr>
+                                        <p:cTn id="25" dur="500"/>
+                                        <p:tgtEl>
+                                          <p:spTgt spid="3"/>
+                                        </p:tgtEl>
+                                      </p:cBhvr>
+                                    </p:animEffect>
+                                  </p:childTnLst>
+                                </p:cTn>
+                              </p:par>
+                            </p:childTnLst>
+                          </p:cTn>
+                        </p:par>
+                      </p:childTnLst>
+                    </p:cTn>
+                  </p:par>
+                  <p:par>
+                    <p:cTn id="26" fill="hold">
+                      <p:stCondLst>
+                        <p:cond delay="indefinite"/>
+                      </p:stCondLst>
+                      <p:childTnLst>
+                        <p:par>
+                          <p:cTn id="27" fill="hold">
+                            <p:stCondLst>
+                              <p:cond delay="0"/>
+                            </p:stCondLst>
+                            <p:childTnLst>
+                              <p:par>
+                                <p:cTn id="28" presetID="2" presetClass="entr" presetSubtype="4" fill="hold" grpId="0" nodeType="clickEffect">
+                                  <p:stCondLst>
+                                    <p:cond delay="0"/>
+                                  </p:stCondLst>
+                                  <p:childTnLst>
+                                    <p:set>
+                                      <p:cBhvr>
+                                        <p:cTn id="29" dur="1" fill="hold">
+                                          <p:stCondLst>
+                                            <p:cond delay="0"/>
+                                          </p:stCondLst>
+                                        </p:cTn>
+                                        <p:tgtEl>
+                                          <p:spTgt spid="9"/>
+                                        </p:tgtEl>
+                                        <p:attrNameLst>
+                                          <p:attrName>style.visibility</p:attrName>
+                                        </p:attrNameLst>
+                                      </p:cBhvr>
+                                      <p:to>
+                                        <p:strVal val="visible"/>
+                                      </p:to>
+                                    </p:set>
+                                    <p:anim calcmode="lin" valueType="num">
+                                      <p:cBhvr additive="base">
+                                        <p:cTn id="30" dur="500" fill="hold"/>
+                                        <p:tgtEl>
+                                          <p:spTgt spid="9"/>
+                                        </p:tgtEl>
+                                        <p:attrNameLst>
+                                          <p:attrName>ppt_x</p:attrName>
+                                        </p:attrNameLst>
+                                      </p:cBhvr>
+                                      <p:tavLst>
+                                        <p:tav tm="0">
+                                          <p:val>
+                                            <p:strVal val="#ppt_x"/>
+                                          </p:val>
+                                        </p:tav>
+                                        <p:tav tm="100000">
+                                          <p:val>
+                                            <p:strVal val="#ppt_x"/>
+                                          </p:val>
+                                        </p:tav>
+                                      </p:tavLst>
+                                    </p:anim>
+                                    <p:anim calcmode="lin" valueType="num">
+                                      <p:cBhvr additive="base">
+                                        <p:cTn id="31" dur="500" fill="hold"/>
+                                        <p:tgtEl>
+                                          <p:spTgt spid="9"/>
+                                        </p:tgtEl>
+                                        <p:attrNameLst>
+                                          <p:attrName>ppt_y</p:attrName>
+                                        </p:attrNameLst>
+                                      </p:cBhvr>
+                                      <p:tavLst>
+                                        <p:tav tm="0">
+                                          <p:val>
+                                            <p:strVal val="1+#ppt_h/2"/>
+                                          </p:val>
+                                        </p:tav>
+                                        <p:tav tm="100000">
+                                          <p:val>
+                                            <p:strVal val="#ppt_y"/>
+                                          </p:val>
+                                        </p:tav>
+                                      </p:tavLst>
+                                    </p:anim>
+                                  </p:childTnLst>
+                                </p:cTn>
+                              </p:par>
+                              <p:par>
+                                <p:cTn id="32" presetID="2" presetClass="entr" presetSubtype="4" fill="hold" grpId="0" nodeType="withEffect">
+                                  <p:stCondLst>
+                                    <p:cond delay="0"/>
+                                  </p:stCondLst>
+                                  <p:childTnLst>
+                                    <p:set>
+                                      <p:cBhvr>
+                                        <p:cTn id="33" dur="1" fill="hold">
+                                          <p:stCondLst>
+                                            <p:cond delay="0"/>
+                                          </p:stCondLst>
+                                        </p:cTn>
+                                        <p:tgtEl>
+                                          <p:spTgt spid="8"/>
+                                        </p:tgtEl>
+                                        <p:attrNameLst>
+                                          <p:attrName>style.visibility</p:attrName>
+                                        </p:attrNameLst>
+                                      </p:cBhvr>
+                                      <p:to>
+                                        <p:strVal val="visible"/>
+                                      </p:to>
+                                    </p:set>
+                                    <p:anim calcmode="lin" valueType="num">
+                                      <p:cBhvr additive="base">
+                                        <p:cTn id="34" dur="500" fill="hold"/>
+                                        <p:tgtEl>
+                                          <p:spTgt spid="8"/>
+                                        </p:tgtEl>
+                                        <p:attrNameLst>
+                                          <p:attrName>ppt_x</p:attrName>
+                                        </p:attrNameLst>
+                                      </p:cBhvr>
+                                      <p:tavLst>
+                                        <p:tav tm="0">
+                                          <p:val>
+                                            <p:strVal val="#ppt_x"/>
+                                          </p:val>
+                                        </p:tav>
+                                        <p:tav tm="100000">
+                                          <p:val>
+                                            <p:strVal val="#ppt_x"/>
+                                          </p:val>
+                                        </p:tav>
+                                      </p:tavLst>
+                                    </p:anim>
+                                    <p:anim calcmode="lin" valueType="num">
+                                      <p:cBhvr additive="base">
+                                        <p:cTn id="35" dur="500" fill="hold"/>
+                                        <p:tgtEl>
+                                          <p:spTgt spid="8"/>
+                                        </p:tgtEl>
+                                        <p:attrNameLst>
+                                          <p:attrName>ppt_y</p:attrName>
+                                        </p:attrNameLst>
+                                      </p:cBhvr>
+                                      <p:tavLst>
+                                        <p:tav tm="0">
+                                          <p:val>
+                                            <p:strVal val="1+#ppt_h/2"/>
+                                          </p:val>
+                                        </p:tav>
+                                        <p:tav tm="100000">
+                                          <p:val>
+                                            <p:strVal val="#ppt_y"/>
+                                          </p:val>
+                                        </p:tav>
+                                      </p:tavLst>
+                                    </p:anim>
+                                  </p:childTnLst>
+                                </p:cTn>
+                              </p:par>
+                            </p:childTnLst>
+                          </p:cTn>
+                        </p:par>
+                      </p:childTnLst>
+                    </p:cTn>
+                  </p:par>
+                  <p:par>
+                    <p:cTn id="36" fill="hold">
+                      <p:stCondLst>
+                        <p:cond delay="indefinite"/>
+                      </p:stCondLst>
+                      <p:childTnLst>
+                        <p:par>
+                          <p:cTn id="37" fill="hold">
+                            <p:stCondLst>
+                              <p:cond delay="0"/>
+                            </p:stCondLst>
+                            <p:childTnLst>
+                              <p:par>
+                                <p:cTn id="38" presetID="2" presetClass="entr" presetSubtype="4" fill="hold" grpId="0" nodeType="clickEffect">
+                                  <p:stCondLst>
+                                    <p:cond delay="0"/>
+                                  </p:stCondLst>
+                                  <p:childTnLst>
+                                    <p:set>
+                                      <p:cBhvr>
+                                        <p:cTn id="39" dur="1" fill="hold">
+                                          <p:stCondLst>
+                                            <p:cond delay="0"/>
+                                          </p:stCondLst>
+                                        </p:cTn>
+                                        <p:tgtEl>
+                                          <p:spTgt spid="14"/>
+                                        </p:tgtEl>
+                                        <p:attrNameLst>
+                                          <p:attrName>style.visibility</p:attrName>
+                                        </p:attrNameLst>
+                                      </p:cBhvr>
+                                      <p:to>
+                                        <p:strVal val="visible"/>
+                                      </p:to>
+                                    </p:set>
+                                    <p:anim calcmode="lin" valueType="num">
+                                      <p:cBhvr additive="base">
+                                        <p:cTn id="40" dur="500" fill="hold"/>
+                                        <p:tgtEl>
+                                          <p:spTgt spid="14"/>
+                                        </p:tgtEl>
+                                        <p:attrNameLst>
+                                          <p:attrName>ppt_x</p:attrName>
+                                        </p:attrNameLst>
+                                      </p:cBhvr>
+                                      <p:tavLst>
+                                        <p:tav tm="0">
+                                          <p:val>
+                                            <p:strVal val="#ppt_x"/>
+                                          </p:val>
+                                        </p:tav>
+                                        <p:tav tm="100000">
+                                          <p:val>
+                                            <p:strVal val="#ppt_x"/>
+                                          </p:val>
+                                        </p:tav>
+                                      </p:tavLst>
+                                    </p:anim>
+                                    <p:anim calcmode="lin" valueType="num">
+                                      <p:cBhvr additive="base">
+                                        <p:cTn id="41" dur="500" fill="hold"/>
+                                        <p:tgtEl>
+                                          <p:spTgt spid="14"/>
+                                        </p:tgtEl>
+                                        <p:attrNameLst>
+                                          <p:attrName>ppt_y</p:attrName>
+                                        </p:attrNameLst>
+                                      </p:cBhvr>
+                                      <p:tavLst>
+                                        <p:tav tm="0">
+                                          <p:val>
+                                            <p:strVal val="1+#ppt_h/2"/>
+                                          </p:val>
+                                        </p:tav>
+                                        <p:tav tm="100000">
+                                          <p:val>
+                                            <p:strVal val="#ppt_y"/>
+                                          </p:val>
+                                        </p:tav>
+                                      </p:tavLst>
+                                    </p:anim>
+                                  </p:childTnLst>
+                                </p:cTn>
+                              </p:par>
+                            </p:childTnLst>
+                          </p:cTn>
+                        </p:par>
+                      </p:childTnLst>
+                    </p:cTn>
+                  </p:par>
+                  <p:par>
+                    <p:cTn id="42" fill="hold">
+                      <p:stCondLst>
+                        <p:cond delay="indefinite"/>
+                      </p:stCondLst>
+                      <p:childTnLst>
+                        <p:par>
+                          <p:cTn id="43" fill="hold">
+                            <p:stCondLst>
+                              <p:cond delay="0"/>
+                            </p:stCondLst>
+                            <p:childTnLst>
+                              <p:par>
+                                <p:cTn id="44" presetID="2" presetClass="entr" presetSubtype="4" fill="hold" grpId="0" nodeType="clickEffect">
+                                  <p:stCondLst>
+                                    <p:cond delay="0"/>
+                                  </p:stCondLst>
+                                  <p:childTnLst>
+                                    <p:set>
+                                      <p:cBhvr>
+                                        <p:cTn id="45" dur="1" fill="hold">
+                                          <p:stCondLst>
+                                            <p:cond delay="0"/>
+                                          </p:stCondLst>
+                                        </p:cTn>
+                                        <p:tgtEl>
+                                          <p:spTgt spid="12"/>
+                                        </p:tgtEl>
+                                        <p:attrNameLst>
+                                          <p:attrName>style.visibility</p:attrName>
+                                        </p:attrNameLst>
+                                      </p:cBhvr>
+                                      <p:to>
+                                        <p:strVal val="visible"/>
+                                      </p:to>
+                                    </p:set>
+                                    <p:anim calcmode="lin" valueType="num">
+                                      <p:cBhvr additive="base">
+                                        <p:cTn id="46" dur="500" fill="hold"/>
+                                        <p:tgtEl>
+                                          <p:spTgt spid="12"/>
+                                        </p:tgtEl>
+                                        <p:attrNameLst>
+                                          <p:attrName>ppt_x</p:attrName>
+                                        </p:attrNameLst>
+                                      </p:cBhvr>
+                                      <p:tavLst>
+                                        <p:tav tm="0">
+                                          <p:val>
+                                            <p:strVal val="#ppt_x"/>
+                                          </p:val>
+                                        </p:tav>
+                                        <p:tav tm="100000">
+                                          <p:val>
+                                            <p:strVal val="#ppt_x"/>
+                                          </p:val>
+                                        </p:tav>
+                                      </p:tavLst>
+                                    </p:anim>
+                                    <p:anim calcmode="lin" valueType="num">
+                                      <p:cBhvr additive="base">
+                                        <p:cTn id="47" dur="500" fill="hold"/>
+                                        <p:tgtEl>
+                                          <p:spTgt spid="12"/>
+                                        </p:tgtEl>
+                                        <p:attrNameLst>
+                                          <p:attrName>ppt_y</p:attrName>
+                                        </p:attrNameLst>
+                                      </p:cBhvr>
+                                      <p:tavLst>
+                                        <p:tav tm="0">
+                                          <p:val>
+                                            <p:strVal val="1+#ppt_h/2"/>
+                                          </p:val>
+                                        </p:tav>
+                                        <p:tav tm="100000">
+                                          <p:val>
+                                            <p:strVal val="#ppt_y"/>
+                                          </p:val>
+                                        </p:tav>
+                                      </p:tavLst>
+                                    </p:anim>
+                                  </p:childTnLst>
+                                </p:cTn>
+                              </p:par>
+                            </p:childTnLst>
+                          </p:cTn>
+                        </p:par>
+                      </p:childTnLst>
+                    </p:cTn>
+                  </p:par>
+                  <p:par>
+                    <p:cTn id="48" fill="hold">
+                      <p:stCondLst>
+                        <p:cond delay="indefinite"/>
+                      </p:stCondLst>
+                      <p:childTnLst>
+                        <p:par>
+                          <p:cTn id="49" fill="hold">
+                            <p:stCondLst>
+                              <p:cond delay="0"/>
+                            </p:stCondLst>
+                            <p:childTnLst>
+                              <p:par>
+                                <p:cTn id="50" presetID="2" presetClass="entr" presetSubtype="4" fill="hold" nodeType="clickEffect">
+                                  <p:stCondLst>
+                                    <p:cond delay="0"/>
+                                  </p:stCondLst>
+                                  <p:childTnLst>
+                                    <p:set>
+                                      <p:cBhvr>
+                                        <p:cTn id="51" dur="1" fill="hold">
+                                          <p:stCondLst>
+                                            <p:cond delay="0"/>
+                                          </p:stCondLst>
+                                        </p:cTn>
+                                        <p:tgtEl>
+                                          <p:spTgt spid="13">
+                                            <p:txEl>
+                                              <p:pRg st="0" end="0"/>
+                                            </p:txEl>
+                                          </p:spTgt>
+                                        </p:tgtEl>
+                                        <p:attrNameLst>
+                                          <p:attrName>style.visibility</p:attrName>
+                                        </p:attrNameLst>
+                                      </p:cBhvr>
+                                      <p:to>
+                                        <p:strVal val="visible"/>
+                                      </p:to>
+                                    </p:set>
+                                    <p:anim calcmode="lin" valueType="num">
+                                      <p:cBhvr additive="base">
+                                        <p:cTn id="52" dur="500" fill="hold"/>
+                                        <p:tgtEl>
+                                          <p:spTgt spid="13">
+                                            <p:txEl>
+                                              <p:pRg st="0" end="0"/>
+                                            </p:txEl>
+                                          </p:spTgt>
+                                        </p:tgtEl>
+                                        <p:attrNameLst>
+                                          <p:attrName>ppt_x</p:attrName>
+                                        </p:attrNameLst>
+                                      </p:cBhvr>
+                                      <p:tavLst>
+                                        <p:tav tm="0">
+                                          <p:val>
+                                            <p:strVal val="#ppt_x"/>
+                                          </p:val>
+                                        </p:tav>
+                                        <p:tav tm="100000">
+                                          <p:val>
+                                            <p:strVal val="#ppt_x"/>
+                                          </p:val>
+                                        </p:tav>
+                                      </p:tavLst>
+                                    </p:anim>
+                                    <p:anim calcmode="lin" valueType="num">
+                                      <p:cBhvr additive="base">
+                                        <p:cTn id="53" dur="500" fill="hold"/>
+                                        <p:tgtEl>
+                                          <p:spTgt spid="13">
+                                            <p:txEl>
+                                              <p:pRg st="0" end="0"/>
+                                            </p:txEl>
+                                          </p:spTgt>
+                                        </p:tgtEl>
+                                        <p:attrNameLst>
+                                          <p:attrName>ppt_y</p:attrName>
+                                        </p:attrNameLst>
+                                      </p:cBhvr>
+                                      <p:tavLst>
+                                        <p:tav tm="0">
+                                          <p:val>
+                                            <p:strVal val="1+#ppt_h/2"/>
+                                          </p:val>
+                                        </p:tav>
+                                        <p:tav tm="100000">
+                                          <p:val>
+                                            <p:strVal val="#ppt_y"/>
+                                          </p:val>
+                                        </p:tav>
+                                      </p:tavLst>
+                                    </p:anim>
+                                  </p:childTnLst>
+                                </p:cTn>
+                              </p:par>
+                            </p:childTnLst>
+                          </p:cTn>
+                        </p:par>
+                      </p:childTnLst>
+                    </p:cTn>
+                  </p:par>
+                </p:childTnLst>
+              </p:cTn>
+              <p:prevCondLst>
+                <p:cond evt="onPrev" delay="0">
+                  <p:tgtEl>
+                    <p:sldTgt/>
+                  </p:tgtEl>
+                </p:cond>
+              </p:prevCondLst>
+              <p:nextCondLst>
+                <p:cond evt="onNext" delay="0">
+                  <p:tgtEl>
+                    <p:sldTgt/>
+                  </p:tgtEl>
+                </p:cond>
+              </p:nextCondLst>
+            </p:seq>
+          </p:childTnLst>
+        </p:cTn>
+      </p:par>
+    </p:tnLst>
+    <p:bldLst>
+      <p:bldP spid="8" grpId="0"/>
+      <p:bldP spid="9" grpId="0"/>
+      <p:bldP spid="10" grpId="0"/>
+      <p:bldP spid="11" grpId="0"/>
+      <p:bldP spid="12" grpId="0"/>
+      <p:bldP spid="14" grpId="0"/>
+    </p:bldLst>
+  </p:timing>
+</p:sld>
+</file>
+
+<file path=ppt/slides/slide19.xml><?xml version="1.0" encoding="utf-8"?>
 <p:sld xmlns:a="http://schemas.openxmlformats.org/drawingml/2006/main" xmlns:r="http://schemas.openxmlformats.org/officeDocument/2006/relationships" xmlns:p="http://schemas.openxmlformats.org/presentationml/2006/main">
   <p:cSld>
     <p:spTree>
@@ -3887,7 +7829,7 @@
 </p:sld>
 </file>
 
-<file path=ppt/slides/slide11.xml><?xml version="1.0" encoding="utf-8"?>
+<file path=ppt/slides/slide2.xml><?xml version="1.0" encoding="utf-8"?>
 <p:sld xmlns:a="http://schemas.openxmlformats.org/drawingml/2006/main" xmlns:r="http://schemas.openxmlformats.org/officeDocument/2006/relationships" xmlns:p="http://schemas.openxmlformats.org/presentationml/2006/main">
   <p:cSld>
     <p:spTree>
@@ -3906,6 +7848,89 @@
       </p:grpSpPr>
       <p:sp>
         <p:nvSpPr>
+          <p:cNvPr id="2" name="Title 1">
+            <a:extLst>
+              <a:ext uri="{FF2B5EF4-FFF2-40B4-BE49-F238E27FC236}">
+                <a16:creationId xmlns:a16="http://schemas.microsoft.com/office/drawing/2014/main" id="{4AFC8849-9CB4-4449-88B2-F4CF82FE3413}"/>
+              </a:ext>
+            </a:extLst>
+          </p:cNvPr>
+          <p:cNvSpPr>
+            <a:spLocks noGrp="1"/>
+          </p:cNvSpPr>
+          <p:nvPr>
+            <p:ph type="title"/>
+          </p:nvPr>
+        </p:nvSpPr>
+        <p:spPr/>
+        <p:txBody>
+          <a:bodyPr/>
+          <a:lstStyle/>
+          <a:p>
+            <a:r>
+              <a:rPr lang="en-US" dirty="0"/>
+              <a:t>Part 1</a:t>
+            </a:r>
+          </a:p>
+        </p:txBody>
+      </p:sp>
+      <p:sp>
+        <p:nvSpPr>
+          <p:cNvPr id="3" name="Content Placeholder 2">
+            <a:extLst>
+              <a:ext uri="{FF2B5EF4-FFF2-40B4-BE49-F238E27FC236}">
+                <a16:creationId xmlns:a16="http://schemas.microsoft.com/office/drawing/2014/main" id="{36E6410E-F105-3A4E-82A7-8F25EAE010D9}"/>
+              </a:ext>
+            </a:extLst>
+          </p:cNvPr>
+          <p:cNvSpPr>
+            <a:spLocks noGrp="1"/>
+          </p:cNvSpPr>
+          <p:nvPr>
+            <p:ph idx="1"/>
+          </p:nvPr>
+        </p:nvSpPr>
+        <p:spPr/>
+        <p:txBody>
+          <a:bodyPr/>
+          <a:lstStyle/>
+          <a:p>
+            <a:endParaRPr lang="en-US"/>
+          </a:p>
+        </p:txBody>
+      </p:sp>
+    </p:spTree>
+    <p:extLst>
+      <p:ext uri="{BB962C8B-B14F-4D97-AF65-F5344CB8AC3E}">
+        <p14:creationId xmlns:p14="http://schemas.microsoft.com/office/powerpoint/2010/main" val="2305002436"/>
+      </p:ext>
+    </p:extLst>
+  </p:cSld>
+  <p:clrMapOvr>
+    <a:masterClrMapping/>
+  </p:clrMapOvr>
+</p:sld>
+</file>
+
+<file path=ppt/slides/slide20.xml><?xml version="1.0" encoding="utf-8"?>
+<p:sld xmlns:a="http://schemas.openxmlformats.org/drawingml/2006/main" xmlns:r="http://schemas.openxmlformats.org/officeDocument/2006/relationships" xmlns:p="http://schemas.openxmlformats.org/presentationml/2006/main">
+  <p:cSld>
+    <p:spTree>
+      <p:nvGrpSpPr>
+        <p:cNvPr id="1" name=""/>
+        <p:cNvGrpSpPr/>
+        <p:nvPr/>
+      </p:nvGrpSpPr>
+      <p:grpSpPr>
+        <a:xfrm>
+          <a:off x="0" y="0"/>
+          <a:ext cx="0" cy="0"/>
+          <a:chOff x="0" y="0"/>
+          <a:chExt cx="0" cy="0"/>
+        </a:xfrm>
+      </p:grpSpPr>
+      <p:sp>
+        <p:nvSpPr>
           <p:cNvPr id="2" name="Title 1"/>
           <p:cNvSpPr>
             <a:spLocks noGrp="1"/>
@@ -3926,8 +7951,8 @@
           </a:p>
         </p:txBody>
       </p:sp>
-      <mc:AlternateContent xmlns:mc="http://schemas.openxmlformats.org/markup-compatibility/2006">
-        <mc:Choice xmlns:a14="http://schemas.microsoft.com/office/drawing/2010/main" Requires="a14">
+      <mc:AlternateContent xmlns:mc="http://schemas.openxmlformats.org/markup-compatibility/2006" xmlns:a14="http://schemas.microsoft.com/office/drawing/2010/main">
+        <mc:Choice Requires="a14">
           <p:sp>
             <p:nvSpPr>
               <p:cNvPr id="3" name="Content Placeholder 2"/>
@@ -4005,7 +8030,7 @@
             </p:txBody>
           </p:sp>
         </mc:Choice>
-        <mc:Fallback>
+        <mc:Fallback xmlns="">
           <p:sp>
             <p:nvSpPr>
               <p:cNvPr id="3" name="Content Placeholder 2"/>
@@ -4060,7 +8085,7 @@
           <a:p>
             <a:fld id="{240F1BDB-6CE4-495C-AC30-106FDA64768F}" type="slidenum">
               <a:rPr lang="en-US" smtClean="0"/>
-              <a:t>11</a:t>
+              <a:t>20</a:t>
             </a:fld>
             <a:endParaRPr lang="en-US" dirty="0"/>
           </a:p>
@@ -4079,7 +8104,7 @@
 </p:sld>
 </file>
 
-<file path=ppt/slides/slide12.xml><?xml version="1.0" encoding="utf-8"?>
+<file path=ppt/slides/slide21.xml><?xml version="1.0" encoding="utf-8"?>
 <p:sld xmlns:a="http://schemas.openxmlformats.org/drawingml/2006/main" xmlns:r="http://schemas.openxmlformats.org/officeDocument/2006/relationships" xmlns:p="http://schemas.openxmlformats.org/presentationml/2006/main">
   <p:cSld>
     <p:spTree>
@@ -4167,7 +8192,7 @@
           <a:p>
             <a:fld id="{240F1BDB-6CE4-495C-AC30-106FDA64768F}" type="slidenum">
               <a:rPr lang="en-US" smtClean="0"/>
-              <a:t>12</a:t>
+              <a:t>21</a:t>
             </a:fld>
             <a:endParaRPr lang="en-US" dirty="0"/>
           </a:p>
@@ -4210,7 +8235,7 @@
 </p:sld>
 </file>
 
-<file path=ppt/slides/slide13.xml><?xml version="1.0" encoding="utf-8"?>
+<file path=ppt/slides/slide22.xml><?xml version="1.0" encoding="utf-8"?>
 <p:sld xmlns:a="http://schemas.openxmlformats.org/drawingml/2006/main" xmlns:r="http://schemas.openxmlformats.org/officeDocument/2006/relationships" xmlns:p="http://schemas.openxmlformats.org/presentationml/2006/main">
   <p:cSld>
     <p:spTree>
@@ -4295,7 +8320,7 @@
           <a:p>
             <a:fld id="{240F1BDB-6CE4-495C-AC30-106FDA64768F}" type="slidenum">
               <a:rPr lang="en-US" smtClean="0"/>
-              <a:t>13</a:t>
+              <a:t>22</a:t>
             </a:fld>
             <a:endParaRPr lang="en-US" dirty="0"/>
           </a:p>
@@ -4338,7 +8363,7 @@
 </p:sld>
 </file>
 
-<file path=ppt/slides/slide14.xml><?xml version="1.0" encoding="utf-8"?>
+<file path=ppt/slides/slide23.xml><?xml version="1.0" encoding="utf-8"?>
 <p:sld xmlns:a="http://schemas.openxmlformats.org/drawingml/2006/main" xmlns:r="http://schemas.openxmlformats.org/officeDocument/2006/relationships" xmlns:p="http://schemas.openxmlformats.org/presentationml/2006/main">
   <p:cSld>
     <p:spTree>
@@ -4423,7 +8448,7 @@
           <a:p>
             <a:fld id="{240F1BDB-6CE4-495C-AC30-106FDA64768F}" type="slidenum">
               <a:rPr lang="en-US" smtClean="0"/>
-              <a:t>14</a:t>
+              <a:t>23</a:t>
             </a:fld>
             <a:endParaRPr lang="en-US" dirty="0"/>
           </a:p>
@@ -4490,7 +8515,7 @@
 </p:sld>
 </file>
 
-<file path=ppt/slides/slide15.xml><?xml version="1.0" encoding="utf-8"?>
+<file path=ppt/slides/slide24.xml><?xml version="1.0" encoding="utf-8"?>
 <p:sld xmlns:a="http://schemas.openxmlformats.org/drawingml/2006/main" xmlns:r="http://schemas.openxmlformats.org/officeDocument/2006/relationships" xmlns:p="http://schemas.openxmlformats.org/presentationml/2006/main">
   <p:cSld>
     <p:spTree>
@@ -4613,7 +8638,7 @@
           <a:p>
             <a:fld id="{240F1BDB-6CE4-495C-AC30-106FDA64768F}" type="slidenum">
               <a:rPr lang="en-US" smtClean="0"/>
-              <a:t>15</a:t>
+              <a:t>24</a:t>
             </a:fld>
             <a:endParaRPr lang="en-US" dirty="0"/>
           </a:p>
@@ -4632,7 +8657,7 @@
 </p:sld>
 </file>
 
-<file path=ppt/slides/slide16.xml><?xml version="1.0" encoding="utf-8"?>
+<file path=ppt/slides/slide25.xml><?xml version="1.0" encoding="utf-8"?>
 <p:sld xmlns:a="http://schemas.openxmlformats.org/drawingml/2006/main" xmlns:r="http://schemas.openxmlformats.org/officeDocument/2006/relationships" xmlns:p="http://schemas.openxmlformats.org/presentationml/2006/main">
   <p:cSld>
     <p:spTree>
@@ -4806,7 +8831,7 @@
           <a:p>
             <a:fld id="{240F1BDB-6CE4-495C-AC30-106FDA64768F}" type="slidenum">
               <a:rPr lang="en-US" smtClean="0"/>
-              <a:t>16</a:t>
+              <a:t>25</a:t>
             </a:fld>
             <a:endParaRPr lang="en-US" dirty="0"/>
           </a:p>
@@ -4849,7 +8874,7 @@
 </p:sld>
 </file>
 
-<file path=ppt/slides/slide17.xml><?xml version="1.0" encoding="utf-8"?>
+<file path=ppt/slides/slide26.xml><?xml version="1.0" encoding="utf-8"?>
 <p:sld xmlns:a="http://schemas.openxmlformats.org/drawingml/2006/main" xmlns:r="http://schemas.openxmlformats.org/officeDocument/2006/relationships" xmlns:p="http://schemas.openxmlformats.org/presentationml/2006/main">
   <p:cSld>
     <p:spTree>
@@ -4981,7 +9006,7 @@
           <a:p>
             <a:fld id="{240F1BDB-6CE4-495C-AC30-106FDA64768F}" type="slidenum">
               <a:rPr lang="en-US" smtClean="0"/>
-              <a:t>17</a:t>
+              <a:t>26</a:t>
             </a:fld>
             <a:endParaRPr lang="en-US" dirty="0"/>
           </a:p>
@@ -5000,7 +9025,7 @@
 </p:sld>
 </file>
 
-<file path=ppt/slides/slide18.xml><?xml version="1.0" encoding="utf-8"?>
+<file path=ppt/slides/slide27.xml><?xml version="1.0" encoding="utf-8"?>
 <p:sld xmlns:a="http://schemas.openxmlformats.org/drawingml/2006/main" xmlns:r="http://schemas.openxmlformats.org/officeDocument/2006/relationships" xmlns:p="http://schemas.openxmlformats.org/presentationml/2006/main">
   <p:cSld>
     <p:spTree>
@@ -5081,7 +9106,7 @@
           <a:p>
             <a:fld id="{240F1BDB-6CE4-495C-AC30-106FDA64768F}" type="slidenum">
               <a:rPr lang="en-US" smtClean="0"/>
-              <a:t>18</a:t>
+              <a:t>27</a:t>
             </a:fld>
             <a:endParaRPr lang="en-US" dirty="0"/>
           </a:p>
@@ -5100,7 +9125,7 @@
 </p:sld>
 </file>
 
-<file path=ppt/slides/slide19.xml><?xml version="1.0" encoding="utf-8"?>
+<file path=ppt/slides/slide28.xml><?xml version="1.0" encoding="utf-8"?>
 <p:sld xmlns:a="http://schemas.openxmlformats.org/drawingml/2006/main" xmlns:r="http://schemas.openxmlformats.org/officeDocument/2006/relationships" xmlns:p="http://schemas.openxmlformats.org/presentationml/2006/main">
   <p:cSld>
     <p:spTree>
@@ -5254,7 +9279,7 @@
           <a:p>
             <a:fld id="{240F1BDB-6CE4-495C-AC30-106FDA64768F}" type="slidenum">
               <a:rPr lang="en-US" smtClean="0"/>
-              <a:t>19</a:t>
+              <a:t>28</a:t>
             </a:fld>
             <a:endParaRPr lang="en-US" dirty="0"/>
           </a:p>
@@ -5273,170 +9298,7 @@
 </p:sld>
 </file>
 
-<file path=ppt/slides/slide2.xml><?xml version="1.0" encoding="utf-8"?>
-<p:sld xmlns:a="http://schemas.openxmlformats.org/drawingml/2006/main" xmlns:r="http://schemas.openxmlformats.org/officeDocument/2006/relationships" xmlns:p="http://schemas.openxmlformats.org/presentationml/2006/main">
-  <p:cSld>
-    <p:spTree>
-      <p:nvGrpSpPr>
-        <p:cNvPr id="1" name=""/>
-        <p:cNvGrpSpPr/>
-        <p:nvPr/>
-      </p:nvGrpSpPr>
-      <p:grpSpPr>
-        <a:xfrm>
-          <a:off x="0" y="0"/>
-          <a:ext cx="0" cy="0"/>
-          <a:chOff x="0" y="0"/>
-          <a:chExt cx="0" cy="0"/>
-        </a:xfrm>
-      </p:grpSpPr>
-      <mc:AlternateContent xmlns:mc="http://schemas.openxmlformats.org/markup-compatibility/2006" xmlns:a14="http://schemas.microsoft.com/office/drawing/2010/main">
-        <mc:Choice Requires="a14">
-          <p:sp>
-            <p:nvSpPr>
-              <p:cNvPr id="2" name="Title 1">
-                <a:extLst>
-                  <a:ext uri="{FF2B5EF4-FFF2-40B4-BE49-F238E27FC236}">
-                    <a16:creationId xmlns:a16="http://schemas.microsoft.com/office/drawing/2014/main" id="{BBB18197-A1DF-534E-B10F-B81925E26A72}"/>
-                  </a:ext>
-                </a:extLst>
-              </p:cNvPr>
-              <p:cNvSpPr>
-                <a:spLocks noGrp="1"/>
-              </p:cNvSpPr>
-              <p:nvPr>
-                <p:ph type="title"/>
-              </p:nvPr>
-            </p:nvSpPr>
-            <p:spPr/>
-            <p:txBody>
-              <a:bodyPr/>
-              <a:lstStyle/>
-              <a:p>
-                <a:r>
-                  <a:rPr lang="en-US" dirty="0"/>
-                  <a:t>Activity 1 (</a:t>
-                </a:r>
-                <a14:m>
-                  <m:oMath xmlns:m="http://schemas.openxmlformats.org/officeDocument/2006/math">
-                    <m:r>
-                      <a:rPr lang="en-US" i="1" smtClean="0">
-                        <a:latin typeface="Cambria Math" panose="02040503050406030204" pitchFamily="18" charset="0"/>
-                        <a:ea typeface="Cambria Math" panose="02040503050406030204" pitchFamily="18" charset="0"/>
-                      </a:rPr>
-                      <m:t>≤ </m:t>
-                    </m:r>
-                  </m:oMath>
-                </a14:m>
-                <a:r>
-                  <a:rPr lang="en-US" dirty="0"/>
-                  <a:t>2 hours)</a:t>
-                </a:r>
-              </a:p>
-            </p:txBody>
-          </p:sp>
-        </mc:Choice>
-        <mc:Fallback xmlns="">
-          <p:sp>
-            <p:nvSpPr>
-              <p:cNvPr id="2" name="Title 1">
-                <a:extLst>
-                  <a:ext uri="{FF2B5EF4-FFF2-40B4-BE49-F238E27FC236}">
-                    <a16:creationId xmlns:a16="http://schemas.microsoft.com/office/drawing/2014/main" id="{BBB18197-A1DF-534E-B10F-B81925E26A72}"/>
-                  </a:ext>
-                </a:extLst>
-              </p:cNvPr>
-              <p:cNvSpPr>
-                <a:spLocks noGrp="1" noRot="1" noChangeAspect="1" noMove="1" noResize="1" noEditPoints="1" noAdjustHandles="1" noChangeArrowheads="1" noChangeShapeType="1" noTextEdit="1"/>
-              </p:cNvSpPr>
-              <p:nvPr>
-                <p:ph type="title"/>
-              </p:nvPr>
-            </p:nvSpPr>
-            <p:spPr>
-              <a:blipFill>
-                <a:blip r:embed="rId2"/>
-                <a:stretch>
-                  <a:fillRect l="-2292"/>
-                </a:stretch>
-              </a:blipFill>
-            </p:spPr>
-            <p:txBody>
-              <a:bodyPr/>
-              <a:lstStyle/>
-              <a:p>
-                <a:r>
-                  <a:rPr lang="en-US">
-                    <a:noFill/>
-                  </a:rPr>
-                  <a:t> </a:t>
-                </a:r>
-              </a:p>
-            </p:txBody>
-          </p:sp>
-        </mc:Fallback>
-      </mc:AlternateContent>
-      <p:sp>
-        <p:nvSpPr>
-          <p:cNvPr id="3" name="Content Placeholder 2">
-            <a:extLst>
-              <a:ext uri="{FF2B5EF4-FFF2-40B4-BE49-F238E27FC236}">
-                <a16:creationId xmlns:a16="http://schemas.microsoft.com/office/drawing/2014/main" id="{66BD897B-2EB4-494F-945D-B9059417119E}"/>
-              </a:ext>
-            </a:extLst>
-          </p:cNvPr>
-          <p:cNvSpPr>
-            <a:spLocks noGrp="1"/>
-          </p:cNvSpPr>
-          <p:nvPr>
-            <p:ph idx="1"/>
-          </p:nvPr>
-        </p:nvSpPr>
-        <p:spPr/>
-        <p:txBody>
-          <a:bodyPr/>
-          <a:lstStyle/>
-          <a:p>
-            <a:r>
-              <a:rPr lang="en-US" dirty="0"/>
-              <a:t>Use your knowledge from the </a:t>
-            </a:r>
-            <a:r>
-              <a:rPr lang="en-US" dirty="0" err="1"/>
-              <a:t>asynch</a:t>
-            </a:r>
-            <a:r>
-              <a:rPr lang="en-US" dirty="0"/>
-              <a:t> material and run through the following slides on conducting a </a:t>
-            </a:r>
-            <a:r>
-              <a:rPr lang="en-US" i="1" dirty="0"/>
-              <a:t>Complete Analysis.  There are 3 Examples. </a:t>
-            </a:r>
-            <a:endParaRPr lang="en-US" dirty="0"/>
-          </a:p>
-          <a:p>
-            <a:r>
-              <a:rPr lang="en-US" dirty="0"/>
-              <a:t>You will use the same ideas to complete Question 1 following the slides.  </a:t>
-            </a:r>
-          </a:p>
-        </p:txBody>
-      </p:sp>
-    </p:spTree>
-    <p:extLst>
-      <p:ext uri="{BB962C8B-B14F-4D97-AF65-F5344CB8AC3E}">
-        <p14:creationId xmlns:p14="http://schemas.microsoft.com/office/powerpoint/2010/main" val="347836989"/>
-      </p:ext>
-    </p:extLst>
-  </p:cSld>
-  <p:clrMapOvr>
-    <a:masterClrMapping/>
-  </p:clrMapOvr>
-</p:sld>
-</file>
-
-<file path=ppt/slides/slide20.xml><?xml version="1.0" encoding="utf-8"?>
+<file path=ppt/slides/slide29.xml><?xml version="1.0" encoding="utf-8"?>
 <p:sld xmlns:a="http://schemas.openxmlformats.org/drawingml/2006/main" xmlns:r="http://schemas.openxmlformats.org/officeDocument/2006/relationships" xmlns:p="http://schemas.openxmlformats.org/presentationml/2006/main">
   <p:cSld>
     <p:spTree>
@@ -6462,7 +10324,7 @@
 </p:sld>
 </file>
 
-<file path=ppt/slides/slide21.xml><?xml version="1.0" encoding="utf-8"?>
+<file path=ppt/slides/slide3.xml><?xml version="1.0" encoding="utf-8"?>
 <p:sld xmlns:a="http://schemas.openxmlformats.org/drawingml/2006/main" xmlns:r="http://schemas.openxmlformats.org/officeDocument/2006/relationships" xmlns:p="http://schemas.openxmlformats.org/presentationml/2006/main">
   <p:cSld>
     <p:spTree>
@@ -6479,6 +10341,164 @@
           <a:chExt cx="0" cy="0"/>
         </a:xfrm>
       </p:grpSpPr>
+      <mc:AlternateContent xmlns:mc="http://schemas.openxmlformats.org/markup-compatibility/2006">
+        <mc:Choice xmlns:a14="http://schemas.microsoft.com/office/drawing/2010/main" Requires="a14">
+          <p:sp>
+            <p:nvSpPr>
+              <p:cNvPr id="2" name="Title 1">
+                <a:extLst>
+                  <a:ext uri="{FF2B5EF4-FFF2-40B4-BE49-F238E27FC236}">
+                    <a16:creationId xmlns:a16="http://schemas.microsoft.com/office/drawing/2014/main" id="{CB7B8547-C77E-F341-913C-954B37918AD2}"/>
+                  </a:ext>
+                </a:extLst>
+              </p:cNvPr>
+              <p:cNvSpPr>
+                <a:spLocks noGrp="1"/>
+              </p:cNvSpPr>
+              <p:nvPr>
+                <p:ph type="title"/>
+              </p:nvPr>
+            </p:nvSpPr>
+            <p:spPr/>
+            <p:txBody>
+              <a:bodyPr/>
+              <a:lstStyle/>
+              <a:p>
+                <a:r>
+                  <a:rPr lang="en-US" dirty="0"/>
+                  <a:t>Quick Quiz Questions (QQQS) </a:t>
+                </a:r>
+                <a:br>
+                  <a:rPr lang="en-US" dirty="0"/>
+                </a:br>
+                <a14:m>
+                  <m:oMath xmlns:m="http://schemas.openxmlformats.org/officeDocument/2006/math">
+                    <m:r>
+                      <a:rPr lang="en-US" b="0" i="0" smtClean="0">
+                        <a:latin typeface="Cambria Math" panose="02040503050406030204" pitchFamily="18" charset="0"/>
+                        <a:ea typeface="Cambria Math" panose="02040503050406030204" pitchFamily="18" charset="0"/>
+                      </a:rPr>
+                      <m:t>(</m:t>
+                    </m:r>
+                    <m:r>
+                      <a:rPr lang="en-US" i="1">
+                        <a:latin typeface="Cambria Math" panose="02040503050406030204" pitchFamily="18" charset="0"/>
+                        <a:ea typeface="Cambria Math" panose="02040503050406030204" pitchFamily="18" charset="0"/>
+                      </a:rPr>
+                      <m:t>≤</m:t>
+                    </m:r>
+                    <m:r>
+                      <a:rPr lang="en-US" b="0" i="0" smtClean="0">
+                        <a:latin typeface="Cambria Math" panose="02040503050406030204" pitchFamily="18" charset="0"/>
+                        <a:ea typeface="Cambria Math" panose="02040503050406030204" pitchFamily="18" charset="0"/>
+                      </a:rPr>
+                      <m:t>1</m:t>
+                    </m:r>
+                  </m:oMath>
+                </a14:m>
+                <a:r>
+                  <a:rPr lang="en-US" dirty="0"/>
+                  <a:t> hour)</a:t>
+                </a:r>
+              </a:p>
+            </p:txBody>
+          </p:sp>
+        </mc:Choice>
+        <mc:Fallback>
+          <p:sp>
+            <p:nvSpPr>
+              <p:cNvPr id="2" name="Title 1">
+                <a:extLst>
+                  <a:ext uri="{FF2B5EF4-FFF2-40B4-BE49-F238E27FC236}">
+                    <a16:creationId xmlns:a16="http://schemas.microsoft.com/office/drawing/2014/main" id="{CB7B8547-C77E-F341-913C-954B37918AD2}"/>
+                  </a:ext>
+                </a:extLst>
+              </p:cNvPr>
+              <p:cNvSpPr>
+                <a:spLocks noGrp="1" noRot="1" noChangeAspect="1" noMove="1" noResize="1" noEditPoints="1" noAdjustHandles="1" noChangeArrowheads="1" noChangeShapeType="1" noTextEdit="1"/>
+              </p:cNvSpPr>
+              <p:nvPr>
+                <p:ph type="title"/>
+              </p:nvPr>
+            </p:nvSpPr>
+            <p:spPr>
+              <a:blipFill>
+                <a:blip r:embed="rId2"/>
+                <a:stretch>
+                  <a:fillRect l="-3215" t="-13333" b="-21905"/>
+                </a:stretch>
+              </a:blipFill>
+            </p:spPr>
+            <p:txBody>
+              <a:bodyPr/>
+              <a:lstStyle/>
+              <a:p>
+                <a:r>
+                  <a:rPr lang="en-US">
+                    <a:noFill/>
+                  </a:rPr>
+                  <a:t> </a:t>
+                </a:r>
+              </a:p>
+            </p:txBody>
+          </p:sp>
+        </mc:Fallback>
+      </mc:AlternateContent>
+      <p:sp>
+        <p:nvSpPr>
+          <p:cNvPr id="3" name="Content Placeholder 2">
+            <a:extLst>
+              <a:ext uri="{FF2B5EF4-FFF2-40B4-BE49-F238E27FC236}">
+                <a16:creationId xmlns:a16="http://schemas.microsoft.com/office/drawing/2014/main" id="{927A1F37-4C89-DE4A-9DA9-11EEB78CC8B9}"/>
+              </a:ext>
+            </a:extLst>
+          </p:cNvPr>
+          <p:cNvSpPr>
+            <a:spLocks noGrp="1"/>
+          </p:cNvSpPr>
+          <p:nvPr>
+            <p:ph idx="1"/>
+          </p:nvPr>
+        </p:nvSpPr>
+        <p:spPr/>
+        <p:txBody>
+          <a:bodyPr/>
+          <a:lstStyle/>
+          <a:p>
+            <a:endParaRPr lang="en-US"/>
+          </a:p>
+        </p:txBody>
+      </p:sp>
+    </p:spTree>
+    <p:extLst>
+      <p:ext uri="{BB962C8B-B14F-4D97-AF65-F5344CB8AC3E}">
+        <p14:creationId xmlns:p14="http://schemas.microsoft.com/office/powerpoint/2010/main" val="532678375"/>
+      </p:ext>
+    </p:extLst>
+  </p:cSld>
+  <p:clrMapOvr>
+    <a:masterClrMapping/>
+  </p:clrMapOvr>
+</p:sld>
+</file>
+
+<file path=ppt/slides/slide30.xml><?xml version="1.0" encoding="utf-8"?>
+<p:sld xmlns:a="http://schemas.openxmlformats.org/drawingml/2006/main" xmlns:r="http://schemas.openxmlformats.org/officeDocument/2006/relationships" xmlns:p="http://schemas.openxmlformats.org/presentationml/2006/main">
+  <p:cSld>
+    <p:spTree>
+      <p:nvGrpSpPr>
+        <p:cNvPr id="1" name=""/>
+        <p:cNvGrpSpPr/>
+        <p:nvPr/>
+      </p:nvGrpSpPr>
+      <p:grpSpPr>
+        <a:xfrm>
+          <a:off x="0" y="0"/>
+          <a:ext cx="0" cy="0"/>
+          <a:chOff x="0" y="0"/>
+          <a:chExt cx="0" cy="0"/>
+        </a:xfrm>
+      </p:grpSpPr>
       <p:sp>
         <p:nvSpPr>
           <p:cNvPr id="2" name="Title 1"/>
@@ -6617,7 +10637,7 @@
           <a:p>
             <a:fld id="{240F1BDB-6CE4-495C-AC30-106FDA64768F}" type="slidenum">
               <a:rPr lang="en-US" smtClean="0"/>
-              <a:t>21</a:t>
+              <a:t>30</a:t>
             </a:fld>
             <a:endParaRPr lang="en-US" dirty="0"/>
           </a:p>
@@ -6636,7 +10656,7 @@
 </p:sld>
 </file>
 
-<file path=ppt/slides/slide22.xml><?xml version="1.0" encoding="utf-8"?>
+<file path=ppt/slides/slide31.xml><?xml version="1.0" encoding="utf-8"?>
 <p:sld xmlns:a="http://schemas.openxmlformats.org/drawingml/2006/main" xmlns:r="http://schemas.openxmlformats.org/officeDocument/2006/relationships" xmlns:p="http://schemas.openxmlformats.org/presentationml/2006/main">
   <p:cSld>
     <p:spTree>
@@ -7652,7 +11672,7 @@
 </p:sld>
 </file>
 
-<file path=ppt/slides/slide23.xml><?xml version="1.0" encoding="utf-8"?>
+<file path=ppt/slides/slide32.xml><?xml version="1.0" encoding="utf-8"?>
 <p:sld xmlns:a="http://schemas.openxmlformats.org/drawingml/2006/main" xmlns:r="http://schemas.openxmlformats.org/officeDocument/2006/relationships" xmlns:p="http://schemas.openxmlformats.org/presentationml/2006/main">
   <p:cSld>
     <p:spTree>
@@ -7818,7 +11838,7 @@
 </p:sld>
 </file>
 
-<file path=ppt/slides/slide24.xml><?xml version="1.0" encoding="utf-8"?>
+<file path=ppt/slides/slide33.xml><?xml version="1.0" encoding="utf-8"?>
 <p:sld xmlns:a="http://schemas.openxmlformats.org/drawingml/2006/main" xmlns:r="http://schemas.openxmlformats.org/officeDocument/2006/relationships" xmlns:p="http://schemas.openxmlformats.org/presentationml/2006/main">
   <p:cSld>
     <p:spTree>
@@ -7835,8 +11855,8 @@
           <a:chExt cx="0" cy="0"/>
         </a:xfrm>
       </p:grpSpPr>
-      <mc:AlternateContent xmlns:mc="http://schemas.openxmlformats.org/markup-compatibility/2006">
-        <mc:Choice xmlns:a14="http://schemas.microsoft.com/office/drawing/2010/main" Requires="a14">
+      <mc:AlternateContent xmlns:mc="http://schemas.openxmlformats.org/markup-compatibility/2006" xmlns:a14="http://schemas.microsoft.com/office/drawing/2010/main">
+        <mc:Choice Requires="a14">
           <p:sp>
             <p:nvSpPr>
               <p:cNvPr id="2" name="Title 1">
@@ -7888,7 +11908,7 @@
             </p:txBody>
           </p:sp>
         </mc:Choice>
-        <mc:Fallback>
+        <mc:Fallback xmlns="">
           <p:sp>
             <p:nvSpPr>
               <p:cNvPr id="2" name="Title 1">
@@ -7970,7 +11990,7 @@
 </p:sld>
 </file>
 
-<file path=ppt/slides/slide25.xml><?xml version="1.0" encoding="utf-8"?>
+<file path=ppt/slides/slide34.xml><?xml version="1.0" encoding="utf-8"?>
 <p:sld xmlns:a="http://schemas.openxmlformats.org/drawingml/2006/main" xmlns:r="http://schemas.openxmlformats.org/officeDocument/2006/relationships" xmlns:p="http://schemas.openxmlformats.org/presentationml/2006/main">
   <p:cSld>
     <p:spTree>
@@ -8175,7 +12195,7 @@
 </p:sld>
 </file>
 
-<file path=ppt/slides/slide26.xml><?xml version="1.0" encoding="utf-8"?>
+<file path=ppt/slides/slide35.xml><?xml version="1.0" encoding="utf-8"?>
 <p:sld xmlns:a="http://schemas.openxmlformats.org/drawingml/2006/main" xmlns:r="http://schemas.openxmlformats.org/officeDocument/2006/relationships" xmlns:p="http://schemas.openxmlformats.org/presentationml/2006/main">
   <p:cSld>
     <p:spTree>
@@ -8192,8 +12212,8 @@
           <a:chExt cx="0" cy="0"/>
         </a:xfrm>
       </p:grpSpPr>
-      <mc:AlternateContent xmlns:mc="http://schemas.openxmlformats.org/markup-compatibility/2006">
-        <mc:Choice xmlns:a14="http://schemas.microsoft.com/office/drawing/2010/main" Requires="a14">
+      <mc:AlternateContent xmlns:mc="http://schemas.openxmlformats.org/markup-compatibility/2006" xmlns:a14="http://schemas.microsoft.com/office/drawing/2010/main">
+        <mc:Choice Requires="a14">
           <p:sp>
             <p:nvSpPr>
               <p:cNvPr id="2" name="Title 1">
@@ -8256,7 +12276,7 @@
             </p:txBody>
           </p:sp>
         </mc:Choice>
-        <mc:Fallback>
+        <mc:Fallback xmlns="">
           <p:sp>
             <p:nvSpPr>
               <p:cNvPr id="2" name="Title 1">
@@ -8337,7 +12357,7 @@
 </p:sld>
 </file>
 
-<file path=ppt/slides/slide27.xml><?xml version="1.0" encoding="utf-8"?>
+<file path=ppt/slides/slide36.xml><?xml version="1.0" encoding="utf-8"?>
 <p:sld xmlns:a="http://schemas.openxmlformats.org/drawingml/2006/main" xmlns:r="http://schemas.openxmlformats.org/officeDocument/2006/relationships" xmlns:p="http://schemas.openxmlformats.org/presentationml/2006/main">
   <p:cSld>
     <p:spTree>
@@ -8398,7 +12418,7 @@
           <a:p>
             <a:fld id="{240F1BDB-6CE4-495C-AC30-106FDA64768F}" type="slidenum">
               <a:rPr lang="en-US" smtClean="0"/>
-              <a:t>27</a:t>
+              <a:t>36</a:t>
             </a:fld>
             <a:endParaRPr lang="en-US" dirty="0"/>
           </a:p>
@@ -8417,7 +12437,7 @@
 </p:sld>
 </file>
 
-<file path=ppt/slides/slide28.xml><?xml version="1.0" encoding="utf-8"?>
+<file path=ppt/slides/slide37.xml><?xml version="1.0" encoding="utf-8"?>
 <p:sld xmlns:a="http://schemas.openxmlformats.org/drawingml/2006/main" xmlns:r="http://schemas.openxmlformats.org/officeDocument/2006/relationships" xmlns:p="http://schemas.openxmlformats.org/presentationml/2006/main">
   <p:cSld>
     <p:spTree>
@@ -8529,7 +12549,7 @@
 </p:sld>
 </file>
 
-<file path=ppt/slides/slide29.xml><?xml version="1.0" encoding="utf-8"?>
+<file path=ppt/slides/slide38.xml><?xml version="1.0" encoding="utf-8"?>
 <p:sld xmlns:a="http://schemas.openxmlformats.org/drawingml/2006/main" xmlns:r="http://schemas.openxmlformats.org/officeDocument/2006/relationships" xmlns:p="http://schemas.openxmlformats.org/presentationml/2006/main">
   <p:cSld>
     <p:spTree>
@@ -8630,7 +12650,7 @@
 </p:sld>
 </file>
 
-<file path=ppt/slides/slide3.xml><?xml version="1.0" encoding="utf-8"?>
+<file path=ppt/slides/slide39.xml><?xml version="1.0" encoding="utf-8"?>
 <p:sld xmlns:a="http://schemas.openxmlformats.org/drawingml/2006/main" xmlns:r="http://schemas.openxmlformats.org/officeDocument/2006/relationships" xmlns:p="http://schemas.openxmlformats.org/presentationml/2006/main">
   <p:cSld>
     <p:spTree>
@@ -8649,28 +12669,6 @@
       </p:grpSpPr>
       <p:sp>
         <p:nvSpPr>
-          <p:cNvPr id="2" name="Title 1"/>
-          <p:cNvSpPr>
-            <a:spLocks noGrp="1"/>
-          </p:cNvSpPr>
-          <p:nvPr>
-            <p:ph type="title"/>
-          </p:nvPr>
-        </p:nvSpPr>
-        <p:spPr/>
-        <p:txBody>
-          <a:bodyPr/>
-          <a:lstStyle/>
-          <a:p>
-            <a:r>
-              <a:rPr lang="en-US" dirty="0"/>
-              <a:t>Examples of A Complete Analysis:</a:t>
-            </a:r>
-          </a:p>
-        </p:txBody>
-      </p:sp>
-      <p:sp>
-        <p:nvSpPr>
           <p:cNvPr id="3" name="Content Placeholder 2"/>
           <p:cNvSpPr>
             <a:spLocks noGrp="1"/>
@@ -8679,64 +12677,51 @@
             <p:ph idx="1"/>
           </p:nvPr>
         </p:nvSpPr>
-        <p:spPr/>
-        <p:txBody>
-          <a:bodyPr/>
-          <a:lstStyle/>
-          <a:p>
+        <p:spPr>
+          <a:xfrm>
+            <a:off x="628650" y="1645526"/>
+            <a:ext cx="7886700" cy="3844447"/>
+          </a:xfrm>
+        </p:spPr>
+        <p:txBody>
+          <a:bodyPr>
+            <a:normAutofit fontScale="92500" lnSpcReduction="10000"/>
+          </a:bodyPr>
+          <a:lstStyle/>
+          <a:p>
+            <a:pPr marL="0" indent="0">
+              <a:buNone/>
+            </a:pPr>
             <a:r>
               <a:rPr lang="en-US" dirty="0"/>
-              <a:t>Statement of the Problem</a:t>
-            </a:r>
-          </a:p>
-          <a:p>
+              <a:t>Does Cloud Seeding Work?</a:t>
+            </a:r>
+          </a:p>
+          <a:p>
+            <a:pPr marL="0" indent="0">
+              <a:buNone/>
+            </a:pPr>
+            <a:endParaRPr lang="en-US" dirty="0"/>
+          </a:p>
+          <a:p>
+            <a:pPr marL="0" indent="0">
+              <a:buNone/>
+            </a:pPr>
             <a:r>
               <a:rPr lang="en-US" dirty="0"/>
-              <a:t>Address the Assumptions</a:t>
-            </a:r>
-          </a:p>
-          <a:p>
-            <a:r>
-              <a:rPr lang="en-US" dirty="0"/>
-              <a:t>Perform the Appropriate Test (5 Steps)</a:t>
-            </a:r>
-          </a:p>
-          <a:p>
-            <a:r>
-              <a:rPr lang="en-US" dirty="0"/>
-              <a:t>Step 6: Provide a conclusion that a non statistician can understand. Include a p-value and confidence interval</a:t>
-            </a:r>
-          </a:p>
-          <a:p>
-            <a:r>
-              <a:rPr lang="en-US" dirty="0"/>
-              <a:t>Scope of Inference</a:t>
-            </a:r>
-          </a:p>
-          <a:p>
+              <a:t>On days that were deemed suitable for cloud seeding, a random mechanism was used to decide whether to seed the target cloud on that day or to leave it unseeded as a control.  Precipitation was measured as the total rain volume falling from the cloud base following the airplane seeding run, as measured by radar.  We would like to test at the alpha = .05 level of significance whether cloud seeding is effective in increasing precipitation.</a:t>
+            </a:r>
+          </a:p>
+          <a:p>
+            <a:pPr marL="0" indent="0">
+              <a:buNone/>
+            </a:pPr>
             <a:endParaRPr lang="en-US" dirty="0"/>
           </a:p>
-        </p:txBody>
-      </p:sp>
-      <p:sp>
-        <p:nvSpPr>
-          <p:cNvPr id="4" name="Slide Number Placeholder 3"/>
-          <p:cNvSpPr>
-            <a:spLocks noGrp="1"/>
-          </p:cNvSpPr>
-          <p:nvPr>
-            <p:ph type="sldNum" sz="quarter" idx="12"/>
-          </p:nvPr>
-        </p:nvSpPr>
-        <p:spPr/>
-        <p:txBody>
-          <a:bodyPr/>
-          <a:lstStyle/>
-          <a:p>
-            <a:fld id="{240F1BDB-6CE4-495C-AC30-106FDA64768F}" type="slidenum">
-              <a:rPr lang="en-US" smtClean="0"/>
-              <a:t>3</a:t>
-            </a:fld>
+          <a:p>
+            <a:pPr marL="0" indent="0">
+              <a:buNone/>
+            </a:pPr>
             <a:endParaRPr lang="en-US" dirty="0"/>
           </a:p>
         </p:txBody>
@@ -8744,7 +12729,7 @@
     </p:spTree>
     <p:extLst>
       <p:ext uri="{BB962C8B-B14F-4D97-AF65-F5344CB8AC3E}">
-        <p14:creationId xmlns:p14="http://schemas.microsoft.com/office/powerpoint/2010/main" val="2535290913"/>
+        <p14:creationId xmlns:p14="http://schemas.microsoft.com/office/powerpoint/2010/main" val="381310896"/>
       </p:ext>
     </p:extLst>
   </p:cSld>
@@ -8754,7 +12739,7 @@
 </p:sld>
 </file>
 
-<file path=ppt/slides/slide30.xml><?xml version="1.0" encoding="utf-8"?>
+<file path=ppt/slides/slide4.xml><?xml version="1.0" encoding="utf-8"?>
 <p:sld xmlns:a="http://schemas.openxmlformats.org/drawingml/2006/main" xmlns:r="http://schemas.openxmlformats.org/officeDocument/2006/relationships" xmlns:p="http://schemas.openxmlformats.org/presentationml/2006/main">
   <p:cSld>
     <p:spTree>
@@ -8773,67 +12758,66 @@
       </p:grpSpPr>
       <p:sp>
         <p:nvSpPr>
-          <p:cNvPr id="3" name="Content Placeholder 2"/>
+          <p:cNvPr id="2" name="Title 1">
+            <a:extLst>
+              <a:ext uri="{FF2B5EF4-FFF2-40B4-BE49-F238E27FC236}">
+                <a16:creationId xmlns:a16="http://schemas.microsoft.com/office/drawing/2014/main" id="{0DCAC29B-47E5-5741-86C1-1B93D85BAC52}"/>
+              </a:ext>
+            </a:extLst>
+          </p:cNvPr>
           <p:cNvSpPr>
             <a:spLocks noGrp="1"/>
           </p:cNvSpPr>
           <p:nvPr>
-            <p:ph idx="1"/>
+            <p:ph type="title"/>
           </p:nvPr>
         </p:nvSpPr>
+        <p:spPr/>
+        <p:txBody>
+          <a:bodyPr/>
+          <a:lstStyle/>
+          <a:p>
+            <a:r>
+              <a:rPr lang="en-US" dirty="0"/>
+              <a:t>Question 1</a:t>
+            </a:r>
+          </a:p>
+        </p:txBody>
+      </p:sp>
+      <p:pic>
+        <p:nvPicPr>
+          <p:cNvPr id="4" name="Picture 3">
+            <a:extLst>
+              <a:ext uri="{FF2B5EF4-FFF2-40B4-BE49-F238E27FC236}">
+                <a16:creationId xmlns:a16="http://schemas.microsoft.com/office/drawing/2014/main" id="{34530001-B6D9-E54A-8897-B7D77E8519EE}"/>
+              </a:ext>
+            </a:extLst>
+          </p:cNvPr>
+          <p:cNvPicPr>
+            <a:picLocks noChangeAspect="1"/>
+          </p:cNvPicPr>
+          <p:nvPr/>
+        </p:nvPicPr>
+        <p:blipFill>
+          <a:blip r:embed="rId2"/>
+          <a:stretch>
+            <a:fillRect/>
+          </a:stretch>
+        </p:blipFill>
         <p:spPr>
           <a:xfrm>
-            <a:off x="628650" y="1645526"/>
-            <a:ext cx="7886700" cy="3844447"/>
+            <a:off x="247650" y="1781243"/>
+            <a:ext cx="8648700" cy="4521200"/>
           </a:xfrm>
+          <a:prstGeom prst="rect">
+            <a:avLst/>
+          </a:prstGeom>
         </p:spPr>
-        <p:txBody>
-          <a:bodyPr>
-            <a:normAutofit fontScale="92500" lnSpcReduction="10000"/>
-          </a:bodyPr>
-          <a:lstStyle/>
-          <a:p>
-            <a:pPr marL="0" indent="0">
-              <a:buNone/>
-            </a:pPr>
-            <a:r>
-              <a:rPr lang="en-US" dirty="0"/>
-              <a:t>Does Cloud Seeding Work?</a:t>
-            </a:r>
-          </a:p>
-          <a:p>
-            <a:pPr marL="0" indent="0">
-              <a:buNone/>
-            </a:pPr>
-            <a:endParaRPr lang="en-US" dirty="0"/>
-          </a:p>
-          <a:p>
-            <a:pPr marL="0" indent="0">
-              <a:buNone/>
-            </a:pPr>
-            <a:r>
-              <a:rPr lang="en-US" dirty="0"/>
-              <a:t>On days that were deemed suitable for cloud seeding, a random mechanism was used to decide whether to seed the target cloud on that day or to leave it unseeded as a control.  Precipitation was measured as the total rain volume falling from the cloud base following the airplane seeding run, as measured by radar.  We would like to test at the alpha = .05 level of significance whether cloud seeding is effective in increasing precipitation.</a:t>
-            </a:r>
-          </a:p>
-          <a:p>
-            <a:pPr marL="0" indent="0">
-              <a:buNone/>
-            </a:pPr>
-            <a:endParaRPr lang="en-US" dirty="0"/>
-          </a:p>
-          <a:p>
-            <a:pPr marL="0" indent="0">
-              <a:buNone/>
-            </a:pPr>
-            <a:endParaRPr lang="en-US" dirty="0"/>
-          </a:p>
-        </p:txBody>
-      </p:sp>
+      </p:pic>
     </p:spTree>
     <p:extLst>
       <p:ext uri="{BB962C8B-B14F-4D97-AF65-F5344CB8AC3E}">
-        <p14:creationId xmlns:p14="http://schemas.microsoft.com/office/powerpoint/2010/main" val="381310896"/>
+        <p14:creationId xmlns:p14="http://schemas.microsoft.com/office/powerpoint/2010/main" val="928437351"/>
       </p:ext>
     </p:extLst>
   </p:cSld>
@@ -8843,7 +12827,7 @@
 </p:sld>
 </file>
 
-<file path=ppt/slides/slide31.xml><?xml version="1.0" encoding="utf-8"?>
+<file path=ppt/slides/slide40.xml><?xml version="1.0" encoding="utf-8"?>
 <p:sld xmlns:a="http://schemas.openxmlformats.org/drawingml/2006/main" xmlns:r="http://schemas.openxmlformats.org/officeDocument/2006/relationships" xmlns:p="http://schemas.openxmlformats.org/presentationml/2006/main">
   <p:cSld>
     <p:spTree>
@@ -9009,7 +12993,7 @@
 </p:sld>
 </file>
 
-<file path=ppt/slides/slide32.xml><?xml version="1.0" encoding="utf-8"?>
+<file path=ppt/slides/slide41.xml><?xml version="1.0" encoding="utf-8"?>
 <p:sld xmlns:a="http://schemas.openxmlformats.org/drawingml/2006/main" xmlns:r="http://schemas.openxmlformats.org/officeDocument/2006/relationships" xmlns:p="http://schemas.openxmlformats.org/presentationml/2006/main">
   <p:cSld>
     <p:spTree>
@@ -9201,7 +13185,7 @@
 </p:sld>
 </file>
 
-<file path=ppt/slides/slide33.xml><?xml version="1.0" encoding="utf-8"?>
+<file path=ppt/slides/slide42.xml><?xml version="1.0" encoding="utf-8"?>
 <p:sld xmlns:a="http://schemas.openxmlformats.org/drawingml/2006/main" xmlns:r="http://schemas.openxmlformats.org/officeDocument/2006/relationships" xmlns:p="http://schemas.openxmlformats.org/presentationml/2006/main">
   <p:cSld>
     <p:spTree>
@@ -10825,7 +14809,7 @@
 </p:sld>
 </file>
 
-<file path=ppt/slides/slide34.xml><?xml version="1.0" encoding="utf-8"?>
+<file path=ppt/slides/slide43.xml><?xml version="1.0" encoding="utf-8"?>
 <p:sld xmlns:a="http://schemas.openxmlformats.org/drawingml/2006/main" xmlns:r="http://schemas.openxmlformats.org/officeDocument/2006/relationships" xmlns:p="http://schemas.openxmlformats.org/presentationml/2006/main">
   <p:cSld>
     <p:spTree>
@@ -10937,7 +14921,7 @@
 </p:sld>
 </file>
 
-<file path=ppt/slides/slide35.xml><?xml version="1.0" encoding="utf-8"?>
+<file path=ppt/slides/slide44.xml><?xml version="1.0" encoding="utf-8"?>
 <p:sld xmlns:a="http://schemas.openxmlformats.org/drawingml/2006/main" xmlns:r="http://schemas.openxmlformats.org/officeDocument/2006/relationships" xmlns:p="http://schemas.openxmlformats.org/presentationml/2006/main" show="0">
   <p:cSld>
     <p:spTree>
@@ -11054,7 +15038,7 @@
           <a:graphicData uri="http://schemas.openxmlformats.org/presentationml/2006/ole">
             <mc:AlternateContent xmlns:mc="http://schemas.openxmlformats.org/markup-compatibility/2006">
               <mc:Choice xmlns:v="urn:schemas-microsoft-com:vml" Requires="v">
-                <p:oleObj spid="_x0000_s1025" name="Graph Sheet" r:id="rId4" imgW="3352680" imgH="2590560" progId="SPLUSGraphSheetFileType">
+                <p:oleObj spid="_x0000_s1026" name="Graph Sheet" r:id="rId4" imgW="3352680" imgH="2590560" progId="SPLUSGraphSheetFileType">
                   <p:embed/>
                 </p:oleObj>
               </mc:Choice>
@@ -11208,7 +15192,7 @@
 </p:sld>
 </file>
 
-<file path=ppt/slides/slide36.xml><?xml version="1.0" encoding="utf-8"?>
+<file path=ppt/slides/slide45.xml><?xml version="1.0" encoding="utf-8"?>
 <p:sld xmlns:a="http://schemas.openxmlformats.org/drawingml/2006/main" xmlns:r="http://schemas.openxmlformats.org/officeDocument/2006/relationships" xmlns:p="http://schemas.openxmlformats.org/presentationml/2006/main">
   <p:cSld>
     <p:spTree>
@@ -11332,7 +15316,7 @@
           <a:p>
             <a:fld id="{240F1BDB-6CE4-495C-AC30-106FDA64768F}" type="slidenum">
               <a:rPr lang="en-US" smtClean="0"/>
-              <a:t>36</a:t>
+              <a:t>45</a:t>
             </a:fld>
             <a:endParaRPr lang="en-US" dirty="0"/>
           </a:p>
@@ -11693,7 +15677,7 @@
 </p:sld>
 </file>
 
-<file path=ppt/slides/slide37.xml><?xml version="1.0" encoding="utf-8"?>
+<file path=ppt/slides/slide46.xml><?xml version="1.0" encoding="utf-8"?>
 <p:sld xmlns:a="http://schemas.openxmlformats.org/drawingml/2006/main" xmlns:r="http://schemas.openxmlformats.org/officeDocument/2006/relationships" xmlns:p="http://schemas.openxmlformats.org/presentationml/2006/main">
   <p:cSld>
     <p:spTree>
@@ -11779,7 +15763,7 @@
 </p:sld>
 </file>
 
-<file path=ppt/slides/slide4.xml><?xml version="1.0" encoding="utf-8"?>
+<file path=ppt/slides/slide47.xml><?xml version="1.0" encoding="utf-8"?>
 <p:sld xmlns:a="http://schemas.openxmlformats.org/drawingml/2006/main" xmlns:r="http://schemas.openxmlformats.org/officeDocument/2006/relationships" xmlns:p="http://schemas.openxmlformats.org/presentationml/2006/main">
   <p:cSld>
     <p:spTree>
@@ -11798,194 +15782,46 @@
       </p:grpSpPr>
       <p:sp>
         <p:nvSpPr>
-          <p:cNvPr id="23554" name="Rectangle 2"/>
+          <p:cNvPr id="2" name="Title 1">
+            <a:extLst>
+              <a:ext uri="{FF2B5EF4-FFF2-40B4-BE49-F238E27FC236}">
+                <a16:creationId xmlns:a16="http://schemas.microsoft.com/office/drawing/2014/main" id="{CE6A7DCE-BC3C-8A49-B518-C24B5901BB22}"/>
+              </a:ext>
+            </a:extLst>
+          </p:cNvPr>
           <p:cNvSpPr>
-            <a:spLocks noGrp="1" noChangeArrowheads="1"/>
+            <a:spLocks noGrp="1"/>
           </p:cNvSpPr>
           <p:nvPr>
             <p:ph type="title"/>
           </p:nvPr>
         </p:nvSpPr>
-        <p:spPr bwMode="auto">
-          <a:xfrm>
-            <a:off x="457200" y="274638"/>
-            <a:ext cx="8488245" cy="785812"/>
-          </a:xfrm>
-          <a:noFill/>
-          <a:extLst>
-            <a:ext uri="{909E8E84-426E-40DD-AFC4-6F175D3DCCD1}">
-              <a14:hiddenFill xmlns:a14="http://schemas.microsoft.com/office/drawing/2010/main">
-                <a:solidFill>
-                  <a:srgbClr val="FFFFFF"/>
-                </a:solidFill>
-              </a14:hiddenFill>
-            </a:ext>
-            <a:ext uri="{91240B29-F687-4F45-9708-019B960494DF}">
-              <a14:hiddenLine xmlns:a14="http://schemas.microsoft.com/office/drawing/2010/main" w="9525">
-                <a:solidFill>
-                  <a:srgbClr val="000000"/>
-                </a:solidFill>
-                <a:miter lim="800000"/>
-                <a:headEnd/>
-                <a:tailEnd/>
-              </a14:hiddenLine>
-            </a:ext>
-          </a:extLst>
-        </p:spPr>
-        <p:txBody>
-          <a:bodyPr vert="horz" wrap="square" lIns="91440" tIns="45720" rIns="91440" bIns="45720" numCol="1" anchor="t" anchorCtr="0" compatLnSpc="1">
-            <a:prstTxWarp prst="textNoShape">
-              <a:avLst/>
-            </a:prstTxWarp>
-            <a:normAutofit/>
-          </a:bodyPr>
+        <p:spPr/>
+        <p:txBody>
+          <a:bodyPr/>
           <a:lstStyle/>
           <a:p>
             <a:r>
               <a:rPr lang="en-US" dirty="0"/>
-              <a:t>Example: Beach Comber</a:t>
-            </a:r>
-            <a:endParaRPr lang="en-US" altLang="en-US" dirty="0"/>
-          </a:p>
-        </p:txBody>
-      </p:sp>
-      <p:sp>
-        <p:nvSpPr>
-          <p:cNvPr id="23555" name="Rectangle 3"/>
-          <p:cNvSpPr>
-            <a:spLocks noGrp="1" noChangeArrowheads="1"/>
-          </p:cNvSpPr>
-          <p:nvPr>
-            <p:ph type="body" idx="1"/>
-          </p:nvPr>
-        </p:nvSpPr>
-        <p:spPr bwMode="auto">
-          <a:xfrm>
-            <a:off x="240030" y="3770313"/>
-            <a:ext cx="8652510" cy="2897187"/>
-          </a:xfrm>
-          <a:noFill/>
-          <a:extLst>
-            <a:ext uri="{909E8E84-426E-40DD-AFC4-6F175D3DCCD1}">
-              <a14:hiddenFill xmlns:a14="http://schemas.microsoft.com/office/drawing/2010/main">
-                <a:solidFill>
-                  <a:srgbClr val="FFFFFF"/>
-                </a:solidFill>
-              </a14:hiddenFill>
-            </a:ext>
-            <a:ext uri="{91240B29-F687-4F45-9708-019B960494DF}">
-              <a14:hiddenLine xmlns:a14="http://schemas.microsoft.com/office/drawing/2010/main" w="9525">
-                <a:solidFill>
-                  <a:srgbClr val="000000"/>
-                </a:solidFill>
-                <a:miter lim="800000"/>
-                <a:headEnd/>
-                <a:tailEnd/>
-              </a14:hiddenLine>
-            </a:ext>
-          </a:extLst>
-        </p:spPr>
-        <p:txBody>
-          <a:bodyPr vert="horz" wrap="square" lIns="91440" tIns="45720" rIns="91440" bIns="45720" numCol="1" anchor="t" anchorCtr="0" compatLnSpc="1">
-            <a:prstTxWarp prst="textNoShape">
-              <a:avLst/>
-            </a:prstTxWarp>
-          </a:bodyPr>
-          <a:lstStyle/>
-          <a:p>
-            <a:pPr eaLnBrk="1" hangingPunct="1">
-              <a:lnSpc>
-                <a:spcPct val="90000"/>
-              </a:lnSpc>
-              <a:buFont typeface="Wingdings" pitchFamily="2" charset="2"/>
-              <a:buNone/>
-            </a:pPr>
-            <a:r>
-              <a:rPr lang="en-US" altLang="en-US" sz="2400" dirty="0"/>
-              <a:t>The following are ages of 7 randomly chosen patrons seen leaving the Beach Comber in South Mission Beach at 7pm!  We assume that the data come from a normal distribution and would like to test the claim that the mean age of the distribution of Comber patrons is different than 21.  </a:t>
-            </a:r>
-          </a:p>
-          <a:p>
-            <a:pPr algn="ctr" eaLnBrk="1" hangingPunct="1">
-              <a:lnSpc>
-                <a:spcPct val="90000"/>
-              </a:lnSpc>
-              <a:buFont typeface="Wingdings" pitchFamily="2" charset="2"/>
-              <a:buNone/>
-            </a:pPr>
-            <a:r>
-              <a:rPr lang="en-US" altLang="en-US" sz="2400" dirty="0"/>
-              <a:t>	</a:t>
-            </a:r>
-            <a:r>
-              <a:rPr lang="en-US" altLang="en-US" sz="3200" dirty="0"/>
-              <a:t>25, 19, 37, 29, 40, 28, 31</a:t>
-            </a:r>
-          </a:p>
-        </p:txBody>
-      </p:sp>
-      <p:pic>
-        <p:nvPicPr>
-          <p:cNvPr id="23556" name="Picture 5" descr="beachcomber"/>
-          <p:cNvPicPr>
-            <a:picLocks noChangeAspect="1" noChangeArrowheads="1"/>
-          </p:cNvPicPr>
-          <p:nvPr/>
-        </p:nvPicPr>
-        <p:blipFill>
-          <a:blip r:embed="rId2">
+              <a:t>End Part 2</a:t>
+            </a:r>
+          </a:p>
+        </p:txBody>
+      </p:sp>
+      <p:sp>
+        <p:nvSpPr>
+          <p:cNvPr id="3" name="Content Placeholder 2">
             <a:extLst>
-              <a:ext uri="{28A0092B-C50C-407E-A947-70E740481C1C}">
-                <a14:useLocalDpi xmlns:a14="http://schemas.microsoft.com/office/drawing/2010/main" val="0"/>
+              <a:ext uri="{FF2B5EF4-FFF2-40B4-BE49-F238E27FC236}">
+                <a16:creationId xmlns:a16="http://schemas.microsoft.com/office/drawing/2014/main" id="{2BBF8634-BFC3-B046-8829-C80A3AB5B42A}"/>
               </a:ext>
             </a:extLst>
-          </a:blip>
-          <a:srcRect/>
-          <a:stretch>
-            <a:fillRect/>
-          </a:stretch>
-        </p:blipFill>
-        <p:spPr bwMode="auto">
-          <a:xfrm>
-            <a:off x="663595" y="994112"/>
-            <a:ext cx="7957892" cy="2752725"/>
-          </a:xfrm>
-          <a:prstGeom prst="rect">
-            <a:avLst/>
-          </a:prstGeom>
-          <a:noFill/>
-          <a:ln>
-            <a:noFill/>
-          </a:ln>
-          <a:extLst>
-            <a:ext uri="{909E8E84-426E-40DD-AFC4-6F175D3DCCD1}">
-              <a14:hiddenFill xmlns:a14="http://schemas.microsoft.com/office/drawing/2010/main">
-                <a:solidFill>
-                  <a:srgbClr val="FFFFFF"/>
-                </a:solidFill>
-              </a14:hiddenFill>
-            </a:ext>
-            <a:ext uri="{91240B29-F687-4F45-9708-019B960494DF}">
-              <a14:hiddenLine xmlns:a14="http://schemas.microsoft.com/office/drawing/2010/main" w="9525">
-                <a:solidFill>
-                  <a:srgbClr val="000000"/>
-                </a:solidFill>
-                <a:miter lim="800000"/>
-                <a:headEnd/>
-                <a:tailEnd/>
-              </a14:hiddenLine>
-            </a:ext>
-          </a:extLst>
-        </p:spPr>
-      </p:pic>
-      <p:sp>
-        <p:nvSpPr>
-          <p:cNvPr id="2" name="Slide Number Placeholder 1"/>
+          </p:cNvPr>
           <p:cNvSpPr>
             <a:spLocks noGrp="1"/>
           </p:cNvSpPr>
           <p:nvPr>
-            <p:ph type="sldNum" sz="quarter" idx="12"/>
+            <p:ph idx="1"/>
           </p:nvPr>
         </p:nvSpPr>
         <p:spPr/>
@@ -11993,10 +15829,6 @@
           <a:bodyPr/>
           <a:lstStyle/>
           <a:p>
-            <a:fld id="{240F1BDB-6CE4-495C-AC30-106FDA64768F}" type="slidenum">
-              <a:rPr lang="en-US" smtClean="0"/>
-              <a:t>4</a:t>
-            </a:fld>
             <a:endParaRPr lang="en-US" dirty="0"/>
           </a:p>
         </p:txBody>
@@ -12004,7 +15836,90 @@
     </p:spTree>
     <p:extLst>
       <p:ext uri="{BB962C8B-B14F-4D97-AF65-F5344CB8AC3E}">
-        <p14:creationId xmlns:p14="http://schemas.microsoft.com/office/powerpoint/2010/main" val="3646232990"/>
+        <p14:creationId xmlns:p14="http://schemas.microsoft.com/office/powerpoint/2010/main" val="1654080047"/>
+      </p:ext>
+    </p:extLst>
+  </p:cSld>
+  <p:clrMapOvr>
+    <a:masterClrMapping/>
+  </p:clrMapOvr>
+</p:sld>
+</file>
+
+<file path=ppt/slides/slide48.xml><?xml version="1.0" encoding="utf-8"?>
+<p:sld xmlns:a="http://schemas.openxmlformats.org/drawingml/2006/main" xmlns:r="http://schemas.openxmlformats.org/officeDocument/2006/relationships" xmlns:p="http://schemas.openxmlformats.org/presentationml/2006/main">
+  <p:cSld>
+    <p:spTree>
+      <p:nvGrpSpPr>
+        <p:cNvPr id="1" name=""/>
+        <p:cNvGrpSpPr/>
+        <p:nvPr/>
+      </p:nvGrpSpPr>
+      <p:grpSpPr>
+        <a:xfrm>
+          <a:off x="0" y="0"/>
+          <a:ext cx="0" cy="0"/>
+          <a:chOff x="0" y="0"/>
+          <a:chExt cx="0" cy="0"/>
+        </a:xfrm>
+      </p:grpSpPr>
+      <p:sp>
+        <p:nvSpPr>
+          <p:cNvPr id="2" name="Title 1">
+            <a:extLst>
+              <a:ext uri="{FF2B5EF4-FFF2-40B4-BE49-F238E27FC236}">
+                <a16:creationId xmlns:a16="http://schemas.microsoft.com/office/drawing/2014/main" id="{CE6A7DCE-BC3C-8A49-B518-C24B5901BB22}"/>
+              </a:ext>
+            </a:extLst>
+          </p:cNvPr>
+          <p:cNvSpPr>
+            <a:spLocks noGrp="1"/>
+          </p:cNvSpPr>
+          <p:nvPr>
+            <p:ph type="title"/>
+          </p:nvPr>
+        </p:nvSpPr>
+        <p:spPr/>
+        <p:txBody>
+          <a:bodyPr/>
+          <a:lstStyle/>
+          <a:p>
+            <a:r>
+              <a:rPr lang="en-US" dirty="0"/>
+              <a:t>End FLS for Unit 3!</a:t>
+            </a:r>
+          </a:p>
+        </p:txBody>
+      </p:sp>
+      <p:sp>
+        <p:nvSpPr>
+          <p:cNvPr id="3" name="Content Placeholder 2">
+            <a:extLst>
+              <a:ext uri="{FF2B5EF4-FFF2-40B4-BE49-F238E27FC236}">
+                <a16:creationId xmlns:a16="http://schemas.microsoft.com/office/drawing/2014/main" id="{2BBF8634-BFC3-B046-8829-C80A3AB5B42A}"/>
+              </a:ext>
+            </a:extLst>
+          </p:cNvPr>
+          <p:cNvSpPr>
+            <a:spLocks noGrp="1"/>
+          </p:cNvSpPr>
+          <p:nvPr>
+            <p:ph idx="1"/>
+          </p:nvPr>
+        </p:nvSpPr>
+        <p:spPr/>
+        <p:txBody>
+          <a:bodyPr/>
+          <a:lstStyle/>
+          <a:p>
+            <a:endParaRPr lang="en-US" dirty="0"/>
+          </a:p>
+        </p:txBody>
+      </p:sp>
+    </p:spTree>
+    <p:extLst>
+      <p:ext uri="{BB962C8B-B14F-4D97-AF65-F5344CB8AC3E}">
+        <p14:creationId xmlns:p14="http://schemas.microsoft.com/office/powerpoint/2010/main" val="3370822913"/>
       </p:ext>
     </p:extLst>
   </p:cSld>
@@ -12033,7 +15948,13 @@
       </p:grpSpPr>
       <p:sp>
         <p:nvSpPr>
-          <p:cNvPr id="2" name="Title 1"/>
+          <p:cNvPr id="2" name="Title 1">
+            <a:extLst>
+              <a:ext uri="{FF2B5EF4-FFF2-40B4-BE49-F238E27FC236}">
+                <a16:creationId xmlns:a16="http://schemas.microsoft.com/office/drawing/2014/main" id="{0DCAC29B-47E5-5741-86C1-1B93D85BAC52}"/>
+              </a:ext>
+            </a:extLst>
+          </p:cNvPr>
           <p:cNvSpPr>
             <a:spLocks noGrp="1"/>
           </p:cNvSpPr>
@@ -12041,26 +15962,27 @@
             <p:ph type="title"/>
           </p:nvPr>
         </p:nvSpPr>
-        <p:spPr>
-          <a:xfrm>
-            <a:off x="457200" y="228600"/>
-            <a:ext cx="8229600" cy="944562"/>
-          </a:xfrm>
-        </p:spPr>
+        <p:spPr/>
         <p:txBody>
           <a:bodyPr/>
           <a:lstStyle/>
           <a:p>
             <a:r>
               <a:rPr lang="en-US" dirty="0"/>
-              <a:t>Example: Comber</a:t>
+              <a:t>Question 2</a:t>
             </a:r>
           </a:p>
         </p:txBody>
       </p:sp>
       <p:pic>
         <p:nvPicPr>
-          <p:cNvPr id="4" name="Picture 3"/>
+          <p:cNvPr id="3" name="Picture 2">
+            <a:extLst>
+              <a:ext uri="{FF2B5EF4-FFF2-40B4-BE49-F238E27FC236}">
+                <a16:creationId xmlns:a16="http://schemas.microsoft.com/office/drawing/2014/main" id="{10F5748F-B5E4-C240-B532-E49472DAD56C}"/>
+              </a:ext>
+            </a:extLst>
+          </p:cNvPr>
           <p:cNvPicPr>
             <a:picLocks noChangeAspect="1"/>
           </p:cNvPicPr>
@@ -12074,149 +15996,18 @@
         </p:blipFill>
         <p:spPr>
           <a:xfrm>
-            <a:off x="457200" y="1277436"/>
-            <a:ext cx="3432211" cy="2141007"/>
+            <a:off x="457200" y="1803400"/>
+            <a:ext cx="8229600" cy="3251200"/>
           </a:xfrm>
           <a:prstGeom prst="rect">
             <a:avLst/>
           </a:prstGeom>
         </p:spPr>
       </p:pic>
-      <p:pic>
-        <p:nvPicPr>
-          <p:cNvPr id="5" name="Picture 4"/>
-          <p:cNvPicPr>
-            <a:picLocks noChangeAspect="1"/>
-          </p:cNvPicPr>
-          <p:nvPr/>
-        </p:nvPicPr>
-        <p:blipFill>
-          <a:blip r:embed="rId3"/>
-          <a:stretch>
-            <a:fillRect/>
-          </a:stretch>
-        </p:blipFill>
-        <p:spPr>
-          <a:xfrm>
-            <a:off x="4724400" y="1201236"/>
-            <a:ext cx="3536793" cy="2203978"/>
-          </a:xfrm>
-          <a:prstGeom prst="rect">
-            <a:avLst/>
-          </a:prstGeom>
-        </p:spPr>
-      </p:pic>
-      <p:sp>
-        <p:nvSpPr>
-          <p:cNvPr id="3" name="TextBox 2"/>
-          <p:cNvSpPr txBox="1"/>
-          <p:nvPr/>
-        </p:nvSpPr>
-        <p:spPr>
-          <a:xfrm>
-            <a:off x="609600" y="4325025"/>
-            <a:ext cx="7651593" cy="2031325"/>
-          </a:xfrm>
-          <a:prstGeom prst="rect">
-            <a:avLst/>
-          </a:prstGeom>
-          <a:noFill/>
-        </p:spPr>
-        <p:txBody>
-          <a:bodyPr wrap="square" rtlCol="0">
-            <a:spAutoFit/>
-          </a:bodyPr>
-          <a:lstStyle/>
-          <a:p>
-            <a:r>
-              <a:rPr lang="en-US" dirty="0"/>
-              <a:t>ASSUMPTIONS:  </a:t>
-            </a:r>
-          </a:p>
-          <a:p>
-            <a:r>
-              <a:rPr lang="en-US" b="1" dirty="0"/>
-              <a:t>Normal Population Distribution: </a:t>
-            </a:r>
-            <a:r>
-              <a:rPr lang="en-US" dirty="0"/>
-              <a:t>Judging from the histogram and q-q plots, there is little to no evidence that the population distribution of patron ages at the Comber at 7pm is not normal.  We will assume that this distribution is normal and proceed.  </a:t>
-            </a:r>
-          </a:p>
-          <a:p>
-            <a:r>
-              <a:rPr lang="en-US" b="1" dirty="0"/>
-              <a:t>Independence:</a:t>
-            </a:r>
-            <a:r>
-              <a:rPr lang="en-US" dirty="0"/>
-              <a:t> These subjects were randomly selected from the population; thus, we will assume that the observations are independent.  </a:t>
-            </a:r>
-          </a:p>
-        </p:txBody>
-      </p:sp>
-      <p:sp>
-        <p:nvSpPr>
-          <p:cNvPr id="6" name="Slide Number Placeholder 5"/>
-          <p:cNvSpPr>
-            <a:spLocks noGrp="1"/>
-          </p:cNvSpPr>
-          <p:nvPr>
-            <p:ph type="sldNum" sz="quarter" idx="12"/>
-          </p:nvPr>
-        </p:nvSpPr>
-        <p:spPr/>
-        <p:txBody>
-          <a:bodyPr/>
-          <a:lstStyle/>
-          <a:p>
-            <a:fld id="{240F1BDB-6CE4-495C-AC30-106FDA64768F}" type="slidenum">
-              <a:rPr lang="en-US" smtClean="0"/>
-              <a:t>5</a:t>
-            </a:fld>
-            <a:endParaRPr lang="en-US" dirty="0"/>
-          </a:p>
-        </p:txBody>
-      </p:sp>
-      <p:sp>
-        <p:nvSpPr>
-          <p:cNvPr id="7" name="TextBox 6"/>
-          <p:cNvSpPr txBox="1"/>
-          <p:nvPr/>
-        </p:nvSpPr>
-        <p:spPr>
-          <a:xfrm>
-            <a:off x="609600" y="3540386"/>
-            <a:ext cx="8229600" cy="923330"/>
-          </a:xfrm>
-          <a:prstGeom prst="rect">
-            <a:avLst/>
-          </a:prstGeom>
-          <a:noFill/>
-        </p:spPr>
-        <p:txBody>
-          <a:bodyPr wrap="square" rtlCol="0">
-            <a:spAutoFit/>
-          </a:bodyPr>
-          <a:lstStyle/>
-          <a:p>
-            <a:r>
-              <a:rPr lang="en-US" dirty="0"/>
-              <a:t>PROBLEM STATEMENT:</a:t>
-            </a:r>
-          </a:p>
-          <a:p>
-            <a:r>
-              <a:rPr lang="en-US" dirty="0"/>
-              <a:t>Test the claim that the mean age of Beach Comber patrons at 7pm is different from 21.</a:t>
-            </a:r>
-          </a:p>
-        </p:txBody>
-      </p:sp>
     </p:spTree>
     <p:extLst>
       <p:ext uri="{BB962C8B-B14F-4D97-AF65-F5344CB8AC3E}">
-        <p14:creationId xmlns:p14="http://schemas.microsoft.com/office/powerpoint/2010/main" val="2123143143"/>
+        <p14:creationId xmlns:p14="http://schemas.microsoft.com/office/powerpoint/2010/main" val="2547313575"/>
       </p:ext>
     </p:extLst>
   </p:cSld>
@@ -12245,7 +16036,13 @@
       </p:grpSpPr>
       <p:sp>
         <p:nvSpPr>
-          <p:cNvPr id="2" name="Title 1"/>
+          <p:cNvPr id="2" name="Title 1">
+            <a:extLst>
+              <a:ext uri="{FF2B5EF4-FFF2-40B4-BE49-F238E27FC236}">
+                <a16:creationId xmlns:a16="http://schemas.microsoft.com/office/drawing/2014/main" id="{0DCAC29B-47E5-5741-86C1-1B93D85BAC52}"/>
+              </a:ext>
+            </a:extLst>
+          </p:cNvPr>
           <p:cNvSpPr>
             <a:spLocks noGrp="1"/>
           </p:cNvSpPr>
@@ -12253,1091 +16050,58 @@
             <p:ph type="title"/>
           </p:nvPr>
         </p:nvSpPr>
-        <p:spPr>
-          <a:xfrm>
-            <a:off x="457200" y="128857"/>
-            <a:ext cx="8229600" cy="457200"/>
-          </a:xfrm>
-        </p:spPr>
-        <p:txBody>
-          <a:bodyPr>
-            <a:normAutofit fontScale="90000"/>
-          </a:bodyPr>
+        <p:spPr/>
+        <p:txBody>
+          <a:bodyPr/>
           <a:lstStyle/>
           <a:p>
             <a:r>
               <a:rPr lang="en-US" dirty="0"/>
-              <a:t>Revised Write Up!</a:t>
-            </a:r>
-          </a:p>
-        </p:txBody>
-      </p:sp>
-      <mc:AlternateContent xmlns:mc="http://schemas.openxmlformats.org/markup-compatibility/2006" xmlns:a14="http://schemas.microsoft.com/office/drawing/2010/main">
-        <mc:Choice Requires="a14">
-          <p:sp>
-            <p:nvSpPr>
-              <p:cNvPr id="4" name="TextBox 3"/>
-              <p:cNvSpPr txBox="1"/>
-              <p:nvPr/>
-            </p:nvSpPr>
-            <p:spPr>
-              <a:xfrm>
-                <a:off x="217714" y="609600"/>
-                <a:ext cx="8458200" cy="646331"/>
-              </a:xfrm>
-              <a:prstGeom prst="rect">
-                <a:avLst/>
-              </a:prstGeom>
-              <a:noFill/>
-            </p:spPr>
-            <p:txBody>
-              <a:bodyPr wrap="square" rtlCol="0">
-                <a:spAutoFit/>
-              </a:bodyPr>
-              <a:lstStyle/>
-              <a:p>
-                <a:pPr algn="ctr"/>
-                <a:r>
-                  <a:rPr lang="en-US" dirty="0"/>
-                  <a:t>We would like to test the claim that the population mean is different from </a:t>
-                </a:r>
-                <a14:m>
-                  <m:oMath xmlns:m="http://schemas.openxmlformats.org/officeDocument/2006/math">
-                    <m:r>
-                      <a:rPr lang="en-US" i="1">
-                        <a:latin typeface="Cambria Math" panose="02040503050406030204" pitchFamily="18" charset="0"/>
-                      </a:rPr>
-                      <m:t>2</m:t>
-                    </m:r>
-                    <m:r>
-                      <a:rPr lang="en-US" b="0" i="1" smtClean="0">
-                        <a:latin typeface="Cambria Math" panose="02040503050406030204" pitchFamily="18" charset="0"/>
-                      </a:rPr>
-                      <m:t>1</m:t>
-                    </m:r>
-                    <m:r>
-                      <a:rPr lang="en-US" b="0" i="1" smtClean="0">
-                        <a:latin typeface="Cambria Math"/>
-                      </a:rPr>
-                      <m:t>.</m:t>
-                    </m:r>
-                  </m:oMath>
-                </a14:m>
-                <a:r>
-                  <a:rPr lang="en-US" dirty="0"/>
-                  <a:t>  To do this, we take a sample of size n = 7 and find that </a:t>
-                </a:r>
-                <a14:m>
-                  <m:oMath xmlns:m="http://schemas.openxmlformats.org/officeDocument/2006/math">
-                    <m:acc>
-                      <m:accPr>
-                        <m:chr m:val="̅"/>
-                        <m:ctrlPr>
-                          <a:rPr lang="en-US" b="0" i="1" smtClean="0">
-                            <a:latin typeface="Cambria Math" panose="02040503050406030204" pitchFamily="18" charset="0"/>
-                          </a:rPr>
-                        </m:ctrlPr>
-                      </m:accPr>
-                      <m:e>
-                        <m:r>
-                          <a:rPr lang="en-US" b="0" i="1" smtClean="0">
-                            <a:latin typeface="Cambria Math"/>
-                          </a:rPr>
-                          <m:t>𝑥</m:t>
-                        </m:r>
-                      </m:e>
-                    </m:acc>
-                  </m:oMath>
-                </a14:m>
-                <a:r>
-                  <a:rPr lang="en-US" dirty="0"/>
-                  <a:t> = 29.86 years and s = 7.09 years. </a:t>
-                </a:r>
-              </a:p>
-            </p:txBody>
-          </p:sp>
-        </mc:Choice>
-        <mc:Fallback xmlns="">
-          <p:sp>
-            <p:nvSpPr>
-              <p:cNvPr id="4" name="TextBox 3"/>
-              <p:cNvSpPr txBox="1">
-                <a:spLocks noRot="1" noChangeAspect="1" noMove="1" noResize="1" noEditPoints="1" noAdjustHandles="1" noChangeArrowheads="1" noChangeShapeType="1" noTextEdit="1"/>
-              </p:cNvSpPr>
-              <p:nvPr/>
-            </p:nvSpPr>
-            <p:spPr>
-              <a:xfrm>
-                <a:off x="217714" y="609600"/>
-                <a:ext cx="8458200" cy="646331"/>
-              </a:xfrm>
-              <a:prstGeom prst="rect">
-                <a:avLst/>
-              </a:prstGeom>
-              <a:blipFill rotWithShape="0">
-                <a:blip r:embed="rId2"/>
-                <a:stretch>
-                  <a:fillRect l="-649" t="-4717" r="-1081" b="-14151"/>
-                </a:stretch>
-              </a:blipFill>
-            </p:spPr>
-            <p:txBody>
-              <a:bodyPr/>
-              <a:lstStyle/>
-              <a:p>
-                <a:r>
-                  <a:rPr lang="en-US">
-                    <a:noFill/>
-                  </a:rPr>
-                  <a:t> </a:t>
-                </a:r>
-              </a:p>
-            </p:txBody>
-          </p:sp>
-        </mc:Fallback>
-      </mc:AlternateContent>
-      <p:sp>
-        <p:nvSpPr>
-          <p:cNvPr id="5" name="TextBox 4"/>
-          <p:cNvSpPr txBox="1"/>
-          <p:nvPr/>
-        </p:nvSpPr>
-        <p:spPr>
-          <a:xfrm>
-            <a:off x="0" y="1339995"/>
-            <a:ext cx="7761515" cy="461665"/>
-          </a:xfrm>
-          <a:prstGeom prst="rect">
-            <a:avLst/>
-          </a:prstGeom>
-          <a:noFill/>
-        </p:spPr>
-        <p:txBody>
-          <a:bodyPr wrap="square" rtlCol="0">
-            <a:spAutoFit/>
-          </a:bodyPr>
-          <a:lstStyle/>
-          <a:p>
-            <a:pPr algn="ctr"/>
-            <a:r>
-              <a:rPr lang="en-US" sz="2400" dirty="0"/>
-              <a:t>Step 1: Identify the null (Ho) and alternative (Ha) </a:t>
-            </a:r>
-            <a:r>
-              <a:rPr lang="en-US" sz="2000" dirty="0"/>
-              <a:t>hypothesis</a:t>
-            </a:r>
-            <a:r>
-              <a:rPr lang="en-US" sz="2400" dirty="0"/>
-              <a:t>. </a:t>
-            </a:r>
-          </a:p>
-        </p:txBody>
-      </p:sp>
-      <mc:AlternateContent xmlns:mc="http://schemas.openxmlformats.org/markup-compatibility/2006" xmlns:a14="http://schemas.microsoft.com/office/drawing/2010/main">
-        <mc:Choice Requires="a14">
-          <p:sp>
-            <p:nvSpPr>
-              <p:cNvPr id="9" name="TextBox 8"/>
-              <p:cNvSpPr txBox="1"/>
-              <p:nvPr/>
-            </p:nvSpPr>
-            <p:spPr>
-              <a:xfrm>
-                <a:off x="7601647" y="1002994"/>
-                <a:ext cx="1514582" cy="769441"/>
-              </a:xfrm>
-              <a:prstGeom prst="rect">
-                <a:avLst/>
-              </a:prstGeom>
-              <a:noFill/>
-            </p:spPr>
-            <p:txBody>
-              <a:bodyPr wrap="none" rtlCol="0">
-                <a:spAutoFit/>
-              </a:bodyPr>
-              <a:lstStyle/>
-              <a:p>
-                <a:r>
-                  <a:rPr lang="en-US" sz="2000" dirty="0"/>
-                  <a:t>Ho: </a:t>
-                </a:r>
-                <a14:m>
-                  <m:oMath xmlns:m="http://schemas.openxmlformats.org/officeDocument/2006/math">
-                    <m:r>
-                      <a:rPr lang="en-US" sz="2400" i="1" smtClean="0">
-                        <a:latin typeface="Cambria Math"/>
-                      </a:rPr>
-                      <m:t>µ</m:t>
-                    </m:r>
-                    <m:r>
-                      <a:rPr lang="en-US" sz="2400" b="0" i="1" smtClean="0">
-                        <a:latin typeface="Cambria Math"/>
-                      </a:rPr>
-                      <m:t>=</m:t>
-                    </m:r>
-                    <m:r>
-                      <a:rPr lang="en-US" sz="2400" b="0" i="1" smtClean="0">
-                        <a:latin typeface="Cambria Math" panose="02040503050406030204" pitchFamily="18" charset="0"/>
-                      </a:rPr>
-                      <m:t>21</m:t>
-                    </m:r>
-                  </m:oMath>
-                </a14:m>
-                <a:endParaRPr lang="en-US" sz="2000" dirty="0"/>
-              </a:p>
-              <a:p>
-                <a:r>
-                  <a:rPr lang="en-US" sz="2000" dirty="0"/>
-                  <a:t>Ha: </a:t>
-                </a:r>
-                <a14:m>
-                  <m:oMath xmlns:m="http://schemas.openxmlformats.org/officeDocument/2006/math">
-                    <m:r>
-                      <a:rPr lang="en-US" sz="2000" i="1" smtClean="0">
-                        <a:latin typeface="Cambria Math"/>
-                      </a:rPr>
-                      <m:t>µ</m:t>
-                    </m:r>
-                    <m:r>
-                      <a:rPr lang="en-US" sz="2000" i="1">
-                        <a:latin typeface="Cambria Math"/>
-                      </a:rPr>
-                      <m:t>≠</m:t>
-                    </m:r>
-                    <m:r>
-                      <a:rPr lang="en-US" sz="2000" b="0" i="1" smtClean="0">
-                        <a:latin typeface="Cambria Math" panose="02040503050406030204" pitchFamily="18" charset="0"/>
-                      </a:rPr>
-                      <m:t>21</m:t>
-                    </m:r>
-                  </m:oMath>
-                </a14:m>
-                <a:endParaRPr lang="en-US" sz="2000" dirty="0"/>
-              </a:p>
-            </p:txBody>
-          </p:sp>
-        </mc:Choice>
-        <mc:Fallback xmlns="">
-          <p:sp>
-            <p:nvSpPr>
-              <p:cNvPr id="9" name="TextBox 8"/>
-              <p:cNvSpPr txBox="1">
-                <a:spLocks noRot="1" noChangeAspect="1" noMove="1" noResize="1" noEditPoints="1" noAdjustHandles="1" noChangeArrowheads="1" noChangeShapeType="1" noTextEdit="1"/>
-              </p:cNvSpPr>
-              <p:nvPr/>
-            </p:nvSpPr>
-            <p:spPr>
-              <a:xfrm>
-                <a:off x="7601647" y="1002994"/>
-                <a:ext cx="1514582" cy="769441"/>
-              </a:xfrm>
-              <a:prstGeom prst="rect">
-                <a:avLst/>
-              </a:prstGeom>
-              <a:blipFill rotWithShape="0">
-                <a:blip r:embed="rId3"/>
-                <a:stretch>
-                  <a:fillRect l="-4435" r="-403" b="-13492"/>
-                </a:stretch>
-              </a:blipFill>
-            </p:spPr>
-            <p:txBody>
-              <a:bodyPr/>
-              <a:lstStyle/>
-              <a:p>
-                <a:r>
-                  <a:rPr lang="en-US">
-                    <a:noFill/>
-                  </a:rPr>
-                  <a:t> </a:t>
-                </a:r>
-              </a:p>
-            </p:txBody>
-          </p:sp>
-        </mc:Fallback>
-      </mc:AlternateContent>
-      <p:sp>
-        <p:nvSpPr>
-          <p:cNvPr id="10" name="TextBox 9"/>
-          <p:cNvSpPr txBox="1"/>
-          <p:nvPr/>
-        </p:nvSpPr>
-        <p:spPr>
-          <a:xfrm>
-            <a:off x="195943" y="1805027"/>
-            <a:ext cx="8823148" cy="461665"/>
-          </a:xfrm>
-          <a:prstGeom prst="rect">
-            <a:avLst/>
-          </a:prstGeom>
-          <a:noFill/>
-        </p:spPr>
-        <p:txBody>
-          <a:bodyPr wrap="square" rtlCol="0">
-            <a:spAutoFit/>
-          </a:bodyPr>
-          <a:lstStyle/>
-          <a:p>
-            <a:r>
-              <a:rPr lang="en-US" sz="2400" dirty="0"/>
-              <a:t>Step 2: Draw and Shade and Find the Critical Value.</a:t>
-            </a:r>
-          </a:p>
-        </p:txBody>
-      </p:sp>
-      <p:sp>
-        <p:nvSpPr>
-          <p:cNvPr id="21" name="TextBox 20"/>
-          <p:cNvSpPr txBox="1"/>
-          <p:nvPr/>
-        </p:nvSpPr>
-        <p:spPr>
-          <a:xfrm>
-            <a:off x="174172" y="3745491"/>
-            <a:ext cx="8823148" cy="461665"/>
-          </a:xfrm>
-          <a:prstGeom prst="rect">
-            <a:avLst/>
-          </a:prstGeom>
-          <a:noFill/>
-        </p:spPr>
-        <p:txBody>
-          <a:bodyPr wrap="square" rtlCol="0">
-            <a:spAutoFit/>
-          </a:bodyPr>
-          <a:lstStyle/>
-          <a:p>
-            <a:r>
-              <a:rPr lang="en-US" sz="2400" dirty="0"/>
-              <a:t>Step 3: Find the test statistic. (The t value for the data.)</a:t>
-            </a:r>
-          </a:p>
-        </p:txBody>
-      </p:sp>
-      <mc:AlternateContent xmlns:mc="http://schemas.openxmlformats.org/markup-compatibility/2006" xmlns:a14="http://schemas.microsoft.com/office/drawing/2010/main">
-        <mc:Choice Requires="a14">
-          <p:sp>
-            <p:nvSpPr>
-              <p:cNvPr id="3" name="TextBox 2"/>
-              <p:cNvSpPr txBox="1"/>
-              <p:nvPr/>
-            </p:nvSpPr>
-            <p:spPr>
-              <a:xfrm>
-                <a:off x="7694729" y="3219002"/>
-                <a:ext cx="1305037" cy="1222258"/>
-              </a:xfrm>
-              <a:prstGeom prst="rect">
-                <a:avLst/>
-              </a:prstGeom>
-              <a:noFill/>
-            </p:spPr>
-            <p:txBody>
-              <a:bodyPr wrap="none" rtlCol="0">
-                <a:spAutoFit/>
-              </a:bodyPr>
-              <a:lstStyle/>
-              <a:p>
-                <a:pPr/>
-                <a14:m>
-                  <m:oMathPara xmlns:m="http://schemas.openxmlformats.org/officeDocument/2006/math">
-                    <m:oMathParaPr>
-                      <m:jc m:val="centerGroup"/>
-                    </m:oMathParaPr>
-                    <m:oMath xmlns:m="http://schemas.openxmlformats.org/officeDocument/2006/math">
-                      <m:r>
-                        <a:rPr lang="en-US" sz="1400" b="0" i="0" smtClean="0">
-                          <a:latin typeface="Cambria Math"/>
-                        </a:rPr>
-                        <m:t>=</m:t>
-                      </m:r>
-                      <m:f>
-                        <m:fPr>
-                          <m:ctrlPr>
-                            <a:rPr lang="en-US" sz="1400" i="1" smtClean="0">
-                              <a:latin typeface="Cambria Math" panose="02040503050406030204" pitchFamily="18" charset="0"/>
-                            </a:rPr>
-                          </m:ctrlPr>
-                        </m:fPr>
-                        <m:num>
-                          <m:r>
-                            <a:rPr lang="en-US" sz="1400" b="0" i="1" smtClean="0">
-                              <a:latin typeface="Cambria Math" panose="02040503050406030204" pitchFamily="18" charset="0"/>
-                            </a:rPr>
-                            <m:t>29.86</m:t>
-                          </m:r>
-                          <m:r>
-                            <a:rPr lang="en-US" sz="1400" b="0" i="1" smtClean="0">
-                              <a:latin typeface="Cambria Math"/>
-                            </a:rPr>
-                            <m:t>−</m:t>
-                          </m:r>
-                          <m:r>
-                            <a:rPr lang="en-US" sz="1400" b="0" i="1" smtClean="0">
-                              <a:latin typeface="Cambria Math" panose="02040503050406030204" pitchFamily="18" charset="0"/>
-                            </a:rPr>
-                            <m:t>21</m:t>
-                          </m:r>
-                        </m:num>
-                        <m:den>
-                          <m:f>
-                            <m:fPr>
-                              <m:ctrlPr>
-                                <a:rPr lang="en-US" sz="1400" i="1" smtClean="0">
-                                  <a:latin typeface="Cambria Math" panose="02040503050406030204" pitchFamily="18" charset="0"/>
-                                </a:rPr>
-                              </m:ctrlPr>
-                            </m:fPr>
-                            <m:num>
-                              <m:r>
-                                <a:rPr lang="en-US" sz="1400" b="0" i="1" smtClean="0">
-                                  <a:latin typeface="Cambria Math" panose="02040503050406030204" pitchFamily="18" charset="0"/>
-                                </a:rPr>
-                                <m:t>7.09</m:t>
-                              </m:r>
-                            </m:num>
-                            <m:den>
-                              <m:rad>
-                                <m:radPr>
-                                  <m:degHide m:val="on"/>
-                                  <m:ctrlPr>
-                                    <a:rPr lang="en-US" sz="1400" i="1" smtClean="0">
-                                      <a:latin typeface="Cambria Math" panose="02040503050406030204" pitchFamily="18" charset="0"/>
-                                    </a:rPr>
-                                  </m:ctrlPr>
-                                </m:radPr>
-                                <m:deg/>
-                                <m:e>
-                                  <m:r>
-                                    <a:rPr lang="en-US" sz="1400" b="0" i="1" smtClean="0">
-                                      <a:latin typeface="Cambria Math" panose="02040503050406030204" pitchFamily="18" charset="0"/>
-                                    </a:rPr>
-                                    <m:t>7</m:t>
-                                  </m:r>
-                                </m:e>
-                              </m:rad>
-                            </m:den>
-                          </m:f>
-                        </m:den>
-                      </m:f>
-                    </m:oMath>
-                  </m:oMathPara>
-                </a14:m>
-                <a:endParaRPr lang="en-US" sz="1400" b="0" i="1" dirty="0">
-                  <a:latin typeface="Cambria Math" panose="02040503050406030204" pitchFamily="18" charset="0"/>
-                </a:endParaRPr>
-              </a:p>
-              <a:p>
-                <a:endParaRPr lang="en-US" sz="1400" b="0" i="1" dirty="0">
-                  <a:latin typeface="Cambria Math" panose="02040503050406030204" pitchFamily="18" charset="0"/>
-                </a:endParaRPr>
-              </a:p>
-              <a:p>
-                <a:pPr/>
-                <a14:m>
-                  <m:oMathPara xmlns:m="http://schemas.openxmlformats.org/officeDocument/2006/math">
-                    <m:oMathParaPr>
-                      <m:jc m:val="centerGroup"/>
-                    </m:oMathParaPr>
-                    <m:oMath xmlns:m="http://schemas.openxmlformats.org/officeDocument/2006/math">
-                      <m:r>
-                        <a:rPr lang="en-US" b="1" i="0" smtClean="0">
-                          <a:solidFill>
-                            <a:srgbClr val="FF0000"/>
-                          </a:solidFill>
-                          <a:latin typeface="Cambria Math"/>
-                        </a:rPr>
-                        <m:t>=</m:t>
-                      </m:r>
-                      <m:r>
-                        <a:rPr lang="en-US" b="1" i="0" smtClean="0">
-                          <a:solidFill>
-                            <a:srgbClr val="FF0000"/>
-                          </a:solidFill>
-                          <a:latin typeface="Cambria Math" panose="02040503050406030204" pitchFamily="18" charset="0"/>
-                        </a:rPr>
-                        <m:t>𝟑</m:t>
-                      </m:r>
-                      <m:r>
-                        <a:rPr lang="en-US" b="1" i="0" smtClean="0">
-                          <a:solidFill>
-                            <a:srgbClr val="FF0000"/>
-                          </a:solidFill>
-                          <a:latin typeface="Cambria Math" panose="02040503050406030204" pitchFamily="18" charset="0"/>
-                        </a:rPr>
-                        <m:t>.</m:t>
-                      </m:r>
-                      <m:r>
-                        <a:rPr lang="en-US" b="1" i="0" smtClean="0">
-                          <a:solidFill>
-                            <a:srgbClr val="FF0000"/>
-                          </a:solidFill>
-                          <a:latin typeface="Cambria Math" panose="02040503050406030204" pitchFamily="18" charset="0"/>
-                        </a:rPr>
-                        <m:t>𝟑𝟏</m:t>
-                      </m:r>
-                    </m:oMath>
-                  </m:oMathPara>
-                </a14:m>
-                <a:endParaRPr lang="en-US" sz="1400" b="1" dirty="0"/>
-              </a:p>
-            </p:txBody>
-          </p:sp>
-        </mc:Choice>
-        <mc:Fallback xmlns="">
-          <p:sp>
-            <p:nvSpPr>
-              <p:cNvPr id="3" name="TextBox 2"/>
-              <p:cNvSpPr txBox="1">
-                <a:spLocks noRot="1" noChangeAspect="1" noMove="1" noResize="1" noEditPoints="1" noAdjustHandles="1" noChangeArrowheads="1" noChangeShapeType="1" noTextEdit="1"/>
-              </p:cNvSpPr>
-              <p:nvPr/>
-            </p:nvSpPr>
-            <p:spPr>
-              <a:xfrm>
-                <a:off x="7694729" y="3219002"/>
-                <a:ext cx="1305037" cy="1222258"/>
-              </a:xfrm>
-              <a:prstGeom prst="rect">
-                <a:avLst/>
-              </a:prstGeom>
-              <a:blipFill rotWithShape="0">
-                <a:blip r:embed="rId4"/>
-                <a:stretch>
-                  <a:fillRect/>
-                </a:stretch>
-              </a:blipFill>
-            </p:spPr>
-            <p:txBody>
-              <a:bodyPr/>
-              <a:lstStyle/>
-              <a:p>
-                <a:r>
-                  <a:rPr lang="en-US">
-                    <a:noFill/>
-                  </a:rPr>
-                  <a:t> </a:t>
-                </a:r>
-              </a:p>
-            </p:txBody>
-          </p:sp>
-        </mc:Fallback>
-      </mc:AlternateContent>
-      <mc:AlternateContent xmlns:mc="http://schemas.openxmlformats.org/markup-compatibility/2006" xmlns:a14="http://schemas.microsoft.com/office/drawing/2010/main">
-        <mc:Choice Requires="a14">
-          <p:sp>
-            <p:nvSpPr>
-              <p:cNvPr id="18" name="Rectangle 17"/>
-              <p:cNvSpPr/>
-              <p:nvPr/>
-            </p:nvSpPr>
-            <p:spPr>
-              <a:xfrm>
-                <a:off x="6921559" y="3255508"/>
-                <a:ext cx="952697" cy="687111"/>
-              </a:xfrm>
-              <a:prstGeom prst="rect">
-                <a:avLst/>
-              </a:prstGeom>
-            </p:spPr>
-            <p:txBody>
-              <a:bodyPr wrap="none">
-                <a:spAutoFit/>
-              </a:bodyPr>
-              <a:lstStyle/>
-              <a:p>
-                <a:pPr/>
-                <a14:m>
-                  <m:oMathPara xmlns:m="http://schemas.openxmlformats.org/officeDocument/2006/math">
-                    <m:oMathParaPr>
-                      <m:jc m:val="centerGroup"/>
-                    </m:oMathParaPr>
-                    <m:oMath xmlns:m="http://schemas.openxmlformats.org/officeDocument/2006/math">
-                      <m:r>
-                        <a:rPr lang="en-US" sz="1400" b="0" i="1" smtClean="0">
-                          <a:latin typeface="Cambria Math"/>
-                        </a:rPr>
-                        <m:t>𝑡</m:t>
-                      </m:r>
-                      <m:r>
-                        <a:rPr lang="en-US" sz="1400" b="0" i="1" smtClean="0">
-                          <a:latin typeface="Cambria Math"/>
-                        </a:rPr>
-                        <m:t>=</m:t>
-                      </m:r>
-                      <m:f>
-                        <m:fPr>
-                          <m:ctrlPr>
-                            <a:rPr lang="en-US" sz="1400" i="1" smtClean="0">
-                              <a:latin typeface="Cambria Math" panose="02040503050406030204" pitchFamily="18" charset="0"/>
-                            </a:rPr>
-                          </m:ctrlPr>
-                        </m:fPr>
-                        <m:num>
-                          <m:acc>
-                            <m:accPr>
-                              <m:chr m:val="̅"/>
-                              <m:ctrlPr>
-                                <a:rPr lang="en-US" sz="1400" b="0" i="1" smtClean="0">
-                                  <a:latin typeface="Cambria Math" panose="02040503050406030204" pitchFamily="18" charset="0"/>
-                                </a:rPr>
-                              </m:ctrlPr>
-                            </m:accPr>
-                            <m:e>
-                              <m:r>
-                                <a:rPr lang="en-US" sz="1400" b="0" i="1" smtClean="0">
-                                  <a:latin typeface="Cambria Math"/>
-                                </a:rPr>
-                                <m:t>𝑥</m:t>
-                              </m:r>
-                            </m:e>
-                          </m:acc>
-                          <m:r>
-                            <a:rPr lang="en-US" sz="1400" b="0" i="1" smtClean="0">
-                              <a:latin typeface="Cambria Math"/>
-                            </a:rPr>
-                            <m:t>−</m:t>
-                          </m:r>
-                          <m:r>
-                            <a:rPr lang="en-US" sz="1400" b="0" i="1" smtClean="0">
-                              <a:latin typeface="Cambria Math"/>
-                              <a:ea typeface="Cambria Math"/>
-                            </a:rPr>
-                            <m:t>𝜇</m:t>
-                          </m:r>
-                        </m:num>
-                        <m:den>
-                          <m:f>
-                            <m:fPr>
-                              <m:ctrlPr>
-                                <a:rPr lang="en-US" sz="1400" i="1" smtClean="0">
-                                  <a:latin typeface="Cambria Math" panose="02040503050406030204" pitchFamily="18" charset="0"/>
-                                </a:rPr>
-                              </m:ctrlPr>
-                            </m:fPr>
-                            <m:num>
-                              <m:r>
-                                <a:rPr lang="en-US" sz="1400" b="0" i="1" smtClean="0">
-                                  <a:latin typeface="Cambria Math"/>
-                                </a:rPr>
-                                <m:t>𝑠</m:t>
-                              </m:r>
-                            </m:num>
-                            <m:den>
-                              <m:rad>
-                                <m:radPr>
-                                  <m:degHide m:val="on"/>
-                                  <m:ctrlPr>
-                                    <a:rPr lang="en-US" sz="1400" i="1" smtClean="0">
-                                      <a:latin typeface="Cambria Math" panose="02040503050406030204" pitchFamily="18" charset="0"/>
-                                    </a:rPr>
-                                  </m:ctrlPr>
-                                </m:radPr>
-                                <m:deg/>
-                                <m:e>
-                                  <m:r>
-                                    <a:rPr lang="en-US" sz="1400" b="0" i="1" smtClean="0">
-                                      <a:latin typeface="Cambria Math"/>
-                                    </a:rPr>
-                                    <m:t>𝑛</m:t>
-                                  </m:r>
-                                </m:e>
-                              </m:rad>
-                            </m:den>
-                          </m:f>
-                        </m:den>
-                      </m:f>
-                    </m:oMath>
-                  </m:oMathPara>
-                </a14:m>
-                <a:endParaRPr lang="en-US" sz="1400" dirty="0"/>
-              </a:p>
-            </p:txBody>
-          </p:sp>
-        </mc:Choice>
-        <mc:Fallback xmlns="">
-          <p:sp>
-            <p:nvSpPr>
-              <p:cNvPr id="18" name="Rectangle 17"/>
-              <p:cNvSpPr>
-                <a:spLocks noRot="1" noChangeAspect="1" noMove="1" noResize="1" noEditPoints="1" noAdjustHandles="1" noChangeArrowheads="1" noChangeShapeType="1" noTextEdit="1"/>
-              </p:cNvSpPr>
-              <p:nvPr/>
-            </p:nvSpPr>
-            <p:spPr>
-              <a:xfrm>
-                <a:off x="6921559" y="3255508"/>
-                <a:ext cx="952697" cy="687111"/>
-              </a:xfrm>
-              <a:prstGeom prst="rect">
-                <a:avLst/>
-              </a:prstGeom>
-              <a:blipFill rotWithShape="0">
-                <a:blip r:embed="rId5"/>
-                <a:stretch>
-                  <a:fillRect/>
-                </a:stretch>
-              </a:blipFill>
-            </p:spPr>
-            <p:txBody>
-              <a:bodyPr/>
-              <a:lstStyle/>
-              <a:p>
-                <a:r>
-                  <a:rPr lang="en-US">
-                    <a:noFill/>
-                  </a:rPr>
-                  <a:t> </a:t>
-                </a:r>
-              </a:p>
-            </p:txBody>
-          </p:sp>
-        </mc:Fallback>
-      </mc:AlternateContent>
-      <p:sp>
-        <p:nvSpPr>
-          <p:cNvPr id="15" name="TextBox 14"/>
-          <p:cNvSpPr txBox="1"/>
-          <p:nvPr/>
-        </p:nvSpPr>
-        <p:spPr>
-          <a:xfrm>
-            <a:off x="172006" y="4132914"/>
-            <a:ext cx="8779606" cy="461665"/>
-          </a:xfrm>
-          <a:prstGeom prst="rect">
-            <a:avLst/>
-          </a:prstGeom>
-          <a:noFill/>
-        </p:spPr>
-        <p:txBody>
-          <a:bodyPr wrap="square" rtlCol="0">
-            <a:spAutoFit/>
-          </a:bodyPr>
-          <a:lstStyle/>
-          <a:p>
-            <a:r>
-              <a:rPr lang="en-US" sz="2400" dirty="0">
-                <a:solidFill>
-                  <a:srgbClr val="FF0000"/>
-                </a:solidFill>
-              </a:rPr>
-              <a:t>Step 4: Find the p-value: P-value = .0162 &lt; .05</a:t>
+              <a:t>Question 3</a:t>
             </a:r>
           </a:p>
         </p:txBody>
       </p:sp>
       <p:pic>
         <p:nvPicPr>
-          <p:cNvPr id="6" name="Picture 5"/>
+          <p:cNvPr id="4" name="Picture 3">
+            <a:extLst>
+              <a:ext uri="{FF2B5EF4-FFF2-40B4-BE49-F238E27FC236}">
+                <a16:creationId xmlns:a16="http://schemas.microsoft.com/office/drawing/2014/main" id="{E4A75660-F765-D04D-9B71-BCE596C9E9D8}"/>
+              </a:ext>
+            </a:extLst>
+          </p:cNvPr>
           <p:cNvPicPr>
             <a:picLocks noChangeAspect="1"/>
           </p:cNvPicPr>
           <p:nvPr/>
         </p:nvPicPr>
         <p:blipFill>
-          <a:blip r:embed="rId6"/>
+          <a:blip r:embed="rId2"/>
           <a:stretch>
             <a:fillRect/>
           </a:stretch>
         </p:blipFill>
         <p:spPr>
           <a:xfrm>
-            <a:off x="1968157" y="2284979"/>
-            <a:ext cx="4265084" cy="1363503"/>
+            <a:off x="349250" y="2228850"/>
+            <a:ext cx="8445500" cy="2400300"/>
           </a:xfrm>
           <a:prstGeom prst="rect">
             <a:avLst/>
           </a:prstGeom>
         </p:spPr>
       </p:pic>
-      <p:sp>
-        <p:nvSpPr>
-          <p:cNvPr id="12" name="TextBox 11"/>
-          <p:cNvSpPr txBox="1"/>
-          <p:nvPr/>
-        </p:nvSpPr>
-        <p:spPr>
-          <a:xfrm>
-            <a:off x="176795" y="4678213"/>
-            <a:ext cx="8779606" cy="461665"/>
-          </a:xfrm>
-          <a:prstGeom prst="rect">
-            <a:avLst/>
-          </a:prstGeom>
-          <a:noFill/>
-        </p:spPr>
-        <p:txBody>
-          <a:bodyPr wrap="square" rtlCol="0">
-            <a:spAutoFit/>
-          </a:bodyPr>
-          <a:lstStyle/>
-          <a:p>
-            <a:r>
-              <a:rPr lang="en-US" sz="2400" dirty="0"/>
-              <a:t>Step 5:  REJECT Ho  </a:t>
-            </a:r>
-          </a:p>
-        </p:txBody>
-      </p:sp>
-      <p:sp>
-        <p:nvSpPr>
-          <p:cNvPr id="13" name="TextBox 12"/>
-          <p:cNvSpPr txBox="1"/>
-          <p:nvPr/>
-        </p:nvSpPr>
-        <p:spPr>
-          <a:xfrm>
-            <a:off x="172006" y="5127281"/>
-            <a:ext cx="8779606" cy="1477328"/>
-          </a:xfrm>
-          <a:prstGeom prst="rect">
-            <a:avLst/>
-          </a:prstGeom>
-          <a:noFill/>
-        </p:spPr>
-        <p:txBody>
-          <a:bodyPr wrap="square" rtlCol="0">
-            <a:spAutoFit/>
-          </a:bodyPr>
-          <a:lstStyle/>
-          <a:p>
-            <a:r>
-              <a:rPr lang="en-US" dirty="0"/>
-              <a:t>Step 6:  There is sufficient evidence to conclude that the true mean age of patrons at the Comber at 7pm is different from 21 (</a:t>
-            </a:r>
-            <a:r>
-              <a:rPr lang="en-US" dirty="0">
-                <a:solidFill>
-                  <a:srgbClr val="FF0000"/>
-                </a:solidFill>
-              </a:rPr>
-              <a:t>p-value =.0162 </a:t>
-            </a:r>
-            <a:r>
-              <a:rPr lang="en-US" dirty="0"/>
-              <a:t>from a t-test).  </a:t>
-            </a:r>
-            <a:r>
-              <a:rPr lang="en-US" dirty="0">
-                <a:solidFill>
-                  <a:srgbClr val="FF0000"/>
-                </a:solidFill>
-              </a:rPr>
-              <a:t>A 95% confidence interval for the mean age is (23.3, 36.4) years. </a:t>
-            </a:r>
-            <a:r>
-              <a:rPr lang="en-US" dirty="0"/>
-              <a:t> Scope: Since this was a random sample, we can generalize these findings to the entire population of Comber patrons at 7pm. Note that we have evidence to support the claim that the mean age is greater than 21 as well.</a:t>
-            </a:r>
-          </a:p>
-        </p:txBody>
-      </p:sp>
     </p:spTree>
     <p:extLst>
       <p:ext uri="{BB962C8B-B14F-4D97-AF65-F5344CB8AC3E}">
-        <p14:creationId xmlns:p14="http://schemas.microsoft.com/office/powerpoint/2010/main" val="2791331310"/>
+        <p14:creationId xmlns:p14="http://schemas.microsoft.com/office/powerpoint/2010/main" val="4039551672"/>
       </p:ext>
     </p:extLst>
   </p:cSld>
   <p:clrMapOvr>
     <a:masterClrMapping/>
   </p:clrMapOvr>
-  <p:timing>
-    <p:tnLst>
-      <p:par>
-        <p:cTn id="1" dur="indefinite" restart="never" nodeType="tmRoot">
-          <p:childTnLst>
-            <p:seq concurrent="1" nextAc="seek">
-              <p:cTn id="2" dur="indefinite" nodeType="mainSeq">
-                <p:childTnLst>
-                  <p:par>
-                    <p:cTn id="3" fill="hold">
-                      <p:stCondLst>
-                        <p:cond delay="indefinite"/>
-                      </p:stCondLst>
-                      <p:childTnLst>
-                        <p:par>
-                          <p:cTn id="4" fill="hold">
-                            <p:stCondLst>
-                              <p:cond delay="0"/>
-                            </p:stCondLst>
-                            <p:childTnLst>
-                              <p:par>
-                                <p:cTn id="5" presetID="10" presetClass="entr" presetSubtype="0" fill="hold" grpId="0" nodeType="clickEffect">
-                                  <p:stCondLst>
-                                    <p:cond delay="0"/>
-                                  </p:stCondLst>
-                                  <p:childTnLst>
-                                    <p:set>
-                                      <p:cBhvr>
-                                        <p:cTn id="6" dur="1" fill="hold">
-                                          <p:stCondLst>
-                                            <p:cond delay="0"/>
-                                          </p:stCondLst>
-                                        </p:cTn>
-                                        <p:tgtEl>
-                                          <p:spTgt spid="15"/>
-                                        </p:tgtEl>
-                                        <p:attrNameLst>
-                                          <p:attrName>style.visibility</p:attrName>
-                                        </p:attrNameLst>
-                                      </p:cBhvr>
-                                      <p:to>
-                                        <p:strVal val="visible"/>
-                                      </p:to>
-                                    </p:set>
-                                    <p:animEffect transition="in" filter="fade">
-                                      <p:cBhvr>
-                                        <p:cTn id="7" dur="500"/>
-                                        <p:tgtEl>
-                                          <p:spTgt spid="15"/>
-                                        </p:tgtEl>
-                                      </p:cBhvr>
-                                    </p:animEffect>
-                                  </p:childTnLst>
-                                </p:cTn>
-                              </p:par>
-                            </p:childTnLst>
-                          </p:cTn>
-                        </p:par>
-                      </p:childTnLst>
-                    </p:cTn>
-                  </p:par>
-                  <p:par>
-                    <p:cTn id="8" fill="hold">
-                      <p:stCondLst>
-                        <p:cond delay="indefinite"/>
-                      </p:stCondLst>
-                      <p:childTnLst>
-                        <p:par>
-                          <p:cTn id="9" fill="hold">
-                            <p:stCondLst>
-                              <p:cond delay="0"/>
-                            </p:stCondLst>
-                            <p:childTnLst>
-                              <p:par>
-                                <p:cTn id="10" presetID="10" presetClass="entr" presetSubtype="0" fill="hold" grpId="0" nodeType="clickEffect">
-                                  <p:stCondLst>
-                                    <p:cond delay="0"/>
-                                  </p:stCondLst>
-                                  <p:childTnLst>
-                                    <p:set>
-                                      <p:cBhvr>
-                                        <p:cTn id="11" dur="1" fill="hold">
-                                          <p:stCondLst>
-                                            <p:cond delay="0"/>
-                                          </p:stCondLst>
-                                        </p:cTn>
-                                        <p:tgtEl>
-                                          <p:spTgt spid="12"/>
-                                        </p:tgtEl>
-                                        <p:attrNameLst>
-                                          <p:attrName>style.visibility</p:attrName>
-                                        </p:attrNameLst>
-                                      </p:cBhvr>
-                                      <p:to>
-                                        <p:strVal val="visible"/>
-                                      </p:to>
-                                    </p:set>
-                                    <p:animEffect transition="in" filter="fade">
-                                      <p:cBhvr>
-                                        <p:cTn id="12" dur="500"/>
-                                        <p:tgtEl>
-                                          <p:spTgt spid="12"/>
-                                        </p:tgtEl>
-                                      </p:cBhvr>
-                                    </p:animEffect>
-                                  </p:childTnLst>
-                                </p:cTn>
-                              </p:par>
-                            </p:childTnLst>
-                          </p:cTn>
-                        </p:par>
-                      </p:childTnLst>
-                    </p:cTn>
-                  </p:par>
-                  <p:par>
-                    <p:cTn id="13" fill="hold">
-                      <p:stCondLst>
-                        <p:cond delay="indefinite"/>
-                      </p:stCondLst>
-                      <p:childTnLst>
-                        <p:par>
-                          <p:cTn id="14" fill="hold">
-                            <p:stCondLst>
-                              <p:cond delay="0"/>
-                            </p:stCondLst>
-                            <p:childTnLst>
-                              <p:par>
-                                <p:cTn id="15" presetID="10" presetClass="entr" presetSubtype="0" fill="hold" grpId="0" nodeType="clickEffect">
-                                  <p:stCondLst>
-                                    <p:cond delay="0"/>
-                                  </p:stCondLst>
-                                  <p:childTnLst>
-                                    <p:set>
-                                      <p:cBhvr>
-                                        <p:cTn id="16" dur="1" fill="hold">
-                                          <p:stCondLst>
-                                            <p:cond delay="0"/>
-                                          </p:stCondLst>
-                                        </p:cTn>
-                                        <p:tgtEl>
-                                          <p:spTgt spid="13"/>
-                                        </p:tgtEl>
-                                        <p:attrNameLst>
-                                          <p:attrName>style.visibility</p:attrName>
-                                        </p:attrNameLst>
-                                      </p:cBhvr>
-                                      <p:to>
-                                        <p:strVal val="visible"/>
-                                      </p:to>
-                                    </p:set>
-                                    <p:animEffect transition="in" filter="fade">
-                                      <p:cBhvr>
-                                        <p:cTn id="17" dur="500"/>
-                                        <p:tgtEl>
-                                          <p:spTgt spid="13"/>
-                                        </p:tgtEl>
-                                      </p:cBhvr>
-                                    </p:animEffect>
-                                  </p:childTnLst>
-                                </p:cTn>
-                              </p:par>
-                            </p:childTnLst>
-                          </p:cTn>
-                        </p:par>
-                      </p:childTnLst>
-                    </p:cTn>
-                  </p:par>
-                </p:childTnLst>
-              </p:cTn>
-              <p:prevCondLst>
-                <p:cond evt="onPrev" delay="0">
-                  <p:tgtEl>
-                    <p:sldTgt/>
-                  </p:tgtEl>
-                </p:cond>
-              </p:prevCondLst>
-              <p:nextCondLst>
-                <p:cond evt="onNext" delay="0">
-                  <p:tgtEl>
-                    <p:sldTgt/>
-                  </p:tgtEl>
-                </p:cond>
-              </p:nextCondLst>
-            </p:seq>
-          </p:childTnLst>
-        </p:cTn>
-      </p:par>
-    </p:tnLst>
-    <p:bldLst>
-      <p:bldP spid="15" grpId="0"/>
-      <p:bldP spid="12" grpId="0"/>
-      <p:bldP spid="13" grpId="0"/>
-    </p:bldLst>
-  </p:timing>
 </p:sld>
 </file>
 
@@ -13360,7 +16124,13 @@
       </p:grpSpPr>
       <p:sp>
         <p:nvSpPr>
-          <p:cNvPr id="2" name="Title 1"/>
+          <p:cNvPr id="2" name="Title 1">
+            <a:extLst>
+              <a:ext uri="{FF2B5EF4-FFF2-40B4-BE49-F238E27FC236}">
+                <a16:creationId xmlns:a16="http://schemas.microsoft.com/office/drawing/2014/main" id="{0DCAC29B-47E5-5741-86C1-1B93D85BAC52}"/>
+              </a:ext>
+            </a:extLst>
+          </p:cNvPr>
           <p:cNvSpPr>
             <a:spLocks noGrp="1"/>
           </p:cNvSpPr>
@@ -13375,111 +16145,45 @@
           <a:p>
             <a:r>
               <a:rPr lang="en-US" dirty="0"/>
-              <a:t>Example: Bats</a:t>
+              <a:t>Question 4</a:t>
             </a:r>
           </a:p>
         </p:txBody>
       </p:sp>
       <p:pic>
         <p:nvPicPr>
-          <p:cNvPr id="4" name="Picture 2"/>
+          <p:cNvPr id="4" name="Picture 3">
+            <a:extLst>
+              <a:ext uri="{FF2B5EF4-FFF2-40B4-BE49-F238E27FC236}">
+                <a16:creationId xmlns:a16="http://schemas.microsoft.com/office/drawing/2014/main" id="{DF1879BC-4B79-DD43-AD0F-97FD41D1B5F3}"/>
+              </a:ext>
+            </a:extLst>
+          </p:cNvPr>
           <p:cNvPicPr>
-            <a:picLocks noChangeAspect="1" noChangeArrowheads="1"/>
+            <a:picLocks noChangeAspect="1"/>
           </p:cNvPicPr>
           <p:nvPr/>
         </p:nvPicPr>
         <p:blipFill>
           <a:blip r:embed="rId2"/>
-          <a:srcRect/>
           <a:stretch>
             <a:fillRect/>
           </a:stretch>
         </p:blipFill>
-        <p:spPr bwMode="auto">
+        <p:spPr>
           <a:xfrm>
-            <a:off x="533400" y="4495800"/>
-            <a:ext cx="7848600" cy="1871663"/>
+            <a:off x="361950" y="1465229"/>
+            <a:ext cx="8420100" cy="4686300"/>
           </a:xfrm>
           <a:prstGeom prst="rect">
             <a:avLst/>
           </a:prstGeom>
-          <a:noFill/>
-          <a:ln w="9525">
-            <a:noFill/>
-            <a:miter lim="800000"/>
-            <a:headEnd/>
-            <a:tailEnd/>
-          </a:ln>
         </p:spPr>
       </p:pic>
-      <p:pic>
-        <p:nvPicPr>
-          <p:cNvPr id="5" name="Picture 2" descr="http://www.nationmultimedia.com/top40/media/img/size1/2012/03/01/cdeh6bb7khegcfahb8g55.jpg"/>
-          <p:cNvPicPr>
-            <a:picLocks noChangeAspect="1" noChangeArrowheads="1"/>
-          </p:cNvPicPr>
-          <p:nvPr/>
-        </p:nvPicPr>
-        <p:blipFill>
-          <a:blip r:embed="rId3" cstate="print">
-            <a:extLst>
-              <a:ext uri="{28A0092B-C50C-407E-A947-70E740481C1C}">
-                <a14:useLocalDpi xmlns:a14="http://schemas.microsoft.com/office/drawing/2010/main" val="0"/>
-              </a:ext>
-            </a:extLst>
-          </a:blip>
-          <a:srcRect/>
-          <a:stretch>
-            <a:fillRect/>
-          </a:stretch>
-        </p:blipFill>
-        <p:spPr bwMode="auto">
-          <a:xfrm>
-            <a:off x="2819400" y="1828800"/>
-            <a:ext cx="3273425" cy="2587294"/>
-          </a:xfrm>
-          <a:prstGeom prst="rect">
-            <a:avLst/>
-          </a:prstGeom>
-          <a:noFill/>
-          <a:extLst>
-            <a:ext uri="{909E8E84-426E-40DD-AFC4-6F175D3DCCD1}">
-              <a14:hiddenFill xmlns:a14="http://schemas.microsoft.com/office/drawing/2010/main">
-                <a:solidFill>
-                  <a:srgbClr val="FFFFFF"/>
-                </a:solidFill>
-              </a14:hiddenFill>
-            </a:ext>
-          </a:extLst>
-        </p:spPr>
-      </p:pic>
-      <p:sp>
-        <p:nvSpPr>
-          <p:cNvPr id="6" name="Slide Number Placeholder 5"/>
-          <p:cNvSpPr>
-            <a:spLocks noGrp="1"/>
-          </p:cNvSpPr>
-          <p:nvPr>
-            <p:ph type="sldNum" sz="quarter" idx="12"/>
-          </p:nvPr>
-        </p:nvSpPr>
-        <p:spPr/>
-        <p:txBody>
-          <a:bodyPr/>
-          <a:lstStyle/>
-          <a:p>
-            <a:fld id="{240F1BDB-6CE4-495C-AC30-106FDA64768F}" type="slidenum">
-              <a:rPr lang="en-US" smtClean="0"/>
-              <a:t>7</a:t>
-            </a:fld>
-            <a:endParaRPr lang="en-US" dirty="0"/>
-          </a:p>
-        </p:txBody>
-      </p:sp>
     </p:spTree>
     <p:extLst>
       <p:ext uri="{BB962C8B-B14F-4D97-AF65-F5344CB8AC3E}">
-        <p14:creationId xmlns:p14="http://schemas.microsoft.com/office/powerpoint/2010/main" val="3000451747"/>
+        <p14:creationId xmlns:p14="http://schemas.microsoft.com/office/powerpoint/2010/main" val="2075917198"/>
       </p:ext>
     </p:extLst>
   </p:cSld>
@@ -13508,7 +16212,13 @@
       </p:grpSpPr>
       <p:sp>
         <p:nvSpPr>
-          <p:cNvPr id="2" name="Title 1"/>
+          <p:cNvPr id="2" name="Title 1">
+            <a:extLst>
+              <a:ext uri="{FF2B5EF4-FFF2-40B4-BE49-F238E27FC236}">
+                <a16:creationId xmlns:a16="http://schemas.microsoft.com/office/drawing/2014/main" id="{CB7B8547-C77E-F341-913C-954B37918AD2}"/>
+              </a:ext>
+            </a:extLst>
+          </p:cNvPr>
           <p:cNvSpPr>
             <a:spLocks noGrp="1"/>
           </p:cNvSpPr>
@@ -13516,128 +16226,32 @@
             <p:ph type="title"/>
           </p:nvPr>
         </p:nvSpPr>
-        <p:spPr>
-          <a:xfrm>
-            <a:off x="457200" y="274638"/>
-            <a:ext cx="8229600" cy="944562"/>
-          </a:xfrm>
-        </p:spPr>
+        <p:spPr/>
         <p:txBody>
           <a:bodyPr/>
           <a:lstStyle/>
           <a:p>
             <a:r>
               <a:rPr lang="en-US" dirty="0"/>
-              <a:t>Example: Bats</a:t>
-            </a:r>
-          </a:p>
-        </p:txBody>
-      </p:sp>
-      <p:pic>
-        <p:nvPicPr>
-          <p:cNvPr id="4" name="Picture 3"/>
-          <p:cNvPicPr>
-            <a:picLocks noChangeAspect="1"/>
-          </p:cNvPicPr>
-          <p:nvPr/>
-        </p:nvPicPr>
-        <p:blipFill>
-          <a:blip r:embed="rId2"/>
-          <a:stretch>
-            <a:fillRect/>
-          </a:stretch>
-        </p:blipFill>
-        <p:spPr>
-          <a:xfrm>
-            <a:off x="4471654" y="1138768"/>
-            <a:ext cx="4051457" cy="2518832"/>
-          </a:xfrm>
-          <a:prstGeom prst="rect">
-            <a:avLst/>
-          </a:prstGeom>
-        </p:spPr>
-      </p:pic>
-      <p:pic>
-        <p:nvPicPr>
-          <p:cNvPr id="5" name="Picture 4"/>
-          <p:cNvPicPr>
-            <a:picLocks noChangeAspect="1"/>
-          </p:cNvPicPr>
-          <p:nvPr/>
-        </p:nvPicPr>
-        <p:blipFill>
-          <a:blip r:embed="rId3"/>
-          <a:stretch>
-            <a:fillRect/>
-          </a:stretch>
-        </p:blipFill>
-        <p:spPr>
-          <a:xfrm>
-            <a:off x="76200" y="1138769"/>
-            <a:ext cx="4048125" cy="2517428"/>
-          </a:xfrm>
-          <a:prstGeom prst="rect">
-            <a:avLst/>
-          </a:prstGeom>
-        </p:spPr>
-      </p:pic>
-      <p:sp>
-        <p:nvSpPr>
-          <p:cNvPr id="6" name="TextBox 5"/>
-          <p:cNvSpPr txBox="1"/>
-          <p:nvPr/>
-        </p:nvSpPr>
-        <p:spPr>
-          <a:xfrm>
-            <a:off x="533027" y="4648200"/>
-            <a:ext cx="7877254" cy="2031325"/>
-          </a:xfrm>
-          <a:prstGeom prst="rect">
-            <a:avLst/>
-          </a:prstGeom>
-          <a:noFill/>
-        </p:spPr>
-        <p:txBody>
-          <a:bodyPr wrap="square" rtlCol="0">
-            <a:spAutoFit/>
-          </a:bodyPr>
-          <a:lstStyle/>
-          <a:p>
-            <a:r>
-              <a:rPr lang="en-US" dirty="0"/>
-              <a:t>ASSUMPTIONS:  </a:t>
-            </a:r>
-          </a:p>
-          <a:p>
-            <a:r>
-              <a:rPr lang="en-US" b="1" dirty="0"/>
-              <a:t>Normal Population Distribution</a:t>
-            </a:r>
-            <a:r>
-              <a:rPr lang="en-US" dirty="0"/>
-              <a:t>: Judging from the histogram and q-q plots, there is some visual evidence of a departure from normality.   With a sample size of 15 and no extreme outliers, we will assume the distribution of sample means is well approximated by a normal distribution via the CLT and proceed with caution. </a:t>
-            </a:r>
-          </a:p>
-          <a:p>
-            <a:r>
-              <a:rPr lang="en-US" b="1" dirty="0"/>
-              <a:t>Independence:</a:t>
-            </a:r>
-            <a:r>
-              <a:rPr lang="en-US" dirty="0"/>
-              <a:t> Not much is known about the sampling scheme used to obtain this sample.  We will assume the observations are independent.  </a:t>
-            </a:r>
-          </a:p>
-        </p:txBody>
-      </p:sp>
-      <p:sp>
-        <p:nvSpPr>
-          <p:cNvPr id="3" name="Slide Number Placeholder 2"/>
+              <a:t>End Quick Quiz Questions (QQQs) </a:t>
+            </a:r>
+          </a:p>
+        </p:txBody>
+      </p:sp>
+      <p:sp>
+        <p:nvSpPr>
+          <p:cNvPr id="3" name="Content Placeholder 2">
+            <a:extLst>
+              <a:ext uri="{FF2B5EF4-FFF2-40B4-BE49-F238E27FC236}">
+                <a16:creationId xmlns:a16="http://schemas.microsoft.com/office/drawing/2014/main" id="{927A1F37-4C89-DE4A-9DA9-11EEB78CC8B9}"/>
+              </a:ext>
+            </a:extLst>
+          </p:cNvPr>
           <p:cNvSpPr>
             <a:spLocks noGrp="1"/>
           </p:cNvSpPr>
           <p:nvPr>
-            <p:ph type="sldNum" sz="quarter" idx="12"/>
+            <p:ph idx="1"/>
           </p:nvPr>
         </p:nvSpPr>
         <p:spPr/>
@@ -13645,53 +16259,14 @@
           <a:bodyPr/>
           <a:lstStyle/>
           <a:p>
-            <a:fld id="{240F1BDB-6CE4-495C-AC30-106FDA64768F}" type="slidenum">
-              <a:rPr lang="en-US" smtClean="0"/>
-              <a:t>8</a:t>
-            </a:fld>
-            <a:endParaRPr lang="en-US" dirty="0"/>
-          </a:p>
-        </p:txBody>
-      </p:sp>
-      <p:sp>
-        <p:nvSpPr>
-          <p:cNvPr id="7" name="TextBox 6"/>
-          <p:cNvSpPr txBox="1"/>
-          <p:nvPr/>
-        </p:nvSpPr>
-        <p:spPr>
-          <a:xfrm>
-            <a:off x="469232" y="3733800"/>
-            <a:ext cx="7913511" cy="646331"/>
-          </a:xfrm>
-          <a:prstGeom prst="rect">
-            <a:avLst/>
-          </a:prstGeom>
-          <a:noFill/>
-        </p:spPr>
-        <p:txBody>
-          <a:bodyPr wrap="square" rtlCol="0">
-            <a:spAutoFit/>
-          </a:bodyPr>
-          <a:lstStyle/>
-          <a:p>
-            <a:r>
-              <a:rPr lang="en-US" dirty="0"/>
-              <a:t>PROBLEM STATEMENT: </a:t>
-            </a:r>
-          </a:p>
-          <a:p>
-            <a:r>
-              <a:rPr lang="en-US" dirty="0"/>
-              <a:t>Test the claim that the mean weight of the bumble bee bat is different from 1.8 g. </a:t>
-            </a:r>
+            <a:endParaRPr lang="en-US"/>
           </a:p>
         </p:txBody>
       </p:sp>
     </p:spTree>
     <p:extLst>
       <p:ext uri="{BB962C8B-B14F-4D97-AF65-F5344CB8AC3E}">
-        <p14:creationId xmlns:p14="http://schemas.microsoft.com/office/powerpoint/2010/main" val="3187863478"/>
+        <p14:creationId xmlns:p14="http://schemas.microsoft.com/office/powerpoint/2010/main" val="338959667"/>
       </p:ext>
     </p:extLst>
   </p:cSld>
@@ -13718,808 +16293,20 @@
           <a:chExt cx="0" cy="0"/>
         </a:xfrm>
       </p:grpSpPr>
-      <p:pic>
-        <p:nvPicPr>
-          <p:cNvPr id="8194" name="Picture 2"/>
-          <p:cNvPicPr>
-            <a:picLocks noChangeAspect="1" noChangeArrowheads="1"/>
-          </p:cNvPicPr>
-          <p:nvPr/>
-        </p:nvPicPr>
-        <p:blipFill>
-          <a:blip r:embed="rId2"/>
-          <a:srcRect/>
-          <a:stretch>
-            <a:fillRect/>
-          </a:stretch>
-        </p:blipFill>
-        <p:spPr bwMode="auto">
-          <a:xfrm>
-            <a:off x="533400" y="1447800"/>
-            <a:ext cx="7848600" cy="1871663"/>
-          </a:xfrm>
-          <a:prstGeom prst="rect">
-            <a:avLst/>
-          </a:prstGeom>
-          <a:noFill/>
-          <a:ln w="9525">
-            <a:noFill/>
-            <a:miter lim="800000"/>
-            <a:headEnd/>
-            <a:tailEnd/>
-          </a:ln>
-        </p:spPr>
-      </p:pic>
-      <mc:AlternateContent xmlns:mc="http://schemas.openxmlformats.org/markup-compatibility/2006" xmlns:a14="http://schemas.microsoft.com/office/drawing/2010/main">
-        <mc:Choice Requires="a14">
-          <p:sp>
-            <p:nvSpPr>
-              <p:cNvPr id="8202" name="Text Box 6"/>
-              <p:cNvSpPr txBox="1">
-                <a:spLocks noChangeArrowheads="1"/>
-              </p:cNvSpPr>
-              <p:nvPr/>
-            </p:nvSpPr>
-            <p:spPr bwMode="auto">
-              <a:xfrm>
-                <a:off x="144939" y="3207119"/>
-                <a:ext cx="1516064" cy="1971676"/>
-              </a:xfrm>
-              <a:prstGeom prst="rect">
-                <a:avLst/>
-              </a:prstGeom>
-              <a:noFill/>
-              <a:ln w="12700">
-                <a:noFill/>
-                <a:miter lim="800000"/>
-                <a:headEnd/>
-                <a:tailEnd/>
-              </a:ln>
-            </p:spPr>
-            <p:txBody>
-              <a:bodyPr wrap="none" anchor="ctr">
-                <a:prstTxWarp prst="textNoShape">
-                  <a:avLst/>
-                </a:prstTxWarp>
-                <a:spAutoFit/>
-              </a:bodyPr>
-              <a:lstStyle/>
-              <a:p>
-                <a:r>
-                  <a:rPr lang="en-US" sz="2400" b="1" i="1" dirty="0">
-                    <a:solidFill>
-                      <a:schemeClr val="tx2"/>
-                    </a:solidFill>
-                  </a:rPr>
-                  <a:t>H</a:t>
-                </a:r>
-                <a:r>
-                  <a:rPr lang="en-US" sz="2400" b="1" baseline="-25000" dirty="0">
-                    <a:solidFill>
-                      <a:schemeClr val="tx2"/>
-                    </a:solidFill>
-                  </a:rPr>
-                  <a:t>0</a:t>
-                </a:r>
-                <a:r>
-                  <a:rPr lang="en-US" sz="2400" b="1" dirty="0">
-                    <a:solidFill>
-                      <a:schemeClr val="tx2"/>
-                    </a:solidFill>
-                  </a:rPr>
-                  <a:t>: </a:t>
-                </a:r>
-                <a:r>
-                  <a:rPr lang="en-US" sz="2400" b="1" dirty="0">
-                    <a:solidFill>
-                      <a:schemeClr val="tx2"/>
-                    </a:solidFill>
-                    <a:sym typeface="Symbol" charset="2"/>
-                  </a:rPr>
-                  <a:t> </a:t>
-                </a:r>
-                <a14:m>
-                  <m:oMath xmlns:m="http://schemas.openxmlformats.org/officeDocument/2006/math">
-                    <m:r>
-                      <a:rPr lang="en-US" sz="2400" b="1" i="1" smtClean="0">
-                        <a:solidFill>
-                          <a:schemeClr val="tx2"/>
-                        </a:solidFill>
-                        <a:latin typeface="Cambria Math" panose="02040503050406030204" pitchFamily="18" charset="0"/>
-                        <a:ea typeface="Cambria Math" panose="02040503050406030204" pitchFamily="18" charset="0"/>
-                        <a:sym typeface="Symbol" charset="2"/>
-                      </a:rPr>
-                      <m:t>𝝁</m:t>
-                    </m:r>
-                  </m:oMath>
-                </a14:m>
-                <a:r>
-                  <a:rPr lang="en-US" sz="2400" b="1" dirty="0">
-                    <a:solidFill>
-                      <a:schemeClr val="tx2"/>
-                    </a:solidFill>
-                    <a:sym typeface="Symbol" charset="2"/>
-                  </a:rPr>
-                  <a:t>= 1.8</a:t>
-                </a:r>
-              </a:p>
-              <a:p>
-                <a:r>
-                  <a:rPr lang="en-US" sz="2400" b="1" i="1" dirty="0">
-                    <a:solidFill>
-                      <a:schemeClr val="tx2"/>
-                    </a:solidFill>
-                    <a:sym typeface="Symbol" charset="2"/>
-                  </a:rPr>
-                  <a:t>H</a:t>
-                </a:r>
-                <a:r>
-                  <a:rPr lang="en-US" sz="2400" b="1" baseline="-25000" dirty="0">
-                    <a:solidFill>
-                      <a:schemeClr val="tx2"/>
-                    </a:solidFill>
-                    <a:sym typeface="Symbol" charset="2"/>
-                  </a:rPr>
-                  <a:t>1</a:t>
-                </a:r>
-                <a:r>
-                  <a:rPr lang="en-US" sz="2400" b="1" dirty="0">
-                    <a:solidFill>
-                      <a:schemeClr val="tx2"/>
-                    </a:solidFill>
-                    <a:sym typeface="Symbol" charset="2"/>
-                  </a:rPr>
-                  <a:t>: </a:t>
-                </a:r>
-                <a14:m>
-                  <m:oMath xmlns:m="http://schemas.openxmlformats.org/officeDocument/2006/math">
-                    <m:r>
-                      <a:rPr lang="en-US" sz="2400" b="1" i="1" smtClean="0">
-                        <a:solidFill>
-                          <a:schemeClr val="tx2"/>
-                        </a:solidFill>
-                        <a:latin typeface="Cambria Math" panose="02040503050406030204" pitchFamily="18" charset="0"/>
-                        <a:ea typeface="Cambria Math" panose="02040503050406030204" pitchFamily="18" charset="0"/>
-                        <a:sym typeface="Symbol" charset="2"/>
-                      </a:rPr>
-                      <m:t>𝝁</m:t>
-                    </m:r>
-                  </m:oMath>
-                </a14:m>
-                <a:r>
-                  <a:rPr lang="en-US" sz="2400" b="1" dirty="0">
-                    <a:solidFill>
-                      <a:schemeClr val="tx2"/>
-                    </a:solidFill>
-                    <a:sym typeface="Symbol" charset="2"/>
-                  </a:rPr>
-                  <a:t> </a:t>
-                </a:r>
-                <a:r>
-                  <a:rPr lang="en-US" sz="2400" b="1" dirty="0">
-                    <a:solidFill>
-                      <a:schemeClr val="tx2"/>
-                    </a:solidFill>
-                    <a:ea typeface="Arial" charset="0"/>
-                    <a:cs typeface="Arial" charset="0"/>
-                    <a:sym typeface="Symbol" charset="2"/>
-                  </a:rPr>
-                  <a:t>≠ </a:t>
-                </a:r>
-                <a:r>
-                  <a:rPr lang="en-US" sz="2400" b="1" dirty="0">
-                    <a:solidFill>
-                      <a:schemeClr val="tx2"/>
-                    </a:solidFill>
-                    <a:sym typeface="Symbol" charset="2"/>
-                  </a:rPr>
-                  <a:t>1.8</a:t>
-                </a:r>
-              </a:p>
-              <a:p>
-                <a14:m>
-                  <m:oMath xmlns:m="http://schemas.openxmlformats.org/officeDocument/2006/math">
-                    <m:r>
-                      <a:rPr lang="en-US" sz="2400" b="1" i="1" smtClean="0">
-                        <a:solidFill>
-                          <a:schemeClr val="tx2"/>
-                        </a:solidFill>
-                        <a:latin typeface="Cambria Math" panose="02040503050406030204" pitchFamily="18" charset="0"/>
-                        <a:ea typeface="Cambria Math" panose="02040503050406030204" pitchFamily="18" charset="0"/>
-                        <a:sym typeface="Symbol" charset="2"/>
-                      </a:rPr>
-                      <m:t>𝜶</m:t>
-                    </m:r>
-                  </m:oMath>
-                </a14:m>
-                <a:r>
-                  <a:rPr lang="en-US" sz="2400" b="1" dirty="0">
-                    <a:solidFill>
-                      <a:schemeClr val="tx2"/>
-                    </a:solidFill>
-                    <a:sym typeface="Symbol" charset="2"/>
-                  </a:rPr>
-                  <a:t> = 0.05</a:t>
-                </a:r>
-              </a:p>
-              <a:p>
-                <a14:m>
-                  <m:oMath xmlns:m="http://schemas.openxmlformats.org/officeDocument/2006/math">
-                    <m:acc>
-                      <m:accPr>
-                        <m:chr m:val="̅"/>
-                        <m:ctrlPr>
-                          <a:rPr lang="en-US" sz="2400" b="1" i="1" smtClean="0">
-                            <a:solidFill>
-                              <a:schemeClr val="tx2"/>
-                            </a:solidFill>
-                            <a:latin typeface="Cambria Math" panose="02040503050406030204" pitchFamily="18" charset="0"/>
-                            <a:sym typeface="Symbol" charset="2"/>
-                          </a:rPr>
-                        </m:ctrlPr>
-                      </m:accPr>
-                      <m:e>
-                        <m:r>
-                          <a:rPr lang="en-US" sz="2400" b="1" i="1" smtClean="0">
-                            <a:solidFill>
-                              <a:schemeClr val="tx2"/>
-                            </a:solidFill>
-                            <a:latin typeface="Cambria Math" panose="02040503050406030204" pitchFamily="18" charset="0"/>
-                            <a:sym typeface="Symbol" charset="2"/>
-                          </a:rPr>
-                          <m:t>𝒙</m:t>
-                        </m:r>
-                      </m:e>
-                    </m:acc>
-                  </m:oMath>
-                </a14:m>
-                <a:r>
-                  <a:rPr lang="en-US" sz="2400" b="1" dirty="0">
-                    <a:solidFill>
-                      <a:schemeClr val="tx2"/>
-                    </a:solidFill>
-                    <a:sym typeface="Symbol" charset="2"/>
-                  </a:rPr>
-                  <a:t>= 1.713</a:t>
-                </a:r>
-              </a:p>
-              <a:p>
-                <a:r>
-                  <a:rPr lang="en-US" sz="2400" b="1" dirty="0">
-                    <a:solidFill>
-                      <a:schemeClr val="tx2"/>
-                    </a:solidFill>
-                    <a:sym typeface="Symbol" charset="2"/>
-                  </a:rPr>
-                  <a:t>s = .2588</a:t>
-                </a:r>
-              </a:p>
-            </p:txBody>
-          </p:sp>
-        </mc:Choice>
-        <mc:Fallback xmlns="">
-          <p:sp>
-            <p:nvSpPr>
-              <p:cNvPr id="8202" name="Text Box 6"/>
-              <p:cNvSpPr txBox="1">
-                <a:spLocks noRot="1" noChangeAspect="1" noMove="1" noResize="1" noEditPoints="1" noAdjustHandles="1" noChangeArrowheads="1" noChangeShapeType="1" noTextEdit="1"/>
-              </p:cNvSpPr>
-              <p:nvPr/>
-            </p:nvSpPr>
-            <p:spPr bwMode="auto">
-              <a:xfrm>
-                <a:off x="144939" y="3207119"/>
-                <a:ext cx="1516064" cy="1971676"/>
-              </a:xfrm>
-              <a:prstGeom prst="rect">
-                <a:avLst/>
-              </a:prstGeom>
-              <a:blipFill rotWithShape="0">
-                <a:blip r:embed="rId3"/>
-                <a:stretch>
-                  <a:fillRect l="-6452" t="-1235" r="-5242" b="-5556"/>
-                </a:stretch>
-              </a:blipFill>
-              <a:ln w="12700">
-                <a:noFill/>
-                <a:miter lim="800000"/>
-                <a:headEnd/>
-                <a:tailEnd/>
-              </a:ln>
-            </p:spPr>
-            <p:txBody>
-              <a:bodyPr/>
-              <a:lstStyle/>
-              <a:p>
-                <a:r>
-                  <a:rPr lang="en-US">
-                    <a:noFill/>
-                  </a:rPr>
-                  <a:t> </a:t>
-                </a:r>
-              </a:p>
-            </p:txBody>
-          </p:sp>
-        </mc:Fallback>
-      </mc:AlternateContent>
-      <p:sp>
-        <p:nvSpPr>
-          <p:cNvPr id="8" name="Text Box 49"/>
-          <p:cNvSpPr txBox="1">
-            <a:spLocks noChangeArrowheads="1"/>
-          </p:cNvSpPr>
-          <p:nvPr/>
-        </p:nvSpPr>
-        <p:spPr bwMode="auto">
-          <a:xfrm>
-            <a:off x="2190365" y="4864705"/>
-            <a:ext cx="1368948" cy="369332"/>
-          </a:xfrm>
-          <a:prstGeom prst="rect">
-            <a:avLst/>
-          </a:prstGeom>
-          <a:noFill/>
-          <a:ln w="12700">
-            <a:noFill/>
-            <a:miter lim="800000"/>
-            <a:headEnd/>
-            <a:tailEnd/>
-          </a:ln>
-        </p:spPr>
-        <p:txBody>
-          <a:bodyPr wrap="square" anchor="ctr">
-            <a:prstTxWarp prst="textNoShape">
-              <a:avLst/>
-            </a:prstTxWarp>
-            <a:spAutoFit/>
-          </a:bodyPr>
-          <a:lstStyle/>
-          <a:p>
-            <a:r>
-              <a:rPr lang="en-US" b="1" i="1" dirty="0">
-                <a:solidFill>
-                  <a:schemeClr val="tx2"/>
-                </a:solidFill>
-              </a:rPr>
-              <a:t>t = -1.297</a:t>
-            </a:r>
-            <a:endParaRPr lang="en-US" dirty="0">
-              <a:latin typeface="Times New Roman" charset="0"/>
-            </a:endParaRPr>
-          </a:p>
-        </p:txBody>
-      </p:sp>
-      <p:sp>
-        <p:nvSpPr>
-          <p:cNvPr id="9" name="Text Box 50"/>
-          <p:cNvSpPr txBox="1">
-            <a:spLocks noChangeArrowheads="1"/>
-          </p:cNvSpPr>
-          <p:nvPr/>
-        </p:nvSpPr>
-        <p:spPr bwMode="auto">
-          <a:xfrm>
-            <a:off x="1551400" y="4573428"/>
-            <a:ext cx="1532659" cy="369332"/>
-          </a:xfrm>
-          <a:prstGeom prst="rect">
-            <a:avLst/>
-          </a:prstGeom>
-          <a:noFill/>
-          <a:ln w="9525">
-            <a:noFill/>
-            <a:miter lim="800000"/>
-            <a:headEnd/>
-            <a:tailEnd/>
-          </a:ln>
-        </p:spPr>
-        <p:txBody>
-          <a:bodyPr wrap="square">
-            <a:prstTxWarp prst="textNoShape">
-              <a:avLst/>
-            </a:prstTxWarp>
-            <a:spAutoFit/>
-          </a:bodyPr>
-          <a:lstStyle/>
-          <a:p>
-            <a:pPr algn="ctr">
-              <a:spcBef>
-                <a:spcPct val="50000"/>
-              </a:spcBef>
-            </a:pPr>
-            <a:r>
-              <a:rPr lang="en-US" b="1" dirty="0"/>
-              <a:t>Test Statistic</a:t>
-            </a:r>
-          </a:p>
-        </p:txBody>
-      </p:sp>
-      <p:sp>
-        <p:nvSpPr>
-          <p:cNvPr id="10" name="Text Box 51"/>
-          <p:cNvSpPr txBox="1">
-            <a:spLocks noChangeArrowheads="1"/>
-          </p:cNvSpPr>
-          <p:nvPr/>
-        </p:nvSpPr>
-        <p:spPr bwMode="auto">
-          <a:xfrm>
-            <a:off x="1570620" y="3273550"/>
-            <a:ext cx="2438400" cy="400110"/>
-          </a:xfrm>
-          <a:prstGeom prst="rect">
-            <a:avLst/>
-          </a:prstGeom>
-          <a:noFill/>
-          <a:ln w="9525">
-            <a:noFill/>
-            <a:miter lim="800000"/>
-            <a:headEnd/>
-            <a:tailEnd/>
-          </a:ln>
-        </p:spPr>
-        <p:txBody>
-          <a:bodyPr>
-            <a:prstTxWarp prst="textNoShape">
-              <a:avLst/>
-            </a:prstTxWarp>
-            <a:spAutoFit/>
-          </a:bodyPr>
-          <a:lstStyle/>
-          <a:p>
-            <a:pPr algn="ctr">
-              <a:spcBef>
-                <a:spcPct val="50000"/>
-              </a:spcBef>
-            </a:pPr>
-            <a:r>
-              <a:rPr lang="en-US" sz="2000" b="1" dirty="0"/>
-              <a:t>Critical Values</a:t>
-            </a:r>
-          </a:p>
-        </p:txBody>
-      </p:sp>
-      <p:sp>
-        <p:nvSpPr>
-          <p:cNvPr id="11" name="Text Box 52"/>
-          <p:cNvSpPr txBox="1">
-            <a:spLocks noChangeArrowheads="1"/>
-          </p:cNvSpPr>
-          <p:nvPr/>
-        </p:nvSpPr>
-        <p:spPr bwMode="auto">
-          <a:xfrm>
-            <a:off x="3264881" y="3244924"/>
-            <a:ext cx="2133600" cy="400110"/>
-          </a:xfrm>
-          <a:prstGeom prst="rect">
-            <a:avLst/>
-          </a:prstGeom>
-          <a:noFill/>
-          <a:ln w="12700">
-            <a:noFill/>
-            <a:miter lim="800000"/>
-            <a:headEnd/>
-            <a:tailEnd/>
-          </a:ln>
-        </p:spPr>
-        <p:txBody>
-          <a:bodyPr anchor="ctr">
-            <a:prstTxWarp prst="textNoShape">
-              <a:avLst/>
-            </a:prstTxWarp>
-            <a:spAutoFit/>
-          </a:bodyPr>
-          <a:lstStyle/>
-          <a:p>
-            <a:pPr algn="ctr"/>
-            <a:r>
-              <a:rPr lang="en-US" sz="2000" b="1" i="1" dirty="0">
-                <a:solidFill>
-                  <a:schemeClr val="tx2"/>
-                </a:solidFill>
-              </a:rPr>
-              <a:t>t = ±</a:t>
-            </a:r>
-            <a:r>
-              <a:rPr lang="en-US" sz="2000" b="1" i="1" dirty="0">
-                <a:solidFill>
-                  <a:schemeClr val="tx2"/>
-                </a:solidFill>
-                <a:ea typeface="Arial" charset="0"/>
-                <a:cs typeface="Arial" charset="0"/>
-              </a:rPr>
-              <a:t> 2.145</a:t>
-            </a:r>
-            <a:r>
-              <a:rPr lang="en-US" sz="2000" b="1" i="1" dirty="0">
-                <a:solidFill>
-                  <a:schemeClr val="tx2"/>
-                </a:solidFill>
-              </a:rPr>
-              <a:t> </a:t>
-            </a:r>
-            <a:endParaRPr lang="en-US" sz="2000" b="1" i="1" dirty="0">
-              <a:solidFill>
-                <a:schemeClr val="tx2"/>
-              </a:solidFill>
-              <a:ea typeface="Arial" charset="0"/>
-              <a:cs typeface="Arial" charset="0"/>
-            </a:endParaRPr>
-          </a:p>
-        </p:txBody>
-      </p:sp>
-      <p:sp>
-        <p:nvSpPr>
-          <p:cNvPr id="12" name="Text Box 53"/>
-          <p:cNvSpPr txBox="1">
-            <a:spLocks noChangeArrowheads="1"/>
-          </p:cNvSpPr>
-          <p:nvPr/>
-        </p:nvSpPr>
-        <p:spPr bwMode="auto">
-          <a:xfrm>
-            <a:off x="6502932" y="4490606"/>
-            <a:ext cx="2514600" cy="457200"/>
-          </a:xfrm>
-          <a:prstGeom prst="rect">
-            <a:avLst/>
-          </a:prstGeom>
-          <a:noFill/>
-          <a:ln w="12700">
-            <a:noFill/>
-            <a:miter lim="800000"/>
-            <a:headEnd/>
-            <a:tailEnd/>
-          </a:ln>
-        </p:spPr>
-        <p:txBody>
-          <a:bodyPr anchor="ctr">
-            <a:prstTxWarp prst="textNoShape">
-              <a:avLst/>
-            </a:prstTxWarp>
-            <a:spAutoFit/>
-          </a:bodyPr>
-          <a:lstStyle/>
-          <a:p>
-            <a:pPr algn="ctr"/>
-            <a:r>
-              <a:rPr lang="en-US" sz="2400" b="1" i="1" dirty="0">
-                <a:solidFill>
-                  <a:schemeClr val="tx2"/>
-                </a:solidFill>
-              </a:rPr>
-              <a:t>Fail to Reject H</a:t>
-            </a:r>
-            <a:r>
-              <a:rPr lang="en-US" sz="2400" b="1" i="1" baseline="-25000" dirty="0">
-                <a:solidFill>
-                  <a:schemeClr val="tx2"/>
-                </a:solidFill>
-              </a:rPr>
-              <a:t>0</a:t>
-            </a:r>
-            <a:endParaRPr lang="en-US" sz="2400" b="1" i="1" baseline="-25000" dirty="0">
-              <a:solidFill>
-                <a:schemeClr val="tx2"/>
-              </a:solidFill>
-              <a:ea typeface="Arial" charset="0"/>
-              <a:cs typeface="Arial" charset="0"/>
-            </a:endParaRPr>
-          </a:p>
-        </p:txBody>
-      </p:sp>
-      <p:sp>
-        <p:nvSpPr>
-          <p:cNvPr id="13" name="Text Box 54"/>
-          <p:cNvSpPr txBox="1">
-            <a:spLocks noChangeArrowheads="1"/>
-          </p:cNvSpPr>
-          <p:nvPr/>
-        </p:nvSpPr>
-        <p:spPr bwMode="auto">
-          <a:xfrm>
-            <a:off x="-81383" y="5161331"/>
-            <a:ext cx="9225383" cy="1077218"/>
-          </a:xfrm>
-          <a:prstGeom prst="rect">
-            <a:avLst/>
-          </a:prstGeom>
-          <a:noFill/>
-          <a:ln w="9525">
-            <a:noFill/>
-            <a:miter lim="800000"/>
-            <a:headEnd/>
-            <a:tailEnd/>
-          </a:ln>
-        </p:spPr>
-        <p:txBody>
-          <a:bodyPr wrap="square">
-            <a:prstTxWarp prst="textNoShape">
-              <a:avLst/>
-            </a:prstTxWarp>
-            <a:spAutoFit/>
-          </a:bodyPr>
-          <a:lstStyle/>
-          <a:p>
-            <a:pPr algn="ctr">
-              <a:spcBef>
-                <a:spcPct val="50000"/>
-              </a:spcBef>
-            </a:pPr>
-            <a:r>
-              <a:rPr lang="en-US" sz="1600" b="1" dirty="0"/>
-              <a:t>On the basis of this test, there is not enough evidence to reject the claim that the mean weight of bumblebee bats is equal to 1.8 g (p-value = .2155 from a t-test).  A 95% confidence interval is (1.57, 1.8566) grams.  The problem was ambiguous on the randomness of the sample; thus, we will assume that it was not a random sample, which makes inference to all bats strictly speculative. </a:t>
-            </a:r>
-          </a:p>
-        </p:txBody>
-      </p:sp>
-      <p:sp>
-        <p:nvSpPr>
-          <p:cNvPr id="14" name="Text Box 21"/>
-          <p:cNvSpPr txBox="1">
-            <a:spLocks noChangeArrowheads="1"/>
-          </p:cNvSpPr>
-          <p:nvPr/>
-        </p:nvSpPr>
-        <p:spPr bwMode="auto">
-          <a:xfrm>
-            <a:off x="3869138" y="4461980"/>
-            <a:ext cx="3058686" cy="457200"/>
-          </a:xfrm>
-          <a:prstGeom prst="rect">
-            <a:avLst/>
-          </a:prstGeom>
-          <a:noFill/>
-          <a:ln w="9525">
-            <a:noFill/>
-            <a:miter lim="800000"/>
-            <a:headEnd/>
-            <a:tailEnd/>
-          </a:ln>
-        </p:spPr>
-        <p:txBody>
-          <a:bodyPr wrap="square">
-            <a:prstTxWarp prst="textNoShape">
-              <a:avLst/>
-            </a:prstTxWarp>
-            <a:spAutoFit/>
-          </a:bodyPr>
-          <a:lstStyle/>
-          <a:p>
-            <a:pPr>
-              <a:spcBef>
-                <a:spcPct val="50000"/>
-              </a:spcBef>
-            </a:pPr>
-            <a:r>
-              <a:rPr lang="en-US" sz="2400" b="1" dirty="0"/>
-              <a:t>P-value: .2155 &gt; .05</a:t>
-            </a:r>
-          </a:p>
-        </p:txBody>
-      </p:sp>
-      <p:pic>
-        <p:nvPicPr>
-          <p:cNvPr id="1026" name="Picture 2" descr="http://www.nationmultimedia.com/top40/media/img/size1/2012/03/01/cdeh6bb7khegcfahb8g55.jpg"/>
-          <p:cNvPicPr>
-            <a:picLocks noChangeAspect="1" noChangeArrowheads="1"/>
-          </p:cNvPicPr>
-          <p:nvPr/>
-        </p:nvPicPr>
-        <p:blipFill>
-          <a:blip r:embed="rId4" cstate="print">
+      <p:sp>
+        <p:nvSpPr>
+          <p:cNvPr id="2" name="Title 1">
             <a:extLst>
-              <a:ext uri="{28A0092B-C50C-407E-A947-70E740481C1C}">
-                <a14:useLocalDpi xmlns:a14="http://schemas.microsoft.com/office/drawing/2010/main" val="0"/>
+              <a:ext uri="{FF2B5EF4-FFF2-40B4-BE49-F238E27FC236}">
+                <a16:creationId xmlns:a16="http://schemas.microsoft.com/office/drawing/2014/main" id="{4AFC8849-9CB4-4449-88B2-F4CF82FE3413}"/>
               </a:ext>
             </a:extLst>
-          </a:blip>
-          <a:srcRect/>
-          <a:stretch>
-            <a:fillRect/>
-          </a:stretch>
-        </p:blipFill>
-        <p:spPr bwMode="auto">
-          <a:xfrm>
-            <a:off x="3736975" y="26966"/>
-            <a:ext cx="1749425" cy="1382734"/>
-          </a:xfrm>
-          <a:prstGeom prst="rect">
-            <a:avLst/>
-          </a:prstGeom>
-          <a:noFill/>
-          <a:extLst>
-            <a:ext uri="{909E8E84-426E-40DD-AFC4-6F175D3DCCD1}">
-              <a14:hiddenFill xmlns:a14="http://schemas.microsoft.com/office/drawing/2010/main">
-                <a:solidFill>
-                  <a:srgbClr val="FFFFFF"/>
-                </a:solidFill>
-              </a14:hiddenFill>
-            </a:ext>
-          </a:extLst>
-        </p:spPr>
-      </p:pic>
-      <p:pic>
-        <p:nvPicPr>
-          <p:cNvPr id="3" name="Picture 2"/>
-          <p:cNvPicPr>
-            <a:picLocks noChangeAspect="1"/>
-          </p:cNvPicPr>
-          <p:nvPr/>
-        </p:nvPicPr>
-        <p:blipFill>
-          <a:blip r:embed="rId5"/>
-          <a:stretch>
-            <a:fillRect/>
-          </a:stretch>
-        </p:blipFill>
-        <p:spPr>
-          <a:xfrm>
-            <a:off x="5368702" y="3257346"/>
-            <a:ext cx="3401759" cy="1176008"/>
-          </a:xfrm>
-          <a:prstGeom prst="rect">
-            <a:avLst/>
-          </a:prstGeom>
-        </p:spPr>
-      </p:pic>
-      <p:pic>
-        <p:nvPicPr>
-          <p:cNvPr id="4" name="Picture 3"/>
-          <p:cNvPicPr>
-            <a:picLocks noChangeAspect="1"/>
-          </p:cNvPicPr>
-          <p:nvPr/>
-        </p:nvPicPr>
-        <p:blipFill>
-          <a:blip r:embed="rId6"/>
-          <a:stretch>
-            <a:fillRect/>
-          </a:stretch>
-        </p:blipFill>
-        <p:spPr>
-          <a:xfrm>
-            <a:off x="4101837" y="3756423"/>
-            <a:ext cx="711725" cy="483973"/>
-          </a:xfrm>
-          <a:prstGeom prst="rect">
-            <a:avLst/>
-          </a:prstGeom>
-        </p:spPr>
-      </p:pic>
-      <p:pic>
-        <p:nvPicPr>
-          <p:cNvPr id="5" name="Picture 4"/>
-          <p:cNvPicPr>
-            <a:picLocks noChangeAspect="1"/>
-          </p:cNvPicPr>
-          <p:nvPr/>
-        </p:nvPicPr>
-        <p:blipFill>
-          <a:blip r:embed="rId7"/>
-          <a:stretch>
-            <a:fillRect/>
-          </a:stretch>
-        </p:blipFill>
-        <p:spPr>
-          <a:xfrm>
-            <a:off x="1637906" y="3598176"/>
-            <a:ext cx="2275228" cy="960939"/>
-          </a:xfrm>
-          <a:prstGeom prst="rect">
-            <a:avLst/>
-          </a:prstGeom>
-        </p:spPr>
-      </p:pic>
-      <p:sp>
-        <p:nvSpPr>
-          <p:cNvPr id="6" name="Slide Number Placeholder 5"/>
+          </p:cNvPr>
           <p:cNvSpPr>
             <a:spLocks noGrp="1"/>
           </p:cNvSpPr>
           <p:nvPr>
-            <p:ph type="sldNum" sz="quarter" idx="12"/>
+            <p:ph type="title"/>
           </p:nvPr>
         </p:nvSpPr>
         <p:spPr/>
@@ -14527,816 +16314,48 @@
           <a:bodyPr/>
           <a:lstStyle/>
           <a:p>
-            <a:fld id="{240F1BDB-6CE4-495C-AC30-106FDA64768F}" type="slidenum">
-              <a:rPr lang="en-US" smtClean="0"/>
-              <a:t>9</a:t>
-            </a:fld>
-            <a:endParaRPr lang="en-US" dirty="0"/>
+            <a:r>
+              <a:rPr lang="en-US" dirty="0"/>
+              <a:t>End Part 1</a:t>
+            </a:r>
+          </a:p>
+        </p:txBody>
+      </p:sp>
+      <p:sp>
+        <p:nvSpPr>
+          <p:cNvPr id="3" name="Content Placeholder 2">
+            <a:extLst>
+              <a:ext uri="{FF2B5EF4-FFF2-40B4-BE49-F238E27FC236}">
+                <a16:creationId xmlns:a16="http://schemas.microsoft.com/office/drawing/2014/main" id="{36E6410E-F105-3A4E-82A7-8F25EAE010D9}"/>
+              </a:ext>
+            </a:extLst>
+          </p:cNvPr>
+          <p:cNvSpPr>
+            <a:spLocks noGrp="1"/>
+          </p:cNvSpPr>
+          <p:nvPr>
+            <p:ph idx="1"/>
+          </p:nvPr>
+        </p:nvSpPr>
+        <p:spPr/>
+        <p:txBody>
+          <a:bodyPr/>
+          <a:lstStyle/>
+          <a:p>
+            <a:endParaRPr lang="en-US"/>
           </a:p>
         </p:txBody>
       </p:sp>
     </p:spTree>
     <p:extLst>
       <p:ext uri="{BB962C8B-B14F-4D97-AF65-F5344CB8AC3E}">
-        <p14:creationId xmlns:p14="http://schemas.microsoft.com/office/powerpoint/2010/main" val="2395259110"/>
+        <p14:creationId xmlns:p14="http://schemas.microsoft.com/office/powerpoint/2010/main" val="1737803420"/>
       </p:ext>
     </p:extLst>
   </p:cSld>
   <p:clrMapOvr>
     <a:masterClrMapping/>
   </p:clrMapOvr>
-  <p:timing>
-    <p:tnLst>
-      <p:par>
-        <p:cTn id="1" dur="indefinite" restart="never" nodeType="tmRoot">
-          <p:childTnLst>
-            <p:seq concurrent="1" nextAc="seek">
-              <p:cTn id="2" dur="indefinite" nodeType="mainSeq">
-                <p:childTnLst>
-                  <p:par>
-                    <p:cTn id="3" fill="hold">
-                      <p:stCondLst>
-                        <p:cond delay="indefinite"/>
-                      </p:stCondLst>
-                      <p:childTnLst>
-                        <p:par>
-                          <p:cTn id="4" fill="hold">
-                            <p:stCondLst>
-                              <p:cond delay="0"/>
-                            </p:stCondLst>
-                            <p:childTnLst>
-                              <p:par>
-                                <p:cTn id="5" presetID="2" presetClass="entr" presetSubtype="4" fill="hold" grpId="0" nodeType="clickEffect">
-                                  <p:stCondLst>
-                                    <p:cond delay="0"/>
-                                  </p:stCondLst>
-                                  <p:childTnLst>
-                                    <p:set>
-                                      <p:cBhvr>
-                                        <p:cTn id="6" dur="1" fill="hold">
-                                          <p:stCondLst>
-                                            <p:cond delay="0"/>
-                                          </p:stCondLst>
-                                        </p:cTn>
-                                        <p:tgtEl>
-                                          <p:spTgt spid="10"/>
-                                        </p:tgtEl>
-                                        <p:attrNameLst>
-                                          <p:attrName>style.visibility</p:attrName>
-                                        </p:attrNameLst>
-                                      </p:cBhvr>
-                                      <p:to>
-                                        <p:strVal val="visible"/>
-                                      </p:to>
-                                    </p:set>
-                                    <p:anim calcmode="lin" valueType="num">
-                                      <p:cBhvr additive="base">
-                                        <p:cTn id="7" dur="500" fill="hold"/>
-                                        <p:tgtEl>
-                                          <p:spTgt spid="10"/>
-                                        </p:tgtEl>
-                                        <p:attrNameLst>
-                                          <p:attrName>ppt_x</p:attrName>
-                                        </p:attrNameLst>
-                                      </p:cBhvr>
-                                      <p:tavLst>
-                                        <p:tav tm="0">
-                                          <p:val>
-                                            <p:strVal val="#ppt_x"/>
-                                          </p:val>
-                                        </p:tav>
-                                        <p:tav tm="100000">
-                                          <p:val>
-                                            <p:strVal val="#ppt_x"/>
-                                          </p:val>
-                                        </p:tav>
-                                      </p:tavLst>
-                                    </p:anim>
-                                    <p:anim calcmode="lin" valueType="num">
-                                      <p:cBhvr additive="base">
-                                        <p:cTn id="8" dur="500" fill="hold"/>
-                                        <p:tgtEl>
-                                          <p:spTgt spid="10"/>
-                                        </p:tgtEl>
-                                        <p:attrNameLst>
-                                          <p:attrName>ppt_y</p:attrName>
-                                        </p:attrNameLst>
-                                      </p:cBhvr>
-                                      <p:tavLst>
-                                        <p:tav tm="0">
-                                          <p:val>
-                                            <p:strVal val="1+#ppt_h/2"/>
-                                          </p:val>
-                                        </p:tav>
-                                        <p:tav tm="100000">
-                                          <p:val>
-                                            <p:strVal val="#ppt_y"/>
-                                          </p:val>
-                                        </p:tav>
-                                      </p:tavLst>
-                                    </p:anim>
-                                  </p:childTnLst>
-                                </p:cTn>
-                              </p:par>
-                              <p:par>
-                                <p:cTn id="9" presetID="2" presetClass="entr" presetSubtype="4" fill="hold" grpId="0" nodeType="withEffect">
-                                  <p:stCondLst>
-                                    <p:cond delay="0"/>
-                                  </p:stCondLst>
-                                  <p:childTnLst>
-                                    <p:set>
-                                      <p:cBhvr>
-                                        <p:cTn id="10" dur="1" fill="hold">
-                                          <p:stCondLst>
-                                            <p:cond delay="0"/>
-                                          </p:stCondLst>
-                                        </p:cTn>
-                                        <p:tgtEl>
-                                          <p:spTgt spid="11"/>
-                                        </p:tgtEl>
-                                        <p:attrNameLst>
-                                          <p:attrName>style.visibility</p:attrName>
-                                        </p:attrNameLst>
-                                      </p:cBhvr>
-                                      <p:to>
-                                        <p:strVal val="visible"/>
-                                      </p:to>
-                                    </p:set>
-                                    <p:anim calcmode="lin" valueType="num">
-                                      <p:cBhvr additive="base">
-                                        <p:cTn id="11" dur="500" fill="hold"/>
-                                        <p:tgtEl>
-                                          <p:spTgt spid="11"/>
-                                        </p:tgtEl>
-                                        <p:attrNameLst>
-                                          <p:attrName>ppt_x</p:attrName>
-                                        </p:attrNameLst>
-                                      </p:cBhvr>
-                                      <p:tavLst>
-                                        <p:tav tm="0">
-                                          <p:val>
-                                            <p:strVal val="#ppt_x"/>
-                                          </p:val>
-                                        </p:tav>
-                                        <p:tav tm="100000">
-                                          <p:val>
-                                            <p:strVal val="#ppt_x"/>
-                                          </p:val>
-                                        </p:tav>
-                                      </p:tavLst>
-                                    </p:anim>
-                                    <p:anim calcmode="lin" valueType="num">
-                                      <p:cBhvr additive="base">
-                                        <p:cTn id="12" dur="500" fill="hold"/>
-                                        <p:tgtEl>
-                                          <p:spTgt spid="11"/>
-                                        </p:tgtEl>
-                                        <p:attrNameLst>
-                                          <p:attrName>ppt_y</p:attrName>
-                                        </p:attrNameLst>
-                                      </p:cBhvr>
-                                      <p:tavLst>
-                                        <p:tav tm="0">
-                                          <p:val>
-                                            <p:strVal val="1+#ppt_h/2"/>
-                                          </p:val>
-                                        </p:tav>
-                                        <p:tav tm="100000">
-                                          <p:val>
-                                            <p:strVal val="#ppt_y"/>
-                                          </p:val>
-                                        </p:tav>
-                                      </p:tavLst>
-                                    </p:anim>
-                                  </p:childTnLst>
-                                </p:cTn>
-                              </p:par>
-                            </p:childTnLst>
-                          </p:cTn>
-                        </p:par>
-                      </p:childTnLst>
-                    </p:cTn>
-                  </p:par>
-                  <p:par>
-                    <p:cTn id="13" fill="hold">
-                      <p:stCondLst>
-                        <p:cond delay="indefinite"/>
-                      </p:stCondLst>
-                      <p:childTnLst>
-                        <p:par>
-                          <p:cTn id="14" fill="hold">
-                            <p:stCondLst>
-                              <p:cond delay="0"/>
-                            </p:stCondLst>
-                            <p:childTnLst>
-                              <p:par>
-                                <p:cTn id="15" presetID="10" presetClass="entr" presetSubtype="0" fill="hold" nodeType="clickEffect">
-                                  <p:stCondLst>
-                                    <p:cond delay="0"/>
-                                  </p:stCondLst>
-                                  <p:childTnLst>
-                                    <p:set>
-                                      <p:cBhvr>
-                                        <p:cTn id="16" dur="1" fill="hold">
-                                          <p:stCondLst>
-                                            <p:cond delay="0"/>
-                                          </p:stCondLst>
-                                        </p:cTn>
-                                        <p:tgtEl>
-                                          <p:spTgt spid="5"/>
-                                        </p:tgtEl>
-                                        <p:attrNameLst>
-                                          <p:attrName>style.visibility</p:attrName>
-                                        </p:attrNameLst>
-                                      </p:cBhvr>
-                                      <p:to>
-                                        <p:strVal val="visible"/>
-                                      </p:to>
-                                    </p:set>
-                                    <p:animEffect transition="in" filter="fade">
-                                      <p:cBhvr>
-                                        <p:cTn id="17" dur="500"/>
-                                        <p:tgtEl>
-                                          <p:spTgt spid="5"/>
-                                        </p:tgtEl>
-                                      </p:cBhvr>
-                                    </p:animEffect>
-                                  </p:childTnLst>
-                                </p:cTn>
-                              </p:par>
-                              <p:par>
-                                <p:cTn id="18" presetID="10" presetClass="entr" presetSubtype="0" fill="hold" nodeType="withEffect">
-                                  <p:stCondLst>
-                                    <p:cond delay="0"/>
-                                  </p:stCondLst>
-                                  <p:childTnLst>
-                                    <p:set>
-                                      <p:cBhvr>
-                                        <p:cTn id="19" dur="1" fill="hold">
-                                          <p:stCondLst>
-                                            <p:cond delay="0"/>
-                                          </p:stCondLst>
-                                        </p:cTn>
-                                        <p:tgtEl>
-                                          <p:spTgt spid="4"/>
-                                        </p:tgtEl>
-                                        <p:attrNameLst>
-                                          <p:attrName>style.visibility</p:attrName>
-                                        </p:attrNameLst>
-                                      </p:cBhvr>
-                                      <p:to>
-                                        <p:strVal val="visible"/>
-                                      </p:to>
-                                    </p:set>
-                                    <p:animEffect transition="in" filter="fade">
-                                      <p:cBhvr>
-                                        <p:cTn id="20" dur="500"/>
-                                        <p:tgtEl>
-                                          <p:spTgt spid="4"/>
-                                        </p:tgtEl>
-                                      </p:cBhvr>
-                                    </p:animEffect>
-                                  </p:childTnLst>
-                                </p:cTn>
-                              </p:par>
-                            </p:childTnLst>
-                          </p:cTn>
-                        </p:par>
-                      </p:childTnLst>
-                    </p:cTn>
-                  </p:par>
-                  <p:par>
-                    <p:cTn id="21" fill="hold">
-                      <p:stCondLst>
-                        <p:cond delay="indefinite"/>
-                      </p:stCondLst>
-                      <p:childTnLst>
-                        <p:par>
-                          <p:cTn id="22" fill="hold">
-                            <p:stCondLst>
-                              <p:cond delay="0"/>
-                            </p:stCondLst>
-                            <p:childTnLst>
-                              <p:par>
-                                <p:cTn id="23" presetID="10" presetClass="entr" presetSubtype="0" fill="hold" nodeType="clickEffect">
-                                  <p:stCondLst>
-                                    <p:cond delay="0"/>
-                                  </p:stCondLst>
-                                  <p:childTnLst>
-                                    <p:set>
-                                      <p:cBhvr>
-                                        <p:cTn id="24" dur="1" fill="hold">
-                                          <p:stCondLst>
-                                            <p:cond delay="0"/>
-                                          </p:stCondLst>
-                                        </p:cTn>
-                                        <p:tgtEl>
-                                          <p:spTgt spid="3"/>
-                                        </p:tgtEl>
-                                        <p:attrNameLst>
-                                          <p:attrName>style.visibility</p:attrName>
-                                        </p:attrNameLst>
-                                      </p:cBhvr>
-                                      <p:to>
-                                        <p:strVal val="visible"/>
-                                      </p:to>
-                                    </p:set>
-                                    <p:animEffect transition="in" filter="fade">
-                                      <p:cBhvr>
-                                        <p:cTn id="25" dur="500"/>
-                                        <p:tgtEl>
-                                          <p:spTgt spid="3"/>
-                                        </p:tgtEl>
-                                      </p:cBhvr>
-                                    </p:animEffect>
-                                  </p:childTnLst>
-                                </p:cTn>
-                              </p:par>
-                            </p:childTnLst>
-                          </p:cTn>
-                        </p:par>
-                      </p:childTnLst>
-                    </p:cTn>
-                  </p:par>
-                  <p:par>
-                    <p:cTn id="26" fill="hold">
-                      <p:stCondLst>
-                        <p:cond delay="indefinite"/>
-                      </p:stCondLst>
-                      <p:childTnLst>
-                        <p:par>
-                          <p:cTn id="27" fill="hold">
-                            <p:stCondLst>
-                              <p:cond delay="0"/>
-                            </p:stCondLst>
-                            <p:childTnLst>
-                              <p:par>
-                                <p:cTn id="28" presetID="2" presetClass="entr" presetSubtype="4" fill="hold" grpId="0" nodeType="clickEffect">
-                                  <p:stCondLst>
-                                    <p:cond delay="0"/>
-                                  </p:stCondLst>
-                                  <p:childTnLst>
-                                    <p:set>
-                                      <p:cBhvr>
-                                        <p:cTn id="29" dur="1" fill="hold">
-                                          <p:stCondLst>
-                                            <p:cond delay="0"/>
-                                          </p:stCondLst>
-                                        </p:cTn>
-                                        <p:tgtEl>
-                                          <p:spTgt spid="9"/>
-                                        </p:tgtEl>
-                                        <p:attrNameLst>
-                                          <p:attrName>style.visibility</p:attrName>
-                                        </p:attrNameLst>
-                                      </p:cBhvr>
-                                      <p:to>
-                                        <p:strVal val="visible"/>
-                                      </p:to>
-                                    </p:set>
-                                    <p:anim calcmode="lin" valueType="num">
-                                      <p:cBhvr additive="base">
-                                        <p:cTn id="30" dur="500" fill="hold"/>
-                                        <p:tgtEl>
-                                          <p:spTgt spid="9"/>
-                                        </p:tgtEl>
-                                        <p:attrNameLst>
-                                          <p:attrName>ppt_x</p:attrName>
-                                        </p:attrNameLst>
-                                      </p:cBhvr>
-                                      <p:tavLst>
-                                        <p:tav tm="0">
-                                          <p:val>
-                                            <p:strVal val="#ppt_x"/>
-                                          </p:val>
-                                        </p:tav>
-                                        <p:tav tm="100000">
-                                          <p:val>
-                                            <p:strVal val="#ppt_x"/>
-                                          </p:val>
-                                        </p:tav>
-                                      </p:tavLst>
-                                    </p:anim>
-                                    <p:anim calcmode="lin" valueType="num">
-                                      <p:cBhvr additive="base">
-                                        <p:cTn id="31" dur="500" fill="hold"/>
-                                        <p:tgtEl>
-                                          <p:spTgt spid="9"/>
-                                        </p:tgtEl>
-                                        <p:attrNameLst>
-                                          <p:attrName>ppt_y</p:attrName>
-                                        </p:attrNameLst>
-                                      </p:cBhvr>
-                                      <p:tavLst>
-                                        <p:tav tm="0">
-                                          <p:val>
-                                            <p:strVal val="1+#ppt_h/2"/>
-                                          </p:val>
-                                        </p:tav>
-                                        <p:tav tm="100000">
-                                          <p:val>
-                                            <p:strVal val="#ppt_y"/>
-                                          </p:val>
-                                        </p:tav>
-                                      </p:tavLst>
-                                    </p:anim>
-                                  </p:childTnLst>
-                                </p:cTn>
-                              </p:par>
-                              <p:par>
-                                <p:cTn id="32" presetID="2" presetClass="entr" presetSubtype="4" fill="hold" grpId="0" nodeType="withEffect">
-                                  <p:stCondLst>
-                                    <p:cond delay="0"/>
-                                  </p:stCondLst>
-                                  <p:childTnLst>
-                                    <p:set>
-                                      <p:cBhvr>
-                                        <p:cTn id="33" dur="1" fill="hold">
-                                          <p:stCondLst>
-                                            <p:cond delay="0"/>
-                                          </p:stCondLst>
-                                        </p:cTn>
-                                        <p:tgtEl>
-                                          <p:spTgt spid="8"/>
-                                        </p:tgtEl>
-                                        <p:attrNameLst>
-                                          <p:attrName>style.visibility</p:attrName>
-                                        </p:attrNameLst>
-                                      </p:cBhvr>
-                                      <p:to>
-                                        <p:strVal val="visible"/>
-                                      </p:to>
-                                    </p:set>
-                                    <p:anim calcmode="lin" valueType="num">
-                                      <p:cBhvr additive="base">
-                                        <p:cTn id="34" dur="500" fill="hold"/>
-                                        <p:tgtEl>
-                                          <p:spTgt spid="8"/>
-                                        </p:tgtEl>
-                                        <p:attrNameLst>
-                                          <p:attrName>ppt_x</p:attrName>
-                                        </p:attrNameLst>
-                                      </p:cBhvr>
-                                      <p:tavLst>
-                                        <p:tav tm="0">
-                                          <p:val>
-                                            <p:strVal val="#ppt_x"/>
-                                          </p:val>
-                                        </p:tav>
-                                        <p:tav tm="100000">
-                                          <p:val>
-                                            <p:strVal val="#ppt_x"/>
-                                          </p:val>
-                                        </p:tav>
-                                      </p:tavLst>
-                                    </p:anim>
-                                    <p:anim calcmode="lin" valueType="num">
-                                      <p:cBhvr additive="base">
-                                        <p:cTn id="35" dur="500" fill="hold"/>
-                                        <p:tgtEl>
-                                          <p:spTgt spid="8"/>
-                                        </p:tgtEl>
-                                        <p:attrNameLst>
-                                          <p:attrName>ppt_y</p:attrName>
-                                        </p:attrNameLst>
-                                      </p:cBhvr>
-                                      <p:tavLst>
-                                        <p:tav tm="0">
-                                          <p:val>
-                                            <p:strVal val="1+#ppt_h/2"/>
-                                          </p:val>
-                                        </p:tav>
-                                        <p:tav tm="100000">
-                                          <p:val>
-                                            <p:strVal val="#ppt_y"/>
-                                          </p:val>
-                                        </p:tav>
-                                      </p:tavLst>
-                                    </p:anim>
-                                  </p:childTnLst>
-                                </p:cTn>
-                              </p:par>
-                            </p:childTnLst>
-                          </p:cTn>
-                        </p:par>
-                      </p:childTnLst>
-                    </p:cTn>
-                  </p:par>
-                  <p:par>
-                    <p:cTn id="36" fill="hold">
-                      <p:stCondLst>
-                        <p:cond delay="indefinite"/>
-                      </p:stCondLst>
-                      <p:childTnLst>
-                        <p:par>
-                          <p:cTn id="37" fill="hold">
-                            <p:stCondLst>
-                              <p:cond delay="0"/>
-                            </p:stCondLst>
-                            <p:childTnLst>
-                              <p:par>
-                                <p:cTn id="38" presetID="2" presetClass="entr" presetSubtype="4" fill="hold" grpId="0" nodeType="clickEffect">
-                                  <p:stCondLst>
-                                    <p:cond delay="0"/>
-                                  </p:stCondLst>
-                                  <p:childTnLst>
-                                    <p:set>
-                                      <p:cBhvr>
-                                        <p:cTn id="39" dur="1" fill="hold">
-                                          <p:stCondLst>
-                                            <p:cond delay="0"/>
-                                          </p:stCondLst>
-                                        </p:cTn>
-                                        <p:tgtEl>
-                                          <p:spTgt spid="14"/>
-                                        </p:tgtEl>
-                                        <p:attrNameLst>
-                                          <p:attrName>style.visibility</p:attrName>
-                                        </p:attrNameLst>
-                                      </p:cBhvr>
-                                      <p:to>
-                                        <p:strVal val="visible"/>
-                                      </p:to>
-                                    </p:set>
-                                    <p:anim calcmode="lin" valueType="num">
-                                      <p:cBhvr additive="base">
-                                        <p:cTn id="40" dur="500" fill="hold"/>
-                                        <p:tgtEl>
-                                          <p:spTgt spid="14"/>
-                                        </p:tgtEl>
-                                        <p:attrNameLst>
-                                          <p:attrName>ppt_x</p:attrName>
-                                        </p:attrNameLst>
-                                      </p:cBhvr>
-                                      <p:tavLst>
-                                        <p:tav tm="0">
-                                          <p:val>
-                                            <p:strVal val="#ppt_x"/>
-                                          </p:val>
-                                        </p:tav>
-                                        <p:tav tm="100000">
-                                          <p:val>
-                                            <p:strVal val="#ppt_x"/>
-                                          </p:val>
-                                        </p:tav>
-                                      </p:tavLst>
-                                    </p:anim>
-                                    <p:anim calcmode="lin" valueType="num">
-                                      <p:cBhvr additive="base">
-                                        <p:cTn id="41" dur="500" fill="hold"/>
-                                        <p:tgtEl>
-                                          <p:spTgt spid="14"/>
-                                        </p:tgtEl>
-                                        <p:attrNameLst>
-                                          <p:attrName>ppt_y</p:attrName>
-                                        </p:attrNameLst>
-                                      </p:cBhvr>
-                                      <p:tavLst>
-                                        <p:tav tm="0">
-                                          <p:val>
-                                            <p:strVal val="1+#ppt_h/2"/>
-                                          </p:val>
-                                        </p:tav>
-                                        <p:tav tm="100000">
-                                          <p:val>
-                                            <p:strVal val="#ppt_y"/>
-                                          </p:val>
-                                        </p:tav>
-                                      </p:tavLst>
-                                    </p:anim>
-                                  </p:childTnLst>
-                                </p:cTn>
-                              </p:par>
-                            </p:childTnLst>
-                          </p:cTn>
-                        </p:par>
-                      </p:childTnLst>
-                    </p:cTn>
-                  </p:par>
-                  <p:par>
-                    <p:cTn id="42" fill="hold">
-                      <p:stCondLst>
-                        <p:cond delay="indefinite"/>
-                      </p:stCondLst>
-                      <p:childTnLst>
-                        <p:par>
-                          <p:cTn id="43" fill="hold">
-                            <p:stCondLst>
-                              <p:cond delay="0"/>
-                            </p:stCondLst>
-                            <p:childTnLst>
-                              <p:par>
-                                <p:cTn id="44" presetID="2" presetClass="entr" presetSubtype="4" fill="hold" grpId="0" nodeType="clickEffect">
-                                  <p:stCondLst>
-                                    <p:cond delay="0"/>
-                                  </p:stCondLst>
-                                  <p:childTnLst>
-                                    <p:set>
-                                      <p:cBhvr>
-                                        <p:cTn id="45" dur="1" fill="hold">
-                                          <p:stCondLst>
-                                            <p:cond delay="0"/>
-                                          </p:stCondLst>
-                                        </p:cTn>
-                                        <p:tgtEl>
-                                          <p:spTgt spid="12"/>
-                                        </p:tgtEl>
-                                        <p:attrNameLst>
-                                          <p:attrName>style.visibility</p:attrName>
-                                        </p:attrNameLst>
-                                      </p:cBhvr>
-                                      <p:to>
-                                        <p:strVal val="visible"/>
-                                      </p:to>
-                                    </p:set>
-                                    <p:anim calcmode="lin" valueType="num">
-                                      <p:cBhvr additive="base">
-                                        <p:cTn id="46" dur="500" fill="hold"/>
-                                        <p:tgtEl>
-                                          <p:spTgt spid="12"/>
-                                        </p:tgtEl>
-                                        <p:attrNameLst>
-                                          <p:attrName>ppt_x</p:attrName>
-                                        </p:attrNameLst>
-                                      </p:cBhvr>
-                                      <p:tavLst>
-                                        <p:tav tm="0">
-                                          <p:val>
-                                            <p:strVal val="#ppt_x"/>
-                                          </p:val>
-                                        </p:tav>
-                                        <p:tav tm="100000">
-                                          <p:val>
-                                            <p:strVal val="#ppt_x"/>
-                                          </p:val>
-                                        </p:tav>
-                                      </p:tavLst>
-                                    </p:anim>
-                                    <p:anim calcmode="lin" valueType="num">
-                                      <p:cBhvr additive="base">
-                                        <p:cTn id="47" dur="500" fill="hold"/>
-                                        <p:tgtEl>
-                                          <p:spTgt spid="12"/>
-                                        </p:tgtEl>
-                                        <p:attrNameLst>
-                                          <p:attrName>ppt_y</p:attrName>
-                                        </p:attrNameLst>
-                                      </p:cBhvr>
-                                      <p:tavLst>
-                                        <p:tav tm="0">
-                                          <p:val>
-                                            <p:strVal val="1+#ppt_h/2"/>
-                                          </p:val>
-                                        </p:tav>
-                                        <p:tav tm="100000">
-                                          <p:val>
-                                            <p:strVal val="#ppt_y"/>
-                                          </p:val>
-                                        </p:tav>
-                                      </p:tavLst>
-                                    </p:anim>
-                                  </p:childTnLst>
-                                </p:cTn>
-                              </p:par>
-                            </p:childTnLst>
-                          </p:cTn>
-                        </p:par>
-                      </p:childTnLst>
-                    </p:cTn>
-                  </p:par>
-                  <p:par>
-                    <p:cTn id="48" fill="hold">
-                      <p:stCondLst>
-                        <p:cond delay="indefinite"/>
-                      </p:stCondLst>
-                      <p:childTnLst>
-                        <p:par>
-                          <p:cTn id="49" fill="hold">
-                            <p:stCondLst>
-                              <p:cond delay="0"/>
-                            </p:stCondLst>
-                            <p:childTnLst>
-                              <p:par>
-                                <p:cTn id="50" presetID="2" presetClass="entr" presetSubtype="4" fill="hold" nodeType="clickEffect">
-                                  <p:stCondLst>
-                                    <p:cond delay="0"/>
-                                  </p:stCondLst>
-                                  <p:childTnLst>
-                                    <p:set>
-                                      <p:cBhvr>
-                                        <p:cTn id="51" dur="1" fill="hold">
-                                          <p:stCondLst>
-                                            <p:cond delay="0"/>
-                                          </p:stCondLst>
-                                        </p:cTn>
-                                        <p:tgtEl>
-                                          <p:spTgt spid="13">
-                                            <p:txEl>
-                                              <p:pRg st="0" end="0"/>
-                                            </p:txEl>
-                                          </p:spTgt>
-                                        </p:tgtEl>
-                                        <p:attrNameLst>
-                                          <p:attrName>style.visibility</p:attrName>
-                                        </p:attrNameLst>
-                                      </p:cBhvr>
-                                      <p:to>
-                                        <p:strVal val="visible"/>
-                                      </p:to>
-                                    </p:set>
-                                    <p:anim calcmode="lin" valueType="num">
-                                      <p:cBhvr additive="base">
-                                        <p:cTn id="52" dur="500" fill="hold"/>
-                                        <p:tgtEl>
-                                          <p:spTgt spid="13">
-                                            <p:txEl>
-                                              <p:pRg st="0" end="0"/>
-                                            </p:txEl>
-                                          </p:spTgt>
-                                        </p:tgtEl>
-                                        <p:attrNameLst>
-                                          <p:attrName>ppt_x</p:attrName>
-                                        </p:attrNameLst>
-                                      </p:cBhvr>
-                                      <p:tavLst>
-                                        <p:tav tm="0">
-                                          <p:val>
-                                            <p:strVal val="#ppt_x"/>
-                                          </p:val>
-                                        </p:tav>
-                                        <p:tav tm="100000">
-                                          <p:val>
-                                            <p:strVal val="#ppt_x"/>
-                                          </p:val>
-                                        </p:tav>
-                                      </p:tavLst>
-                                    </p:anim>
-                                    <p:anim calcmode="lin" valueType="num">
-                                      <p:cBhvr additive="base">
-                                        <p:cTn id="53" dur="500" fill="hold"/>
-                                        <p:tgtEl>
-                                          <p:spTgt spid="13">
-                                            <p:txEl>
-                                              <p:pRg st="0" end="0"/>
-                                            </p:txEl>
-                                          </p:spTgt>
-                                        </p:tgtEl>
-                                        <p:attrNameLst>
-                                          <p:attrName>ppt_y</p:attrName>
-                                        </p:attrNameLst>
-                                      </p:cBhvr>
-                                      <p:tavLst>
-                                        <p:tav tm="0">
-                                          <p:val>
-                                            <p:strVal val="1+#ppt_h/2"/>
-                                          </p:val>
-                                        </p:tav>
-                                        <p:tav tm="100000">
-                                          <p:val>
-                                            <p:strVal val="#ppt_y"/>
-                                          </p:val>
-                                        </p:tav>
-                                      </p:tavLst>
-                                    </p:anim>
-                                  </p:childTnLst>
-                                </p:cTn>
-                              </p:par>
-                            </p:childTnLst>
-                          </p:cTn>
-                        </p:par>
-                      </p:childTnLst>
-                    </p:cTn>
-                  </p:par>
-                </p:childTnLst>
-              </p:cTn>
-              <p:prevCondLst>
-                <p:cond evt="onPrev" delay="0">
-                  <p:tgtEl>
-                    <p:sldTgt/>
-                  </p:tgtEl>
-                </p:cond>
-              </p:prevCondLst>
-              <p:nextCondLst>
-                <p:cond evt="onNext" delay="0">
-                  <p:tgtEl>
-                    <p:sldTgt/>
-                  </p:tgtEl>
-                </p:cond>
-              </p:nextCondLst>
-            </p:seq>
-          </p:childTnLst>
-        </p:cTn>
-      </p:par>
-    </p:tnLst>
-    <p:bldLst>
-      <p:bldP spid="8" grpId="0"/>
-      <p:bldP spid="9" grpId="0"/>
-      <p:bldP spid="10" grpId="0"/>
-      <p:bldP spid="11" grpId="0"/>
-      <p:bldP spid="12" grpId="0"/>
-      <p:bldP spid="14" grpId="0"/>
-    </p:bldLst>
-  </p:timing>
 </p:sld>
 </file>
 
